--- a/day1/presentation/Fullstackwebdevelopment.pptx
+++ b/day1/presentation/Fullstackwebdevelopment.pptx
@@ -5,7 +5,7 @@
     <p:sldMasterId id="2147483648" r:id="rId1"/>
   </p:sldMasterIdLst>
   <p:notesMasterIdLst>
-    <p:notesMasterId r:id="rId33"/>
+    <p:notesMasterId r:id="rId31"/>
   </p:notesMasterIdLst>
   <p:sldIdLst>
     <p:sldId id="256" r:id="rId2"/>
@@ -20,25 +20,23 @@
     <p:sldId id="480" r:id="rId11"/>
     <p:sldId id="482" r:id="rId12"/>
     <p:sldId id="484" r:id="rId13"/>
-    <p:sldId id="485" r:id="rId14"/>
-    <p:sldId id="492" r:id="rId15"/>
-    <p:sldId id="493" r:id="rId16"/>
-    <p:sldId id="494" r:id="rId17"/>
-    <p:sldId id="495" r:id="rId18"/>
-    <p:sldId id="496" r:id="rId19"/>
-    <p:sldId id="417" r:id="rId20"/>
-    <p:sldId id="491" r:id="rId21"/>
-    <p:sldId id="486" r:id="rId22"/>
-    <p:sldId id="487" r:id="rId23"/>
-    <p:sldId id="488" r:id="rId24"/>
-    <p:sldId id="489" r:id="rId25"/>
-    <p:sldId id="490" r:id="rId26"/>
-    <p:sldId id="498" r:id="rId27"/>
-    <p:sldId id="499" r:id="rId28"/>
-    <p:sldId id="500" r:id="rId29"/>
-    <p:sldId id="501" r:id="rId30"/>
-    <p:sldId id="502" r:id="rId31"/>
-    <p:sldId id="446" r:id="rId32"/>
+    <p:sldId id="492" r:id="rId14"/>
+    <p:sldId id="494" r:id="rId15"/>
+    <p:sldId id="495" r:id="rId16"/>
+    <p:sldId id="496" r:id="rId17"/>
+    <p:sldId id="417" r:id="rId18"/>
+    <p:sldId id="491" r:id="rId19"/>
+    <p:sldId id="486" r:id="rId20"/>
+    <p:sldId id="487" r:id="rId21"/>
+    <p:sldId id="488" r:id="rId22"/>
+    <p:sldId id="489" r:id="rId23"/>
+    <p:sldId id="490" r:id="rId24"/>
+    <p:sldId id="498" r:id="rId25"/>
+    <p:sldId id="499" r:id="rId26"/>
+    <p:sldId id="500" r:id="rId27"/>
+    <p:sldId id="501" r:id="rId28"/>
+    <p:sldId id="502" r:id="rId29"/>
+    <p:sldId id="446" r:id="rId30"/>
   </p:sldIdLst>
   <p:sldSz cx="12192000" cy="6858000"/>
   <p:notesSz cx="6858000" cy="9144000"/>
@@ -139,7 +137,7 @@
   </p:defaultTextStyle>
   <p:extLst>
     <p:ext uri="{EFAFB233-063F-42B5-8137-9DF3F51BA10A}">
-      <p15:sldGuideLst xmlns:p15="http://schemas.microsoft.com/office/powerpoint/2012/main"/>
+      <p15:sldGuideLst xmlns:p15="http://schemas.microsoft.com/office/powerpoint/2012/main" xmlns=""/>
     </p:ext>
   </p:extLst>
 </p:presentation>
@@ -227,7 +225,8 @@
           <a:p>
             <a:fld id="{3A38CD94-176D-4119-80F9-05F0E1DE1C0E}" type="datetimeFigureOut">
               <a:rPr lang="en-US" smtClean="0"/>
-              <a:t>1/20/2020</a:t>
+              <a:pPr/>
+              <a:t>20-Jan-20</a:t>
             </a:fld>
             <a:endParaRPr lang="en-US"/>
           </a:p>
@@ -385,6 +384,7 @@
           <a:p>
             <a:fld id="{6E4CCD77-D203-464E-99FB-03E606FC344A}" type="slidenum">
               <a:rPr lang="en-US" smtClean="0"/>
+              <a:pPr/>
               <a:t>‹#›</a:t>
             </a:fld>
             <a:endParaRPr lang="en-US"/>
@@ -394,7 +394,7 @@
     </p:spTree>
     <p:extLst>
       <p:ext uri="{BB962C8B-B14F-4D97-AF65-F5344CB8AC3E}">
-        <p14:creationId xmlns:p14="http://schemas.microsoft.com/office/powerpoint/2010/main" val="3987512268"/>
+        <p14:creationId xmlns:p14="http://schemas.microsoft.com/office/powerpoint/2010/main" xmlns="" val="3987512268"/>
       </p:ext>
     </p:extLst>
   </p:cSld>
@@ -559,7 +559,8 @@
           <a:p>
             <a:fld id="{6E4CCD77-D203-464E-99FB-03E606FC344A}" type="slidenum">
               <a:rPr lang="en-US" smtClean="0"/>
-              <a:t>29</a:t>
+              <a:pPr/>
+              <a:t>27</a:t>
             </a:fld>
             <a:endParaRPr lang="en-US"/>
           </a:p>
@@ -568,7 +569,7 @@
     </p:spTree>
     <p:extLst>
       <p:ext uri="{BB962C8B-B14F-4D97-AF65-F5344CB8AC3E}">
-        <p14:creationId xmlns:p14="http://schemas.microsoft.com/office/powerpoint/2010/main" val="1245009512"/>
+        <p14:creationId xmlns:p14="http://schemas.microsoft.com/office/powerpoint/2010/main" xmlns="" val="1245009512"/>
       </p:ext>
     </p:extLst>
   </p:cSld>
@@ -643,7 +644,8 @@
           <a:p>
             <a:fld id="{6E4CCD77-D203-464E-99FB-03E606FC344A}" type="slidenum">
               <a:rPr lang="en-US" smtClean="0"/>
-              <a:t>30</a:t>
+              <a:pPr/>
+              <a:t>28</a:t>
             </a:fld>
             <a:endParaRPr lang="en-US"/>
           </a:p>
@@ -652,7 +654,7 @@
     </p:spTree>
     <p:extLst>
       <p:ext uri="{BB962C8B-B14F-4D97-AF65-F5344CB8AC3E}">
-        <p14:creationId xmlns:p14="http://schemas.microsoft.com/office/powerpoint/2010/main" val="2420899784"/>
+        <p14:creationId xmlns:p14="http://schemas.microsoft.com/office/powerpoint/2010/main" xmlns="" val="2420899784"/>
       </p:ext>
     </p:extLst>
   </p:cSld>
@@ -684,7 +686,7 @@
           <p:cNvPr id="2" name="Title 1">
             <a:extLst>
               <a:ext uri="{FF2B5EF4-FFF2-40B4-BE49-F238E27FC236}">
-                <a16:creationId xmlns:a16="http://schemas.microsoft.com/office/drawing/2014/main" id="{6D6E55CF-1219-41C8-8B58-66B4AF6684B4}"/>
+                <a16:creationId xmlns:a16="http://schemas.microsoft.com/office/drawing/2014/main" xmlns="" id="{6D6E55CF-1219-41C8-8B58-66B4AF6684B4}"/>
               </a:ext>
             </a:extLst>
           </p:cNvPr>
@@ -722,7 +724,7 @@
           <p:cNvPr id="3" name="Subtitle 2">
             <a:extLst>
               <a:ext uri="{FF2B5EF4-FFF2-40B4-BE49-F238E27FC236}">
-                <a16:creationId xmlns:a16="http://schemas.microsoft.com/office/drawing/2014/main" id="{0AF10485-7D8A-498B-9366-1D903D80C807}"/>
+                <a16:creationId xmlns:a16="http://schemas.microsoft.com/office/drawing/2014/main" xmlns="" id="{0AF10485-7D8A-498B-9366-1D903D80C807}"/>
               </a:ext>
             </a:extLst>
           </p:cNvPr>
@@ -793,7 +795,7 @@
           <p:cNvPr id="4" name="Date Placeholder 3">
             <a:extLst>
               <a:ext uri="{FF2B5EF4-FFF2-40B4-BE49-F238E27FC236}">
-                <a16:creationId xmlns:a16="http://schemas.microsoft.com/office/drawing/2014/main" id="{DAE81F86-01F4-4856-BDDF-3D5BC4530DCE}"/>
+                <a16:creationId xmlns:a16="http://schemas.microsoft.com/office/drawing/2014/main" xmlns="" id="{DAE81F86-01F4-4856-BDDF-3D5BC4530DCE}"/>
               </a:ext>
             </a:extLst>
           </p:cNvPr>
@@ -811,6 +813,7 @@
           <a:p>
             <a:fld id="{B3B48485-EDEB-4E5A-BB3A-BC2391E627B4}" type="datetimeFigureOut">
               <a:rPr lang="en-IN" smtClean="0"/>
+              <a:pPr/>
               <a:t>20-01-2020</a:t>
             </a:fld>
             <a:endParaRPr lang="en-IN"/>
@@ -822,7 +825,7 @@
           <p:cNvPr id="5" name="Footer Placeholder 4">
             <a:extLst>
               <a:ext uri="{FF2B5EF4-FFF2-40B4-BE49-F238E27FC236}">
-                <a16:creationId xmlns:a16="http://schemas.microsoft.com/office/drawing/2014/main" id="{A4FE61DA-C2A5-48CA-9078-1B1D1357E1CF}"/>
+                <a16:creationId xmlns:a16="http://schemas.microsoft.com/office/drawing/2014/main" xmlns="" id="{A4FE61DA-C2A5-48CA-9078-1B1D1357E1CF}"/>
               </a:ext>
             </a:extLst>
           </p:cNvPr>
@@ -847,7 +850,7 @@
           <p:cNvPr id="6" name="Slide Number Placeholder 5">
             <a:extLst>
               <a:ext uri="{FF2B5EF4-FFF2-40B4-BE49-F238E27FC236}">
-                <a16:creationId xmlns:a16="http://schemas.microsoft.com/office/drawing/2014/main" id="{E76FA52B-470F-42FD-87C5-2DE4442DAE07}"/>
+                <a16:creationId xmlns:a16="http://schemas.microsoft.com/office/drawing/2014/main" xmlns="" id="{E76FA52B-470F-42FD-87C5-2DE4442DAE07}"/>
               </a:ext>
             </a:extLst>
           </p:cNvPr>
@@ -865,6 +868,7 @@
           <a:p>
             <a:fld id="{87F472DF-D0EC-471E-A40A-5BA795EB6BF8}" type="slidenum">
               <a:rPr lang="en-IN" smtClean="0"/>
+              <a:pPr/>
               <a:t>‹#›</a:t>
             </a:fld>
             <a:endParaRPr lang="en-IN"/>
@@ -874,7 +878,7 @@
     </p:spTree>
     <p:extLst>
       <p:ext uri="{BB962C8B-B14F-4D97-AF65-F5344CB8AC3E}">
-        <p14:creationId xmlns:p14="http://schemas.microsoft.com/office/powerpoint/2010/main" val="826300635"/>
+        <p14:creationId xmlns:p14="http://schemas.microsoft.com/office/powerpoint/2010/main" xmlns="" val="826300635"/>
       </p:ext>
     </p:extLst>
   </p:cSld>
@@ -906,7 +910,7 @@
           <p:cNvPr id="2" name="Title 1">
             <a:extLst>
               <a:ext uri="{FF2B5EF4-FFF2-40B4-BE49-F238E27FC236}">
-                <a16:creationId xmlns:a16="http://schemas.microsoft.com/office/drawing/2014/main" id="{2932E5AF-B45E-4818-B164-190A701E1929}"/>
+                <a16:creationId xmlns:a16="http://schemas.microsoft.com/office/drawing/2014/main" xmlns="" id="{2932E5AF-B45E-4818-B164-190A701E1929}"/>
               </a:ext>
             </a:extLst>
           </p:cNvPr>
@@ -935,7 +939,7 @@
           <p:cNvPr id="3" name="Vertical Text Placeholder 2">
             <a:extLst>
               <a:ext uri="{FF2B5EF4-FFF2-40B4-BE49-F238E27FC236}">
-                <a16:creationId xmlns:a16="http://schemas.microsoft.com/office/drawing/2014/main" id="{C95DC0C4-24D8-4EA1-A46C-DEAB571DBC73}"/>
+                <a16:creationId xmlns:a16="http://schemas.microsoft.com/office/drawing/2014/main" xmlns="" id="{C95DC0C4-24D8-4EA1-A46C-DEAB571DBC73}"/>
               </a:ext>
             </a:extLst>
           </p:cNvPr>
@@ -993,7 +997,7 @@
           <p:cNvPr id="4" name="Date Placeholder 3">
             <a:extLst>
               <a:ext uri="{FF2B5EF4-FFF2-40B4-BE49-F238E27FC236}">
-                <a16:creationId xmlns:a16="http://schemas.microsoft.com/office/drawing/2014/main" id="{953E1C6E-7D45-4DE3-A51D-3441C948032F}"/>
+                <a16:creationId xmlns:a16="http://schemas.microsoft.com/office/drawing/2014/main" xmlns="" id="{953E1C6E-7D45-4DE3-A51D-3441C948032F}"/>
               </a:ext>
             </a:extLst>
           </p:cNvPr>
@@ -1011,6 +1015,7 @@
           <a:p>
             <a:fld id="{B3B48485-EDEB-4E5A-BB3A-BC2391E627B4}" type="datetimeFigureOut">
               <a:rPr lang="en-IN" smtClean="0"/>
+              <a:pPr/>
               <a:t>20-01-2020</a:t>
             </a:fld>
             <a:endParaRPr lang="en-IN"/>
@@ -1022,7 +1027,7 @@
           <p:cNvPr id="5" name="Footer Placeholder 4">
             <a:extLst>
               <a:ext uri="{FF2B5EF4-FFF2-40B4-BE49-F238E27FC236}">
-                <a16:creationId xmlns:a16="http://schemas.microsoft.com/office/drawing/2014/main" id="{22B068A0-6236-4080-8D00-67A59EB0969B}"/>
+                <a16:creationId xmlns:a16="http://schemas.microsoft.com/office/drawing/2014/main" xmlns="" id="{22B068A0-6236-4080-8D00-67A59EB0969B}"/>
               </a:ext>
             </a:extLst>
           </p:cNvPr>
@@ -1047,7 +1052,7 @@
           <p:cNvPr id="6" name="Slide Number Placeholder 5">
             <a:extLst>
               <a:ext uri="{FF2B5EF4-FFF2-40B4-BE49-F238E27FC236}">
-                <a16:creationId xmlns:a16="http://schemas.microsoft.com/office/drawing/2014/main" id="{ABCBE01B-9213-429F-AB43-BDE1C077E454}"/>
+                <a16:creationId xmlns:a16="http://schemas.microsoft.com/office/drawing/2014/main" xmlns="" id="{ABCBE01B-9213-429F-AB43-BDE1C077E454}"/>
               </a:ext>
             </a:extLst>
           </p:cNvPr>
@@ -1065,6 +1070,7 @@
           <a:p>
             <a:fld id="{87F472DF-D0EC-471E-A40A-5BA795EB6BF8}" type="slidenum">
               <a:rPr lang="en-IN" smtClean="0"/>
+              <a:pPr/>
               <a:t>‹#›</a:t>
             </a:fld>
             <a:endParaRPr lang="en-IN"/>
@@ -1074,7 +1080,7 @@
     </p:spTree>
     <p:extLst>
       <p:ext uri="{BB962C8B-B14F-4D97-AF65-F5344CB8AC3E}">
-        <p14:creationId xmlns:p14="http://schemas.microsoft.com/office/powerpoint/2010/main" val="2531736592"/>
+        <p14:creationId xmlns:p14="http://schemas.microsoft.com/office/powerpoint/2010/main" xmlns="" val="2531736592"/>
       </p:ext>
     </p:extLst>
   </p:cSld>
@@ -1106,7 +1112,7 @@
           <p:cNvPr id="2" name="Vertical Title 1">
             <a:extLst>
               <a:ext uri="{FF2B5EF4-FFF2-40B4-BE49-F238E27FC236}">
-                <a16:creationId xmlns:a16="http://schemas.microsoft.com/office/drawing/2014/main" id="{F0AC38E8-2FE5-4B4A-8A03-A2A65362F6AE}"/>
+                <a16:creationId xmlns:a16="http://schemas.microsoft.com/office/drawing/2014/main" xmlns="" id="{F0AC38E8-2FE5-4B4A-8A03-A2A65362F6AE}"/>
               </a:ext>
             </a:extLst>
           </p:cNvPr>
@@ -1140,7 +1146,7 @@
           <p:cNvPr id="3" name="Vertical Text Placeholder 2">
             <a:extLst>
               <a:ext uri="{FF2B5EF4-FFF2-40B4-BE49-F238E27FC236}">
-                <a16:creationId xmlns:a16="http://schemas.microsoft.com/office/drawing/2014/main" id="{3244DB88-E0DF-4E2B-82D6-411109557F40}"/>
+                <a16:creationId xmlns:a16="http://schemas.microsoft.com/office/drawing/2014/main" xmlns="" id="{3244DB88-E0DF-4E2B-82D6-411109557F40}"/>
               </a:ext>
             </a:extLst>
           </p:cNvPr>
@@ -1203,7 +1209,7 @@
           <p:cNvPr id="4" name="Date Placeholder 3">
             <a:extLst>
               <a:ext uri="{FF2B5EF4-FFF2-40B4-BE49-F238E27FC236}">
-                <a16:creationId xmlns:a16="http://schemas.microsoft.com/office/drawing/2014/main" id="{D5C84BC7-18AF-4C06-ACDB-EC2BE129C67A}"/>
+                <a16:creationId xmlns:a16="http://schemas.microsoft.com/office/drawing/2014/main" xmlns="" id="{D5C84BC7-18AF-4C06-ACDB-EC2BE129C67A}"/>
               </a:ext>
             </a:extLst>
           </p:cNvPr>
@@ -1221,6 +1227,7 @@
           <a:p>
             <a:fld id="{B3B48485-EDEB-4E5A-BB3A-BC2391E627B4}" type="datetimeFigureOut">
               <a:rPr lang="en-IN" smtClean="0"/>
+              <a:pPr/>
               <a:t>20-01-2020</a:t>
             </a:fld>
             <a:endParaRPr lang="en-IN"/>
@@ -1232,7 +1239,7 @@
           <p:cNvPr id="5" name="Footer Placeholder 4">
             <a:extLst>
               <a:ext uri="{FF2B5EF4-FFF2-40B4-BE49-F238E27FC236}">
-                <a16:creationId xmlns:a16="http://schemas.microsoft.com/office/drawing/2014/main" id="{5EAB1688-CA98-4102-B67C-0CE7B37198E6}"/>
+                <a16:creationId xmlns:a16="http://schemas.microsoft.com/office/drawing/2014/main" xmlns="" id="{5EAB1688-CA98-4102-B67C-0CE7B37198E6}"/>
               </a:ext>
             </a:extLst>
           </p:cNvPr>
@@ -1257,7 +1264,7 @@
           <p:cNvPr id="6" name="Slide Number Placeholder 5">
             <a:extLst>
               <a:ext uri="{FF2B5EF4-FFF2-40B4-BE49-F238E27FC236}">
-                <a16:creationId xmlns:a16="http://schemas.microsoft.com/office/drawing/2014/main" id="{F895BB8E-8662-4EF1-A418-E85F60E9E1D6}"/>
+                <a16:creationId xmlns:a16="http://schemas.microsoft.com/office/drawing/2014/main" xmlns="" id="{F895BB8E-8662-4EF1-A418-E85F60E9E1D6}"/>
               </a:ext>
             </a:extLst>
           </p:cNvPr>
@@ -1275,6 +1282,7 @@
           <a:p>
             <a:fld id="{87F472DF-D0EC-471E-A40A-5BA795EB6BF8}" type="slidenum">
               <a:rPr lang="en-IN" smtClean="0"/>
+              <a:pPr/>
               <a:t>‹#›</a:t>
             </a:fld>
             <a:endParaRPr lang="en-IN"/>
@@ -1284,7 +1292,7 @@
     </p:spTree>
     <p:extLst>
       <p:ext uri="{BB962C8B-B14F-4D97-AF65-F5344CB8AC3E}">
-        <p14:creationId xmlns:p14="http://schemas.microsoft.com/office/powerpoint/2010/main" val="277477182"/>
+        <p14:creationId xmlns:p14="http://schemas.microsoft.com/office/powerpoint/2010/main" xmlns="" val="277477182"/>
       </p:ext>
     </p:extLst>
   </p:cSld>
@@ -1316,7 +1324,7 @@
           <p:cNvPr id="2" name="Title 1">
             <a:extLst>
               <a:ext uri="{FF2B5EF4-FFF2-40B4-BE49-F238E27FC236}">
-                <a16:creationId xmlns:a16="http://schemas.microsoft.com/office/drawing/2014/main" id="{F0B33D71-9FA6-4C08-ACF0-C53C351DEF28}"/>
+                <a16:creationId xmlns:a16="http://schemas.microsoft.com/office/drawing/2014/main" xmlns="" id="{F0B33D71-9FA6-4C08-ACF0-C53C351DEF28}"/>
               </a:ext>
             </a:extLst>
           </p:cNvPr>
@@ -1345,7 +1353,7 @@
           <p:cNvPr id="3" name="Content Placeholder 2">
             <a:extLst>
               <a:ext uri="{FF2B5EF4-FFF2-40B4-BE49-F238E27FC236}">
-                <a16:creationId xmlns:a16="http://schemas.microsoft.com/office/drawing/2014/main" id="{EBBEE549-37DB-468D-9476-6B8C1C1FD3ED}"/>
+                <a16:creationId xmlns:a16="http://schemas.microsoft.com/office/drawing/2014/main" xmlns="" id="{EBBEE549-37DB-468D-9476-6B8C1C1FD3ED}"/>
               </a:ext>
             </a:extLst>
           </p:cNvPr>
@@ -1403,7 +1411,7 @@
           <p:cNvPr id="4" name="Date Placeholder 3">
             <a:extLst>
               <a:ext uri="{FF2B5EF4-FFF2-40B4-BE49-F238E27FC236}">
-                <a16:creationId xmlns:a16="http://schemas.microsoft.com/office/drawing/2014/main" id="{92E0A4DC-7735-47AD-851A-C745996242DD}"/>
+                <a16:creationId xmlns:a16="http://schemas.microsoft.com/office/drawing/2014/main" xmlns="" id="{92E0A4DC-7735-47AD-851A-C745996242DD}"/>
               </a:ext>
             </a:extLst>
           </p:cNvPr>
@@ -1421,6 +1429,7 @@
           <a:p>
             <a:fld id="{B3B48485-EDEB-4E5A-BB3A-BC2391E627B4}" type="datetimeFigureOut">
               <a:rPr lang="en-IN" smtClean="0"/>
+              <a:pPr/>
               <a:t>20-01-2020</a:t>
             </a:fld>
             <a:endParaRPr lang="en-IN"/>
@@ -1432,7 +1441,7 @@
           <p:cNvPr id="5" name="Footer Placeholder 4">
             <a:extLst>
               <a:ext uri="{FF2B5EF4-FFF2-40B4-BE49-F238E27FC236}">
-                <a16:creationId xmlns:a16="http://schemas.microsoft.com/office/drawing/2014/main" id="{26943FBC-A5D1-43BD-9DA0-D398ABDA2C01}"/>
+                <a16:creationId xmlns:a16="http://schemas.microsoft.com/office/drawing/2014/main" xmlns="" id="{26943FBC-A5D1-43BD-9DA0-D398ABDA2C01}"/>
               </a:ext>
             </a:extLst>
           </p:cNvPr>
@@ -1457,7 +1466,7 @@
           <p:cNvPr id="6" name="Slide Number Placeholder 5">
             <a:extLst>
               <a:ext uri="{FF2B5EF4-FFF2-40B4-BE49-F238E27FC236}">
-                <a16:creationId xmlns:a16="http://schemas.microsoft.com/office/drawing/2014/main" id="{47B12916-2335-483B-94EA-D11851E5B31E}"/>
+                <a16:creationId xmlns:a16="http://schemas.microsoft.com/office/drawing/2014/main" xmlns="" id="{47B12916-2335-483B-94EA-D11851E5B31E}"/>
               </a:ext>
             </a:extLst>
           </p:cNvPr>
@@ -1475,6 +1484,7 @@
           <a:p>
             <a:fld id="{87F472DF-D0EC-471E-A40A-5BA795EB6BF8}" type="slidenum">
               <a:rPr lang="en-IN" smtClean="0"/>
+              <a:pPr/>
               <a:t>‹#›</a:t>
             </a:fld>
             <a:endParaRPr lang="en-IN"/>
@@ -1484,7 +1494,7 @@
     </p:spTree>
     <p:extLst>
       <p:ext uri="{BB962C8B-B14F-4D97-AF65-F5344CB8AC3E}">
-        <p14:creationId xmlns:p14="http://schemas.microsoft.com/office/powerpoint/2010/main" val="4242056410"/>
+        <p14:creationId xmlns:p14="http://schemas.microsoft.com/office/powerpoint/2010/main" xmlns="" val="4242056410"/>
       </p:ext>
     </p:extLst>
   </p:cSld>
@@ -1516,7 +1526,7 @@
           <p:cNvPr id="2" name="Title 1">
             <a:extLst>
               <a:ext uri="{FF2B5EF4-FFF2-40B4-BE49-F238E27FC236}">
-                <a16:creationId xmlns:a16="http://schemas.microsoft.com/office/drawing/2014/main" id="{3E063A2F-18F7-4536-99F2-FC8B2759511F}"/>
+                <a16:creationId xmlns:a16="http://schemas.microsoft.com/office/drawing/2014/main" xmlns="" id="{3E063A2F-18F7-4536-99F2-FC8B2759511F}"/>
               </a:ext>
             </a:extLst>
           </p:cNvPr>
@@ -1554,7 +1564,7 @@
           <p:cNvPr id="3" name="Text Placeholder 2">
             <a:extLst>
               <a:ext uri="{FF2B5EF4-FFF2-40B4-BE49-F238E27FC236}">
-                <a16:creationId xmlns:a16="http://schemas.microsoft.com/office/drawing/2014/main" id="{58609D9B-9245-44DC-AC75-443ED57CAA3F}"/>
+                <a16:creationId xmlns:a16="http://schemas.microsoft.com/office/drawing/2014/main" xmlns="" id="{58609D9B-9245-44DC-AC75-443ED57CAA3F}"/>
               </a:ext>
             </a:extLst>
           </p:cNvPr>
@@ -1679,7 +1689,7 @@
           <p:cNvPr id="4" name="Date Placeholder 3">
             <a:extLst>
               <a:ext uri="{FF2B5EF4-FFF2-40B4-BE49-F238E27FC236}">
-                <a16:creationId xmlns:a16="http://schemas.microsoft.com/office/drawing/2014/main" id="{164A991A-C6AB-403A-B977-F46238364B05}"/>
+                <a16:creationId xmlns:a16="http://schemas.microsoft.com/office/drawing/2014/main" xmlns="" id="{164A991A-C6AB-403A-B977-F46238364B05}"/>
               </a:ext>
             </a:extLst>
           </p:cNvPr>
@@ -1697,6 +1707,7 @@
           <a:p>
             <a:fld id="{B3B48485-EDEB-4E5A-BB3A-BC2391E627B4}" type="datetimeFigureOut">
               <a:rPr lang="en-IN" smtClean="0"/>
+              <a:pPr/>
               <a:t>20-01-2020</a:t>
             </a:fld>
             <a:endParaRPr lang="en-IN"/>
@@ -1708,7 +1719,7 @@
           <p:cNvPr id="5" name="Footer Placeholder 4">
             <a:extLst>
               <a:ext uri="{FF2B5EF4-FFF2-40B4-BE49-F238E27FC236}">
-                <a16:creationId xmlns:a16="http://schemas.microsoft.com/office/drawing/2014/main" id="{234D9759-DC1E-4975-97B2-29C7C3594097}"/>
+                <a16:creationId xmlns:a16="http://schemas.microsoft.com/office/drawing/2014/main" xmlns="" id="{234D9759-DC1E-4975-97B2-29C7C3594097}"/>
               </a:ext>
             </a:extLst>
           </p:cNvPr>
@@ -1733,7 +1744,7 @@
           <p:cNvPr id="6" name="Slide Number Placeholder 5">
             <a:extLst>
               <a:ext uri="{FF2B5EF4-FFF2-40B4-BE49-F238E27FC236}">
-                <a16:creationId xmlns:a16="http://schemas.microsoft.com/office/drawing/2014/main" id="{834CA209-750C-4C8B-B751-3416FE88993B}"/>
+                <a16:creationId xmlns:a16="http://schemas.microsoft.com/office/drawing/2014/main" xmlns="" id="{834CA209-750C-4C8B-B751-3416FE88993B}"/>
               </a:ext>
             </a:extLst>
           </p:cNvPr>
@@ -1751,6 +1762,7 @@
           <a:p>
             <a:fld id="{87F472DF-D0EC-471E-A40A-5BA795EB6BF8}" type="slidenum">
               <a:rPr lang="en-IN" smtClean="0"/>
+              <a:pPr/>
               <a:t>‹#›</a:t>
             </a:fld>
             <a:endParaRPr lang="en-IN"/>
@@ -1760,7 +1772,7 @@
     </p:spTree>
     <p:extLst>
       <p:ext uri="{BB962C8B-B14F-4D97-AF65-F5344CB8AC3E}">
-        <p14:creationId xmlns:p14="http://schemas.microsoft.com/office/powerpoint/2010/main" val="217703254"/>
+        <p14:creationId xmlns:p14="http://schemas.microsoft.com/office/powerpoint/2010/main" xmlns="" val="217703254"/>
       </p:ext>
     </p:extLst>
   </p:cSld>
@@ -1792,7 +1804,7 @@
           <p:cNvPr id="2" name="Title 1">
             <a:extLst>
               <a:ext uri="{FF2B5EF4-FFF2-40B4-BE49-F238E27FC236}">
-                <a16:creationId xmlns:a16="http://schemas.microsoft.com/office/drawing/2014/main" id="{329F4987-E498-4262-9559-D09193AD491F}"/>
+                <a16:creationId xmlns:a16="http://schemas.microsoft.com/office/drawing/2014/main" xmlns="" id="{329F4987-E498-4262-9559-D09193AD491F}"/>
               </a:ext>
             </a:extLst>
           </p:cNvPr>
@@ -1821,7 +1833,7 @@
           <p:cNvPr id="3" name="Content Placeholder 2">
             <a:extLst>
               <a:ext uri="{FF2B5EF4-FFF2-40B4-BE49-F238E27FC236}">
-                <a16:creationId xmlns:a16="http://schemas.microsoft.com/office/drawing/2014/main" id="{E812AE04-584A-4F87-BD3F-2056E4357F29}"/>
+                <a16:creationId xmlns:a16="http://schemas.microsoft.com/office/drawing/2014/main" xmlns="" id="{E812AE04-584A-4F87-BD3F-2056E4357F29}"/>
               </a:ext>
             </a:extLst>
           </p:cNvPr>
@@ -1884,7 +1896,7 @@
           <p:cNvPr id="4" name="Content Placeholder 3">
             <a:extLst>
               <a:ext uri="{FF2B5EF4-FFF2-40B4-BE49-F238E27FC236}">
-                <a16:creationId xmlns:a16="http://schemas.microsoft.com/office/drawing/2014/main" id="{D88D97F2-CC13-4DBD-9769-D973C0E932C5}"/>
+                <a16:creationId xmlns:a16="http://schemas.microsoft.com/office/drawing/2014/main" xmlns="" id="{D88D97F2-CC13-4DBD-9769-D973C0E932C5}"/>
               </a:ext>
             </a:extLst>
           </p:cNvPr>
@@ -1947,7 +1959,7 @@
           <p:cNvPr id="5" name="Date Placeholder 4">
             <a:extLst>
               <a:ext uri="{FF2B5EF4-FFF2-40B4-BE49-F238E27FC236}">
-                <a16:creationId xmlns:a16="http://schemas.microsoft.com/office/drawing/2014/main" id="{AF545AF0-178D-49FD-8D2A-89C0433B65B0}"/>
+                <a16:creationId xmlns:a16="http://schemas.microsoft.com/office/drawing/2014/main" xmlns="" id="{AF545AF0-178D-49FD-8D2A-89C0433B65B0}"/>
               </a:ext>
             </a:extLst>
           </p:cNvPr>
@@ -1965,6 +1977,7 @@
           <a:p>
             <a:fld id="{B3B48485-EDEB-4E5A-BB3A-BC2391E627B4}" type="datetimeFigureOut">
               <a:rPr lang="en-IN" smtClean="0"/>
+              <a:pPr/>
               <a:t>20-01-2020</a:t>
             </a:fld>
             <a:endParaRPr lang="en-IN"/>
@@ -1976,7 +1989,7 @@
           <p:cNvPr id="6" name="Footer Placeholder 5">
             <a:extLst>
               <a:ext uri="{FF2B5EF4-FFF2-40B4-BE49-F238E27FC236}">
-                <a16:creationId xmlns:a16="http://schemas.microsoft.com/office/drawing/2014/main" id="{745483B5-7D5A-45B3-A598-596291955F94}"/>
+                <a16:creationId xmlns:a16="http://schemas.microsoft.com/office/drawing/2014/main" xmlns="" id="{745483B5-7D5A-45B3-A598-596291955F94}"/>
               </a:ext>
             </a:extLst>
           </p:cNvPr>
@@ -2001,7 +2014,7 @@
           <p:cNvPr id="7" name="Slide Number Placeholder 6">
             <a:extLst>
               <a:ext uri="{FF2B5EF4-FFF2-40B4-BE49-F238E27FC236}">
-                <a16:creationId xmlns:a16="http://schemas.microsoft.com/office/drawing/2014/main" id="{2F9FF5C5-AD43-44E6-80BD-C04A8C6B7CB2}"/>
+                <a16:creationId xmlns:a16="http://schemas.microsoft.com/office/drawing/2014/main" xmlns="" id="{2F9FF5C5-AD43-44E6-80BD-C04A8C6B7CB2}"/>
               </a:ext>
             </a:extLst>
           </p:cNvPr>
@@ -2019,6 +2032,7 @@
           <a:p>
             <a:fld id="{87F472DF-D0EC-471E-A40A-5BA795EB6BF8}" type="slidenum">
               <a:rPr lang="en-IN" smtClean="0"/>
+              <a:pPr/>
               <a:t>‹#›</a:t>
             </a:fld>
             <a:endParaRPr lang="en-IN"/>
@@ -2028,7 +2042,7 @@
     </p:spTree>
     <p:extLst>
       <p:ext uri="{BB962C8B-B14F-4D97-AF65-F5344CB8AC3E}">
-        <p14:creationId xmlns:p14="http://schemas.microsoft.com/office/powerpoint/2010/main" val="1701887551"/>
+        <p14:creationId xmlns:p14="http://schemas.microsoft.com/office/powerpoint/2010/main" xmlns="" val="1701887551"/>
       </p:ext>
     </p:extLst>
   </p:cSld>
@@ -2060,7 +2074,7 @@
           <p:cNvPr id="2" name="Title 1">
             <a:extLst>
               <a:ext uri="{FF2B5EF4-FFF2-40B4-BE49-F238E27FC236}">
-                <a16:creationId xmlns:a16="http://schemas.microsoft.com/office/drawing/2014/main" id="{77715758-23C2-4D79-9E83-D4C691645309}"/>
+                <a16:creationId xmlns:a16="http://schemas.microsoft.com/office/drawing/2014/main" xmlns="" id="{77715758-23C2-4D79-9E83-D4C691645309}"/>
               </a:ext>
             </a:extLst>
           </p:cNvPr>
@@ -2094,7 +2108,7 @@
           <p:cNvPr id="3" name="Text Placeholder 2">
             <a:extLst>
               <a:ext uri="{FF2B5EF4-FFF2-40B4-BE49-F238E27FC236}">
-                <a16:creationId xmlns:a16="http://schemas.microsoft.com/office/drawing/2014/main" id="{C56DBBC0-5F55-4BDB-97E8-9092F9D54613}"/>
+                <a16:creationId xmlns:a16="http://schemas.microsoft.com/office/drawing/2014/main" xmlns="" id="{C56DBBC0-5F55-4BDB-97E8-9092F9D54613}"/>
               </a:ext>
             </a:extLst>
           </p:cNvPr>
@@ -2165,7 +2179,7 @@
           <p:cNvPr id="4" name="Content Placeholder 3">
             <a:extLst>
               <a:ext uri="{FF2B5EF4-FFF2-40B4-BE49-F238E27FC236}">
-                <a16:creationId xmlns:a16="http://schemas.microsoft.com/office/drawing/2014/main" id="{56BBC9E7-1AD9-47BC-A0F5-3419A89AFAF6}"/>
+                <a16:creationId xmlns:a16="http://schemas.microsoft.com/office/drawing/2014/main" xmlns="" id="{56BBC9E7-1AD9-47BC-A0F5-3419A89AFAF6}"/>
               </a:ext>
             </a:extLst>
           </p:cNvPr>
@@ -2228,7 +2242,7 @@
           <p:cNvPr id="5" name="Text Placeholder 4">
             <a:extLst>
               <a:ext uri="{FF2B5EF4-FFF2-40B4-BE49-F238E27FC236}">
-                <a16:creationId xmlns:a16="http://schemas.microsoft.com/office/drawing/2014/main" id="{644AA541-9D84-43E6-93AC-26ACD49AB872}"/>
+                <a16:creationId xmlns:a16="http://schemas.microsoft.com/office/drawing/2014/main" xmlns="" id="{644AA541-9D84-43E6-93AC-26ACD49AB872}"/>
               </a:ext>
             </a:extLst>
           </p:cNvPr>
@@ -2299,7 +2313,7 @@
           <p:cNvPr id="6" name="Content Placeholder 5">
             <a:extLst>
               <a:ext uri="{FF2B5EF4-FFF2-40B4-BE49-F238E27FC236}">
-                <a16:creationId xmlns:a16="http://schemas.microsoft.com/office/drawing/2014/main" id="{A3CA9F41-1D69-40B0-BB52-67C7B312F329}"/>
+                <a16:creationId xmlns:a16="http://schemas.microsoft.com/office/drawing/2014/main" xmlns="" id="{A3CA9F41-1D69-40B0-BB52-67C7B312F329}"/>
               </a:ext>
             </a:extLst>
           </p:cNvPr>
@@ -2362,7 +2376,7 @@
           <p:cNvPr id="7" name="Date Placeholder 6">
             <a:extLst>
               <a:ext uri="{FF2B5EF4-FFF2-40B4-BE49-F238E27FC236}">
-                <a16:creationId xmlns:a16="http://schemas.microsoft.com/office/drawing/2014/main" id="{9960EBD2-2B98-43A1-B284-EDEE62651BD0}"/>
+                <a16:creationId xmlns:a16="http://schemas.microsoft.com/office/drawing/2014/main" xmlns="" id="{9960EBD2-2B98-43A1-B284-EDEE62651BD0}"/>
               </a:ext>
             </a:extLst>
           </p:cNvPr>
@@ -2380,6 +2394,7 @@
           <a:p>
             <a:fld id="{B3B48485-EDEB-4E5A-BB3A-BC2391E627B4}" type="datetimeFigureOut">
               <a:rPr lang="en-IN" smtClean="0"/>
+              <a:pPr/>
               <a:t>20-01-2020</a:t>
             </a:fld>
             <a:endParaRPr lang="en-IN"/>
@@ -2391,7 +2406,7 @@
           <p:cNvPr id="8" name="Footer Placeholder 7">
             <a:extLst>
               <a:ext uri="{FF2B5EF4-FFF2-40B4-BE49-F238E27FC236}">
-                <a16:creationId xmlns:a16="http://schemas.microsoft.com/office/drawing/2014/main" id="{5E18D130-C756-42B5-A702-84186DC7B801}"/>
+                <a16:creationId xmlns:a16="http://schemas.microsoft.com/office/drawing/2014/main" xmlns="" id="{5E18D130-C756-42B5-A702-84186DC7B801}"/>
               </a:ext>
             </a:extLst>
           </p:cNvPr>
@@ -2416,7 +2431,7 @@
           <p:cNvPr id="9" name="Slide Number Placeholder 8">
             <a:extLst>
               <a:ext uri="{FF2B5EF4-FFF2-40B4-BE49-F238E27FC236}">
-                <a16:creationId xmlns:a16="http://schemas.microsoft.com/office/drawing/2014/main" id="{FC1C5564-0948-403D-A11A-0363F3B8A9E1}"/>
+                <a16:creationId xmlns:a16="http://schemas.microsoft.com/office/drawing/2014/main" xmlns="" id="{FC1C5564-0948-403D-A11A-0363F3B8A9E1}"/>
               </a:ext>
             </a:extLst>
           </p:cNvPr>
@@ -2434,6 +2449,7 @@
           <a:p>
             <a:fld id="{87F472DF-D0EC-471E-A40A-5BA795EB6BF8}" type="slidenum">
               <a:rPr lang="en-IN" smtClean="0"/>
+              <a:pPr/>
               <a:t>‹#›</a:t>
             </a:fld>
             <a:endParaRPr lang="en-IN"/>
@@ -2443,7 +2459,7 @@
     </p:spTree>
     <p:extLst>
       <p:ext uri="{BB962C8B-B14F-4D97-AF65-F5344CB8AC3E}">
-        <p14:creationId xmlns:p14="http://schemas.microsoft.com/office/powerpoint/2010/main" val="3197723347"/>
+        <p14:creationId xmlns:p14="http://schemas.microsoft.com/office/powerpoint/2010/main" xmlns="" val="3197723347"/>
       </p:ext>
     </p:extLst>
   </p:cSld>
@@ -2475,7 +2491,7 @@
           <p:cNvPr id="2" name="Title 1">
             <a:extLst>
               <a:ext uri="{FF2B5EF4-FFF2-40B4-BE49-F238E27FC236}">
-                <a16:creationId xmlns:a16="http://schemas.microsoft.com/office/drawing/2014/main" id="{B5B07483-06BC-40D1-A55A-6128B568F6EA}"/>
+                <a16:creationId xmlns:a16="http://schemas.microsoft.com/office/drawing/2014/main" xmlns="" id="{B5B07483-06BC-40D1-A55A-6128B568F6EA}"/>
               </a:ext>
             </a:extLst>
           </p:cNvPr>
@@ -2504,7 +2520,7 @@
           <p:cNvPr id="3" name="Date Placeholder 2">
             <a:extLst>
               <a:ext uri="{FF2B5EF4-FFF2-40B4-BE49-F238E27FC236}">
-                <a16:creationId xmlns:a16="http://schemas.microsoft.com/office/drawing/2014/main" id="{BBF2182A-79CE-45F7-8387-6C454837E86A}"/>
+                <a16:creationId xmlns:a16="http://schemas.microsoft.com/office/drawing/2014/main" xmlns="" id="{BBF2182A-79CE-45F7-8387-6C454837E86A}"/>
               </a:ext>
             </a:extLst>
           </p:cNvPr>
@@ -2522,6 +2538,7 @@
           <a:p>
             <a:fld id="{B3B48485-EDEB-4E5A-BB3A-BC2391E627B4}" type="datetimeFigureOut">
               <a:rPr lang="en-IN" smtClean="0"/>
+              <a:pPr/>
               <a:t>20-01-2020</a:t>
             </a:fld>
             <a:endParaRPr lang="en-IN"/>
@@ -2533,7 +2550,7 @@
           <p:cNvPr id="4" name="Footer Placeholder 3">
             <a:extLst>
               <a:ext uri="{FF2B5EF4-FFF2-40B4-BE49-F238E27FC236}">
-                <a16:creationId xmlns:a16="http://schemas.microsoft.com/office/drawing/2014/main" id="{452DB040-5280-425A-B483-26C0059E8C07}"/>
+                <a16:creationId xmlns:a16="http://schemas.microsoft.com/office/drawing/2014/main" xmlns="" id="{452DB040-5280-425A-B483-26C0059E8C07}"/>
               </a:ext>
             </a:extLst>
           </p:cNvPr>
@@ -2558,7 +2575,7 @@
           <p:cNvPr id="5" name="Slide Number Placeholder 4">
             <a:extLst>
               <a:ext uri="{FF2B5EF4-FFF2-40B4-BE49-F238E27FC236}">
-                <a16:creationId xmlns:a16="http://schemas.microsoft.com/office/drawing/2014/main" id="{97BBA076-5D8E-41FA-9AF0-F0AF4DAB7321}"/>
+                <a16:creationId xmlns:a16="http://schemas.microsoft.com/office/drawing/2014/main" xmlns="" id="{97BBA076-5D8E-41FA-9AF0-F0AF4DAB7321}"/>
               </a:ext>
             </a:extLst>
           </p:cNvPr>
@@ -2576,6 +2593,7 @@
           <a:p>
             <a:fld id="{87F472DF-D0EC-471E-A40A-5BA795EB6BF8}" type="slidenum">
               <a:rPr lang="en-IN" smtClean="0"/>
+              <a:pPr/>
               <a:t>‹#›</a:t>
             </a:fld>
             <a:endParaRPr lang="en-IN"/>
@@ -2585,7 +2603,7 @@
     </p:spTree>
     <p:extLst>
       <p:ext uri="{BB962C8B-B14F-4D97-AF65-F5344CB8AC3E}">
-        <p14:creationId xmlns:p14="http://schemas.microsoft.com/office/powerpoint/2010/main" val="183937159"/>
+        <p14:creationId xmlns:p14="http://schemas.microsoft.com/office/powerpoint/2010/main" xmlns="" val="183937159"/>
       </p:ext>
     </p:extLst>
   </p:cSld>
@@ -2617,7 +2635,7 @@
           <p:cNvPr id="2" name="Date Placeholder 1">
             <a:extLst>
               <a:ext uri="{FF2B5EF4-FFF2-40B4-BE49-F238E27FC236}">
-                <a16:creationId xmlns:a16="http://schemas.microsoft.com/office/drawing/2014/main" id="{78D1A081-B71C-4345-89F8-9CC0E8E6C347}"/>
+                <a16:creationId xmlns:a16="http://schemas.microsoft.com/office/drawing/2014/main" xmlns="" id="{78D1A081-B71C-4345-89F8-9CC0E8E6C347}"/>
               </a:ext>
             </a:extLst>
           </p:cNvPr>
@@ -2635,6 +2653,7 @@
           <a:p>
             <a:fld id="{B3B48485-EDEB-4E5A-BB3A-BC2391E627B4}" type="datetimeFigureOut">
               <a:rPr lang="en-IN" smtClean="0"/>
+              <a:pPr/>
               <a:t>20-01-2020</a:t>
             </a:fld>
             <a:endParaRPr lang="en-IN"/>
@@ -2646,7 +2665,7 @@
           <p:cNvPr id="3" name="Footer Placeholder 2">
             <a:extLst>
               <a:ext uri="{FF2B5EF4-FFF2-40B4-BE49-F238E27FC236}">
-                <a16:creationId xmlns:a16="http://schemas.microsoft.com/office/drawing/2014/main" id="{1CF222AE-D850-4966-A9FD-C25F7B3DCF57}"/>
+                <a16:creationId xmlns:a16="http://schemas.microsoft.com/office/drawing/2014/main" xmlns="" id="{1CF222AE-D850-4966-A9FD-C25F7B3DCF57}"/>
               </a:ext>
             </a:extLst>
           </p:cNvPr>
@@ -2671,7 +2690,7 @@
           <p:cNvPr id="4" name="Slide Number Placeholder 3">
             <a:extLst>
               <a:ext uri="{FF2B5EF4-FFF2-40B4-BE49-F238E27FC236}">
-                <a16:creationId xmlns:a16="http://schemas.microsoft.com/office/drawing/2014/main" id="{27DB98C3-564C-496D-8699-90B1B866059B}"/>
+                <a16:creationId xmlns:a16="http://schemas.microsoft.com/office/drawing/2014/main" xmlns="" id="{27DB98C3-564C-496D-8699-90B1B866059B}"/>
               </a:ext>
             </a:extLst>
           </p:cNvPr>
@@ -2689,6 +2708,7 @@
           <a:p>
             <a:fld id="{87F472DF-D0EC-471E-A40A-5BA795EB6BF8}" type="slidenum">
               <a:rPr lang="en-IN" smtClean="0"/>
+              <a:pPr/>
               <a:t>‹#›</a:t>
             </a:fld>
             <a:endParaRPr lang="en-IN"/>
@@ -2698,7 +2718,7 @@
     </p:spTree>
     <p:extLst>
       <p:ext uri="{BB962C8B-B14F-4D97-AF65-F5344CB8AC3E}">
-        <p14:creationId xmlns:p14="http://schemas.microsoft.com/office/powerpoint/2010/main" val="1846971728"/>
+        <p14:creationId xmlns:p14="http://schemas.microsoft.com/office/powerpoint/2010/main" xmlns="" val="1846971728"/>
       </p:ext>
     </p:extLst>
   </p:cSld>
@@ -2730,7 +2750,7 @@
           <p:cNvPr id="2" name="Title 1">
             <a:extLst>
               <a:ext uri="{FF2B5EF4-FFF2-40B4-BE49-F238E27FC236}">
-                <a16:creationId xmlns:a16="http://schemas.microsoft.com/office/drawing/2014/main" id="{C80FC436-126E-4458-A651-DE1D872BE342}"/>
+                <a16:creationId xmlns:a16="http://schemas.microsoft.com/office/drawing/2014/main" xmlns="" id="{C80FC436-126E-4458-A651-DE1D872BE342}"/>
               </a:ext>
             </a:extLst>
           </p:cNvPr>
@@ -2768,7 +2788,7 @@
           <p:cNvPr id="3" name="Content Placeholder 2">
             <a:extLst>
               <a:ext uri="{FF2B5EF4-FFF2-40B4-BE49-F238E27FC236}">
-                <a16:creationId xmlns:a16="http://schemas.microsoft.com/office/drawing/2014/main" id="{3C76E34A-3D2E-41BA-9394-4CA6D9C3B608}"/>
+                <a16:creationId xmlns:a16="http://schemas.microsoft.com/office/drawing/2014/main" xmlns="" id="{3C76E34A-3D2E-41BA-9394-4CA6D9C3B608}"/>
               </a:ext>
             </a:extLst>
           </p:cNvPr>
@@ -2859,7 +2879,7 @@
           <p:cNvPr id="4" name="Text Placeholder 3">
             <a:extLst>
               <a:ext uri="{FF2B5EF4-FFF2-40B4-BE49-F238E27FC236}">
-                <a16:creationId xmlns:a16="http://schemas.microsoft.com/office/drawing/2014/main" id="{02F80B13-0F72-4E99-BEC1-6E0BE3CF1D78}"/>
+                <a16:creationId xmlns:a16="http://schemas.microsoft.com/office/drawing/2014/main" xmlns="" id="{02F80B13-0F72-4E99-BEC1-6E0BE3CF1D78}"/>
               </a:ext>
             </a:extLst>
           </p:cNvPr>
@@ -2930,7 +2950,7 @@
           <p:cNvPr id="5" name="Date Placeholder 4">
             <a:extLst>
               <a:ext uri="{FF2B5EF4-FFF2-40B4-BE49-F238E27FC236}">
-                <a16:creationId xmlns:a16="http://schemas.microsoft.com/office/drawing/2014/main" id="{8CBFC060-5E9C-455B-AE8D-53ED20C9EC35}"/>
+                <a16:creationId xmlns:a16="http://schemas.microsoft.com/office/drawing/2014/main" xmlns="" id="{8CBFC060-5E9C-455B-AE8D-53ED20C9EC35}"/>
               </a:ext>
             </a:extLst>
           </p:cNvPr>
@@ -2948,6 +2968,7 @@
           <a:p>
             <a:fld id="{B3B48485-EDEB-4E5A-BB3A-BC2391E627B4}" type="datetimeFigureOut">
               <a:rPr lang="en-IN" smtClean="0"/>
+              <a:pPr/>
               <a:t>20-01-2020</a:t>
             </a:fld>
             <a:endParaRPr lang="en-IN"/>
@@ -2959,7 +2980,7 @@
           <p:cNvPr id="6" name="Footer Placeholder 5">
             <a:extLst>
               <a:ext uri="{FF2B5EF4-FFF2-40B4-BE49-F238E27FC236}">
-                <a16:creationId xmlns:a16="http://schemas.microsoft.com/office/drawing/2014/main" id="{FF7E7918-BF7D-44F8-8F9F-E373996A4505}"/>
+                <a16:creationId xmlns:a16="http://schemas.microsoft.com/office/drawing/2014/main" xmlns="" id="{FF7E7918-BF7D-44F8-8F9F-E373996A4505}"/>
               </a:ext>
             </a:extLst>
           </p:cNvPr>
@@ -2984,7 +3005,7 @@
           <p:cNvPr id="7" name="Slide Number Placeholder 6">
             <a:extLst>
               <a:ext uri="{FF2B5EF4-FFF2-40B4-BE49-F238E27FC236}">
-                <a16:creationId xmlns:a16="http://schemas.microsoft.com/office/drawing/2014/main" id="{FCC38C50-9B37-4DF1-8F28-F241EAB62B3D}"/>
+                <a16:creationId xmlns:a16="http://schemas.microsoft.com/office/drawing/2014/main" xmlns="" id="{FCC38C50-9B37-4DF1-8F28-F241EAB62B3D}"/>
               </a:ext>
             </a:extLst>
           </p:cNvPr>
@@ -3002,6 +3023,7 @@
           <a:p>
             <a:fld id="{87F472DF-D0EC-471E-A40A-5BA795EB6BF8}" type="slidenum">
               <a:rPr lang="en-IN" smtClean="0"/>
+              <a:pPr/>
               <a:t>‹#›</a:t>
             </a:fld>
             <a:endParaRPr lang="en-IN"/>
@@ -3011,7 +3033,7 @@
     </p:spTree>
     <p:extLst>
       <p:ext uri="{BB962C8B-B14F-4D97-AF65-F5344CB8AC3E}">
-        <p14:creationId xmlns:p14="http://schemas.microsoft.com/office/powerpoint/2010/main" val="1035635986"/>
+        <p14:creationId xmlns:p14="http://schemas.microsoft.com/office/powerpoint/2010/main" xmlns="" val="1035635986"/>
       </p:ext>
     </p:extLst>
   </p:cSld>
@@ -3043,7 +3065,7 @@
           <p:cNvPr id="2" name="Title 1">
             <a:extLst>
               <a:ext uri="{FF2B5EF4-FFF2-40B4-BE49-F238E27FC236}">
-                <a16:creationId xmlns:a16="http://schemas.microsoft.com/office/drawing/2014/main" id="{3C5129F5-AD17-404B-A6EC-2DF9ABF90066}"/>
+                <a16:creationId xmlns:a16="http://schemas.microsoft.com/office/drawing/2014/main" xmlns="" id="{3C5129F5-AD17-404B-A6EC-2DF9ABF90066}"/>
               </a:ext>
             </a:extLst>
           </p:cNvPr>
@@ -3081,7 +3103,7 @@
           <p:cNvPr id="3" name="Picture Placeholder 2">
             <a:extLst>
               <a:ext uri="{FF2B5EF4-FFF2-40B4-BE49-F238E27FC236}">
-                <a16:creationId xmlns:a16="http://schemas.microsoft.com/office/drawing/2014/main" id="{F121CD5B-EAF0-456D-93F4-242DBB7EF67E}"/>
+                <a16:creationId xmlns:a16="http://schemas.microsoft.com/office/drawing/2014/main" xmlns="" id="{F121CD5B-EAF0-456D-93F4-242DBB7EF67E}"/>
               </a:ext>
             </a:extLst>
           </p:cNvPr>
@@ -3148,7 +3170,7 @@
           <p:cNvPr id="4" name="Text Placeholder 3">
             <a:extLst>
               <a:ext uri="{FF2B5EF4-FFF2-40B4-BE49-F238E27FC236}">
-                <a16:creationId xmlns:a16="http://schemas.microsoft.com/office/drawing/2014/main" id="{3F900FED-5D0C-4FB1-A607-68E64A974461}"/>
+                <a16:creationId xmlns:a16="http://schemas.microsoft.com/office/drawing/2014/main" xmlns="" id="{3F900FED-5D0C-4FB1-A607-68E64A974461}"/>
               </a:ext>
             </a:extLst>
           </p:cNvPr>
@@ -3219,7 +3241,7 @@
           <p:cNvPr id="5" name="Date Placeholder 4">
             <a:extLst>
               <a:ext uri="{FF2B5EF4-FFF2-40B4-BE49-F238E27FC236}">
-                <a16:creationId xmlns:a16="http://schemas.microsoft.com/office/drawing/2014/main" id="{2D96042A-E778-40B6-87F9-2CB8B95905A1}"/>
+                <a16:creationId xmlns:a16="http://schemas.microsoft.com/office/drawing/2014/main" xmlns="" id="{2D96042A-E778-40B6-87F9-2CB8B95905A1}"/>
               </a:ext>
             </a:extLst>
           </p:cNvPr>
@@ -3237,6 +3259,7 @@
           <a:p>
             <a:fld id="{B3B48485-EDEB-4E5A-BB3A-BC2391E627B4}" type="datetimeFigureOut">
               <a:rPr lang="en-IN" smtClean="0"/>
+              <a:pPr/>
               <a:t>20-01-2020</a:t>
             </a:fld>
             <a:endParaRPr lang="en-IN"/>
@@ -3248,7 +3271,7 @@
           <p:cNvPr id="6" name="Footer Placeholder 5">
             <a:extLst>
               <a:ext uri="{FF2B5EF4-FFF2-40B4-BE49-F238E27FC236}">
-                <a16:creationId xmlns:a16="http://schemas.microsoft.com/office/drawing/2014/main" id="{19787971-2E19-4C5D-94F0-E4CEF7D1673A}"/>
+                <a16:creationId xmlns:a16="http://schemas.microsoft.com/office/drawing/2014/main" xmlns="" id="{19787971-2E19-4C5D-94F0-E4CEF7D1673A}"/>
               </a:ext>
             </a:extLst>
           </p:cNvPr>
@@ -3273,7 +3296,7 @@
           <p:cNvPr id="7" name="Slide Number Placeholder 6">
             <a:extLst>
               <a:ext uri="{FF2B5EF4-FFF2-40B4-BE49-F238E27FC236}">
-                <a16:creationId xmlns:a16="http://schemas.microsoft.com/office/drawing/2014/main" id="{D8E4E3BF-D202-4868-BA7C-52B27F1BF127}"/>
+                <a16:creationId xmlns:a16="http://schemas.microsoft.com/office/drawing/2014/main" xmlns="" id="{D8E4E3BF-D202-4868-BA7C-52B27F1BF127}"/>
               </a:ext>
             </a:extLst>
           </p:cNvPr>
@@ -3291,6 +3314,7 @@
           <a:p>
             <a:fld id="{87F472DF-D0EC-471E-A40A-5BA795EB6BF8}" type="slidenum">
               <a:rPr lang="en-IN" smtClean="0"/>
+              <a:pPr/>
               <a:t>‹#›</a:t>
             </a:fld>
             <a:endParaRPr lang="en-IN"/>
@@ -3300,7 +3324,7 @@
     </p:spTree>
     <p:extLst>
       <p:ext uri="{BB962C8B-B14F-4D97-AF65-F5344CB8AC3E}">
-        <p14:creationId xmlns:p14="http://schemas.microsoft.com/office/powerpoint/2010/main" val="755423314"/>
+        <p14:creationId xmlns:p14="http://schemas.microsoft.com/office/powerpoint/2010/main" xmlns="" val="755423314"/>
       </p:ext>
     </p:extLst>
   </p:cSld>
@@ -3337,7 +3361,7 @@
           <p:cNvPr id="2" name="Title Placeholder 1">
             <a:extLst>
               <a:ext uri="{FF2B5EF4-FFF2-40B4-BE49-F238E27FC236}">
-                <a16:creationId xmlns:a16="http://schemas.microsoft.com/office/drawing/2014/main" id="{3339DD86-E235-4F02-B9D6-DB6200F293BC}"/>
+                <a16:creationId xmlns:a16="http://schemas.microsoft.com/office/drawing/2014/main" xmlns="" id="{3339DD86-E235-4F02-B9D6-DB6200F293BC}"/>
               </a:ext>
             </a:extLst>
           </p:cNvPr>
@@ -3376,7 +3400,7 @@
           <p:cNvPr id="3" name="Text Placeholder 2">
             <a:extLst>
               <a:ext uri="{FF2B5EF4-FFF2-40B4-BE49-F238E27FC236}">
-                <a16:creationId xmlns:a16="http://schemas.microsoft.com/office/drawing/2014/main" id="{40EC0324-19E9-4A3B-B2A2-C3D9331B6CD8}"/>
+                <a16:creationId xmlns:a16="http://schemas.microsoft.com/office/drawing/2014/main" xmlns="" id="{40EC0324-19E9-4A3B-B2A2-C3D9331B6CD8}"/>
               </a:ext>
             </a:extLst>
           </p:cNvPr>
@@ -3444,7 +3468,7 @@
           <p:cNvPr id="4" name="Date Placeholder 3">
             <a:extLst>
               <a:ext uri="{FF2B5EF4-FFF2-40B4-BE49-F238E27FC236}">
-                <a16:creationId xmlns:a16="http://schemas.microsoft.com/office/drawing/2014/main" id="{C70B1F1D-995C-4D9C-8447-9CCEBBE00A01}"/>
+                <a16:creationId xmlns:a16="http://schemas.microsoft.com/office/drawing/2014/main" xmlns="" id="{C70B1F1D-995C-4D9C-8447-9CCEBBE00A01}"/>
               </a:ext>
             </a:extLst>
           </p:cNvPr>
@@ -3480,6 +3504,7 @@
           <a:p>
             <a:fld id="{B3B48485-EDEB-4E5A-BB3A-BC2391E627B4}" type="datetimeFigureOut">
               <a:rPr lang="en-IN" smtClean="0"/>
+              <a:pPr/>
               <a:t>20-01-2020</a:t>
             </a:fld>
             <a:endParaRPr lang="en-IN"/>
@@ -3491,7 +3516,7 @@
           <p:cNvPr id="5" name="Footer Placeholder 4">
             <a:extLst>
               <a:ext uri="{FF2B5EF4-FFF2-40B4-BE49-F238E27FC236}">
-                <a16:creationId xmlns:a16="http://schemas.microsoft.com/office/drawing/2014/main" id="{2BEAA717-D969-4E51-B1F1-1BE930E179AC}"/>
+                <a16:creationId xmlns:a16="http://schemas.microsoft.com/office/drawing/2014/main" xmlns="" id="{2BEAA717-D969-4E51-B1F1-1BE930E179AC}"/>
               </a:ext>
             </a:extLst>
           </p:cNvPr>
@@ -3534,7 +3559,7 @@
           <p:cNvPr id="6" name="Slide Number Placeholder 5">
             <a:extLst>
               <a:ext uri="{FF2B5EF4-FFF2-40B4-BE49-F238E27FC236}">
-                <a16:creationId xmlns:a16="http://schemas.microsoft.com/office/drawing/2014/main" id="{DA269EE7-3E26-4A0E-9B5A-FE84B4D0EBE8}"/>
+                <a16:creationId xmlns:a16="http://schemas.microsoft.com/office/drawing/2014/main" xmlns="" id="{DA269EE7-3E26-4A0E-9B5A-FE84B4D0EBE8}"/>
               </a:ext>
             </a:extLst>
           </p:cNvPr>
@@ -3570,6 +3595,7 @@
           <a:p>
             <a:fld id="{87F472DF-D0EC-471E-A40A-5BA795EB6BF8}" type="slidenum">
               <a:rPr lang="en-IN" smtClean="0"/>
+              <a:pPr/>
               <a:t>‹#›</a:t>
             </a:fld>
             <a:endParaRPr lang="en-IN"/>
@@ -3579,7 +3605,7 @@
     </p:spTree>
     <p:extLst>
       <p:ext uri="{BB962C8B-B14F-4D97-AF65-F5344CB8AC3E}">
-        <p14:creationId xmlns:p14="http://schemas.microsoft.com/office/powerpoint/2010/main" val="1856240452"/>
+        <p14:creationId xmlns:p14="http://schemas.microsoft.com/office/powerpoint/2010/main" xmlns="" val="1856240452"/>
       </p:ext>
     </p:extLst>
   </p:cSld>
@@ -3902,7 +3928,7 @@
           <p:cNvPr id="2" name="Title 1">
             <a:extLst>
               <a:ext uri="{FF2B5EF4-FFF2-40B4-BE49-F238E27FC236}">
-                <a16:creationId xmlns:a16="http://schemas.microsoft.com/office/drawing/2014/main" id="{9C67D267-3931-42EE-8A02-E5E64C3D8236}"/>
+                <a16:creationId xmlns:a16="http://schemas.microsoft.com/office/drawing/2014/main" xmlns="" id="{9C67D267-3931-42EE-8A02-E5E64C3D8236}"/>
               </a:ext>
             </a:extLst>
           </p:cNvPr>
@@ -3919,12 +3945,12 @@
           <a:lstStyle/>
           <a:p>
             <a:r>
-              <a:rPr lang="en-IN" dirty="0" err="1"/>
-              <a:t>Fullstack</a:t>
+              <a:rPr lang="en-IN" dirty="0" smtClean="0"/>
+              <a:t>FULLSTACK </a:t>
             </a:r>
             <a:r>
               <a:rPr lang="en-IN" dirty="0"/>
-              <a:t> Web Application Development</a:t>
+              <a:t>Web Application Development</a:t>
             </a:r>
           </a:p>
         </p:txBody>
@@ -3934,7 +3960,7 @@
           <p:cNvPr id="3" name="Subtitle 2">
             <a:extLst>
               <a:ext uri="{FF2B5EF4-FFF2-40B4-BE49-F238E27FC236}">
-                <a16:creationId xmlns:a16="http://schemas.microsoft.com/office/drawing/2014/main" id="{4959FEE3-B41D-441A-ADEC-C99C8C971605}"/>
+                <a16:creationId xmlns:a16="http://schemas.microsoft.com/office/drawing/2014/main" xmlns="" id="{4959FEE3-B41D-441A-ADEC-C99C8C971605}"/>
               </a:ext>
             </a:extLst>
           </p:cNvPr>
@@ -3975,7 +4001,7 @@
     </p:spTree>
     <p:extLst>
       <p:ext uri="{BB962C8B-B14F-4D97-AF65-F5344CB8AC3E}">
-        <p14:creationId xmlns:p14="http://schemas.microsoft.com/office/powerpoint/2010/main" val="332391021"/>
+        <p14:creationId xmlns:p14="http://schemas.microsoft.com/office/powerpoint/2010/main" xmlns="" val="332391021"/>
       </p:ext>
     </p:extLst>
   </p:cSld>
@@ -4007,7 +4033,7 @@
           <p:cNvPr id="2" name="Title 1">
             <a:extLst>
               <a:ext uri="{FF2B5EF4-FFF2-40B4-BE49-F238E27FC236}">
-                <a16:creationId xmlns:a16="http://schemas.microsoft.com/office/drawing/2014/main" id="{E1A9363A-F999-4F1C-A157-8DDECEB7BD31}"/>
+                <a16:creationId xmlns:a16="http://schemas.microsoft.com/office/drawing/2014/main" xmlns="" id="{E1A9363A-F999-4F1C-A157-8DDECEB7BD31}"/>
               </a:ext>
             </a:extLst>
           </p:cNvPr>
@@ -4024,12 +4050,12 @@
           <a:lstStyle/>
           <a:p>
             <a:r>
-              <a:rPr lang="en-IN" dirty="0" err="1"/>
-              <a:t>Fullstack</a:t>
+              <a:rPr lang="en-IN" dirty="0" smtClean="0"/>
+              <a:t>FullStack </a:t>
             </a:r>
             <a:r>
               <a:rPr lang="en-IN" dirty="0"/>
-              <a:t> Developer</a:t>
+              <a:t>Developer</a:t>
             </a:r>
           </a:p>
         </p:txBody>
@@ -4039,7 +4065,7 @@
           <p:cNvPr id="4" name="Content Placeholder 3">
             <a:extLst>
               <a:ext uri="{FF2B5EF4-FFF2-40B4-BE49-F238E27FC236}">
-                <a16:creationId xmlns:a16="http://schemas.microsoft.com/office/drawing/2014/main" id="{387D742D-38A5-44D3-8940-C29BC333E4DE}"/>
+                <a16:creationId xmlns:a16="http://schemas.microsoft.com/office/drawing/2014/main" xmlns="" id="{387D742D-38A5-44D3-8940-C29BC333E4DE}"/>
               </a:ext>
             </a:extLst>
           </p:cNvPr>
@@ -4076,7 +4102,7 @@
           <p:cNvPr id="5" name="Picture 4">
             <a:extLst>
               <a:ext uri="{FF2B5EF4-FFF2-40B4-BE49-F238E27FC236}">
-                <a16:creationId xmlns:a16="http://schemas.microsoft.com/office/drawing/2014/main" id="{B5DD50DB-3EFF-4584-BA9F-493C819B19D5}"/>
+                <a16:creationId xmlns:a16="http://schemas.microsoft.com/office/drawing/2014/main" xmlns="" id="{B5DD50DB-3EFF-4584-BA9F-493C819B19D5}"/>
               </a:ext>
             </a:extLst>
           </p:cNvPr>
@@ -4089,7 +4115,7 @@
           <a:blip r:embed="rId2">
             <a:extLst>
               <a:ext uri="{28A0092B-C50C-407E-A947-70E740481C1C}">
-                <a14:useLocalDpi xmlns:a14="http://schemas.microsoft.com/office/drawing/2010/main" val="0"/>
+                <a14:useLocalDpi xmlns:a14="http://schemas.microsoft.com/office/drawing/2010/main" xmlns="" val="0"/>
               </a:ext>
             </a:extLst>
           </a:blip>
@@ -4110,7 +4136,7 @@
     </p:spTree>
     <p:extLst>
       <p:ext uri="{BB962C8B-B14F-4D97-AF65-F5344CB8AC3E}">
-        <p14:creationId xmlns:p14="http://schemas.microsoft.com/office/powerpoint/2010/main" val="2148218379"/>
+        <p14:creationId xmlns:p14="http://schemas.microsoft.com/office/powerpoint/2010/main" xmlns="" val="2148218379"/>
       </p:ext>
     </p:extLst>
   </p:cSld>
@@ -4142,7 +4168,7 @@
           <p:cNvPr id="2" name="Title 1">
             <a:extLst>
               <a:ext uri="{FF2B5EF4-FFF2-40B4-BE49-F238E27FC236}">
-                <a16:creationId xmlns:a16="http://schemas.microsoft.com/office/drawing/2014/main" id="{E1A9363A-F999-4F1C-A157-8DDECEB7BD31}"/>
+                <a16:creationId xmlns:a16="http://schemas.microsoft.com/office/drawing/2014/main" xmlns="" id="{E1A9363A-F999-4F1C-A157-8DDECEB7BD31}"/>
               </a:ext>
             </a:extLst>
           </p:cNvPr>
@@ -4160,8 +4186,29 @@
           <a:p>
             <a:r>
               <a:rPr lang="en-IN" dirty="0"/>
-              <a:t>Key skills of a full stack developer</a:t>
-            </a:r>
+              <a:t>Key skills of a </a:t>
+            </a:r>
+            <a:r>
+              <a:rPr lang="en-IN" dirty="0" smtClean="0"/>
+              <a:t>Full</a:t>
+            </a:r>
+            <a:r>
+              <a:rPr lang="en-IN" dirty="0" smtClean="0"/>
+              <a:t>S</a:t>
+            </a:r>
+            <a:r>
+              <a:rPr lang="en-IN" dirty="0" smtClean="0"/>
+              <a:t>tack </a:t>
+            </a:r>
+            <a:r>
+              <a:rPr lang="en-IN" dirty="0"/>
+              <a:t>D</a:t>
+            </a:r>
+            <a:r>
+              <a:rPr lang="en-IN" dirty="0" smtClean="0"/>
+              <a:t>eveloper</a:t>
+            </a:r>
+            <a:endParaRPr lang="en-IN" dirty="0"/>
           </a:p>
         </p:txBody>
       </p:sp>
@@ -4170,7 +4217,7 @@
           <p:cNvPr id="4" name="Content Placeholder 3">
             <a:extLst>
               <a:ext uri="{FF2B5EF4-FFF2-40B4-BE49-F238E27FC236}">
-                <a16:creationId xmlns:a16="http://schemas.microsoft.com/office/drawing/2014/main" id="{387D742D-38A5-44D3-8940-C29BC333E4DE}"/>
+                <a16:creationId xmlns:a16="http://schemas.microsoft.com/office/drawing/2014/main" xmlns="" id="{387D742D-38A5-44D3-8940-C29BC333E4DE}"/>
               </a:ext>
             </a:extLst>
           </p:cNvPr>
@@ -4181,25 +4228,33 @@
             <p:ph idx="1"/>
           </p:nvPr>
         </p:nvSpPr>
-        <p:spPr/>
+        <p:spPr>
+          <a:xfrm>
+            <a:off x="891209" y="1653346"/>
+            <a:ext cx="10515600" cy="4588427"/>
+          </a:xfrm>
+        </p:spPr>
         <p:txBody>
           <a:bodyPr>
             <a:noAutofit/>
           </a:bodyPr>
           <a:lstStyle/>
           <a:p>
+            <a:pPr algn="just"/>
             <a:r>
               <a:rPr lang="en-US" sz="2400" b="1" dirty="0"/>
               <a:t>Understand customer need and develop  a use case</a:t>
             </a:r>
           </a:p>
           <a:p>
+            <a:pPr algn="just"/>
             <a:r>
               <a:rPr lang="en-US" sz="2400" b="1" dirty="0"/>
               <a:t>Convert use case into wire frame and user interface</a:t>
             </a:r>
           </a:p>
           <a:p>
+            <a:pPr algn="just"/>
             <a:r>
               <a:rPr lang="en-US" sz="2400" b="1" dirty="0"/>
               <a:t>Understand and implement responsive </a:t>
@@ -4211,24 +4266,28 @@
             <a:endParaRPr lang="en-US" sz="2400" b="1" dirty="0"/>
           </a:p>
           <a:p>
+            <a:pPr algn="just"/>
             <a:r>
               <a:rPr lang="en-US" sz="2400" b="1" dirty="0"/>
               <a:t>Develop front end code</a:t>
             </a:r>
           </a:p>
           <a:p>
+            <a:pPr algn="just"/>
             <a:r>
               <a:rPr lang="en-US" sz="2400" b="1" dirty="0"/>
               <a:t>Understand project architecture and implement relevant design pattern.</a:t>
             </a:r>
           </a:p>
           <a:p>
+            <a:pPr algn="just"/>
             <a:r>
               <a:rPr lang="en-US" sz="2400" b="1" dirty="0"/>
               <a:t>Develop web services for backend integration</a:t>
             </a:r>
           </a:p>
           <a:p>
+            <a:pPr algn="just"/>
             <a:r>
               <a:rPr lang="en-US" sz="2400" b="1" dirty="0"/>
               <a:t>Understand the mechanism of interfacing with third party </a:t>
@@ -4240,7 +4299,7 @@
             <a:endParaRPr lang="en-US" sz="2400" b="1" dirty="0"/>
           </a:p>
           <a:p>
-            <a:pPr marL="0" indent="0">
+            <a:pPr marL="0" indent="0" algn="just">
               <a:buNone/>
             </a:pPr>
             <a:r>
@@ -4262,6 +4321,7 @@
             <a:endParaRPr lang="en-US" sz="2400" b="1" dirty="0"/>
           </a:p>
           <a:p>
+            <a:pPr algn="just"/>
             <a:r>
               <a:rPr lang="en-US" sz="2400" b="1" dirty="0"/>
               <a:t>Develop backend code and interface with database (</a:t>
@@ -4276,12 +4336,14 @@
             </a:r>
           </a:p>
           <a:p>
+            <a:pPr algn="just"/>
             <a:r>
               <a:rPr lang="en-US" sz="2400" b="1" dirty="0"/>
               <a:t>Unit and integration testing</a:t>
             </a:r>
           </a:p>
           <a:p>
+            <a:pPr algn="just"/>
             <a:endParaRPr lang="en-US" b="1" dirty="0"/>
           </a:p>
         </p:txBody>
@@ -4289,7 +4351,7 @@
     </p:spTree>
     <p:extLst>
       <p:ext uri="{BB962C8B-B14F-4D97-AF65-F5344CB8AC3E}">
-        <p14:creationId xmlns:p14="http://schemas.microsoft.com/office/powerpoint/2010/main" val="2542032066"/>
+        <p14:creationId xmlns:p14="http://schemas.microsoft.com/office/powerpoint/2010/main" xmlns="" val="2542032066"/>
       </p:ext>
     </p:extLst>
   </p:cSld>
@@ -4321,7 +4383,7 @@
           <p:cNvPr id="2" name="Title 1">
             <a:extLst>
               <a:ext uri="{FF2B5EF4-FFF2-40B4-BE49-F238E27FC236}">
-                <a16:creationId xmlns:a16="http://schemas.microsoft.com/office/drawing/2014/main" id="{E1A9363A-F999-4F1C-A157-8DDECEB7BD31}"/>
+                <a16:creationId xmlns:a16="http://schemas.microsoft.com/office/drawing/2014/main" xmlns="" id="{E1A9363A-F999-4F1C-A157-8DDECEB7BD31}"/>
               </a:ext>
             </a:extLst>
           </p:cNvPr>
@@ -4349,7 +4411,7 @@
           <p:cNvPr id="4" name="Content Placeholder 3">
             <a:extLst>
               <a:ext uri="{FF2B5EF4-FFF2-40B4-BE49-F238E27FC236}">
-                <a16:creationId xmlns:a16="http://schemas.microsoft.com/office/drawing/2014/main" id="{387D742D-38A5-44D3-8940-C29BC333E4DE}"/>
+                <a16:creationId xmlns:a16="http://schemas.microsoft.com/office/drawing/2014/main" xmlns="" id="{387D742D-38A5-44D3-8940-C29BC333E4DE}"/>
               </a:ext>
             </a:extLst>
           </p:cNvPr>
@@ -4360,56 +4422,68 @@
             <p:ph idx="1"/>
           </p:nvPr>
         </p:nvSpPr>
-        <p:spPr/>
+        <p:spPr>
+          <a:xfrm>
+            <a:off x="851452" y="1719607"/>
+            <a:ext cx="10515600" cy="4351338"/>
+          </a:xfrm>
+        </p:spPr>
         <p:txBody>
           <a:bodyPr>
             <a:noAutofit/>
           </a:bodyPr>
           <a:lstStyle/>
           <a:p>
-            <a:pPr lvl="1"/>
+            <a:pPr lvl="1" algn="just"/>
             <a:endParaRPr lang="en-IN" sz="1400" b="1" dirty="0">
               <a:latin typeface="Arial" panose="020B0604020202020204" pitchFamily="34" charset="0"/>
               <a:cs typeface="Arial" panose="020B0604020202020204" pitchFamily="34" charset="0"/>
             </a:endParaRPr>
           </a:p>
           <a:p>
+            <a:pPr algn="just"/>
             <a:r>
               <a:rPr lang="en-US" dirty="0"/>
               <a:t>The web application architecture describes the interactions between applications, databases, and middleware systems on the web. It ensures that multiple applications work simultaneously. </a:t>
             </a:r>
           </a:p>
           <a:p>
+            <a:pPr algn="just"/>
             <a:r>
               <a:rPr lang="en-US" dirty="0"/>
               <a:t>Service Oriented Architecture (SOA)</a:t>
             </a:r>
           </a:p>
           <a:p>
+            <a:pPr algn="just"/>
             <a:r>
               <a:rPr lang="en-US" dirty="0"/>
               <a:t>Model View Controller (MVC)</a:t>
             </a:r>
           </a:p>
           <a:p>
+            <a:pPr algn="just"/>
             <a:r>
               <a:rPr lang="en-US" dirty="0"/>
               <a:t>Single Page Applications (SPA)</a:t>
             </a:r>
           </a:p>
           <a:p>
+            <a:pPr algn="just"/>
             <a:r>
               <a:rPr lang="en-US" dirty="0"/>
               <a:t>Microservices</a:t>
             </a:r>
           </a:p>
           <a:p>
+            <a:pPr algn="just"/>
             <a:r>
               <a:rPr lang="en-US" dirty="0"/>
               <a:t>Serverless Architecture</a:t>
             </a:r>
           </a:p>
           <a:p>
+            <a:pPr algn="just"/>
             <a:endParaRPr lang="en-IN" sz="1400" dirty="0">
               <a:latin typeface="Arial" panose="020B0604020202020204" pitchFamily="34" charset="0"/>
               <a:cs typeface="Arial" panose="020B0604020202020204" pitchFamily="34" charset="0"/>
@@ -4420,7 +4494,7 @@
     </p:spTree>
     <p:extLst>
       <p:ext uri="{BB962C8B-B14F-4D97-AF65-F5344CB8AC3E}">
-        <p14:creationId xmlns:p14="http://schemas.microsoft.com/office/powerpoint/2010/main" val="3286685692"/>
+        <p14:creationId xmlns:p14="http://schemas.microsoft.com/office/powerpoint/2010/main" xmlns="" val="3286685692"/>
       </p:ext>
     </p:extLst>
   </p:cSld>
@@ -4452,7 +4526,7 @@
           <p:cNvPr id="2" name="Title 1">
             <a:extLst>
               <a:ext uri="{FF2B5EF4-FFF2-40B4-BE49-F238E27FC236}">
-                <a16:creationId xmlns:a16="http://schemas.microsoft.com/office/drawing/2014/main" id="{E1A9363A-F999-4F1C-A157-8DDECEB7BD31}"/>
+                <a16:creationId xmlns:a16="http://schemas.microsoft.com/office/drawing/2014/main" xmlns="" id="{E1A9363A-F999-4F1C-A157-8DDECEB7BD31}"/>
               </a:ext>
             </a:extLst>
           </p:cNvPr>
@@ -4480,7 +4554,7 @@
           <p:cNvPr id="4" name="Content Placeholder 3">
             <a:extLst>
               <a:ext uri="{FF2B5EF4-FFF2-40B4-BE49-F238E27FC236}">
-                <a16:creationId xmlns:a16="http://schemas.microsoft.com/office/drawing/2014/main" id="{387D742D-38A5-44D3-8940-C29BC333E4DE}"/>
+                <a16:creationId xmlns:a16="http://schemas.microsoft.com/office/drawing/2014/main" xmlns="" id="{387D742D-38A5-44D3-8940-C29BC333E4DE}"/>
               </a:ext>
             </a:extLst>
           </p:cNvPr>
@@ -4498,13 +4572,14 @@
           </a:bodyPr>
           <a:lstStyle/>
           <a:p>
-            <a:pPr lvl="1"/>
+            <a:pPr lvl="1" algn="just"/>
             <a:endParaRPr lang="en-IN" sz="1400" b="1" dirty="0">
               <a:latin typeface="Arial" panose="020B0604020202020204" pitchFamily="34" charset="0"/>
               <a:cs typeface="Arial" panose="020B0604020202020204" pitchFamily="34" charset="0"/>
             </a:endParaRPr>
           </a:p>
           <a:p>
+            <a:pPr algn="just"/>
             <a:r>
               <a:rPr lang="en-US" b="1" i="1" dirty="0"/>
               <a:t>Service-Oriented Architecture (SOA) </a:t>
@@ -4539,7 +4614,7 @@
     </p:spTree>
     <p:extLst>
       <p:ext uri="{BB962C8B-B14F-4D97-AF65-F5344CB8AC3E}">
-        <p14:creationId xmlns:p14="http://schemas.microsoft.com/office/powerpoint/2010/main" val="3126785281"/>
+        <p14:creationId xmlns:p14="http://schemas.microsoft.com/office/powerpoint/2010/main" xmlns="" val="2184253390"/>
       </p:ext>
     </p:extLst>
   </p:cSld>
@@ -4571,7 +4646,7 @@
           <p:cNvPr id="2" name="Title 1">
             <a:extLst>
               <a:ext uri="{FF2B5EF4-FFF2-40B4-BE49-F238E27FC236}">
-                <a16:creationId xmlns:a16="http://schemas.microsoft.com/office/drawing/2014/main" id="{E1A9363A-F999-4F1C-A157-8DDECEB7BD31}"/>
+                <a16:creationId xmlns:a16="http://schemas.microsoft.com/office/drawing/2014/main" xmlns="" id="{E1A9363A-F999-4F1C-A157-8DDECEB7BD31}"/>
               </a:ext>
             </a:extLst>
           </p:cNvPr>
@@ -4582,7 +4657,12 @@
             <p:ph type="title"/>
           </p:nvPr>
         </p:nvSpPr>
-        <p:spPr/>
+        <p:spPr>
+          <a:xfrm>
+            <a:off x="838200" y="365125"/>
+            <a:ext cx="10515600" cy="1132371"/>
+          </a:xfrm>
+        </p:spPr>
         <p:txBody>
           <a:bodyPr/>
           <a:lstStyle/>
@@ -4599,7 +4679,7 @@
           <p:cNvPr id="4" name="Content Placeholder 3">
             <a:extLst>
               <a:ext uri="{FF2B5EF4-FFF2-40B4-BE49-F238E27FC236}">
-                <a16:creationId xmlns:a16="http://schemas.microsoft.com/office/drawing/2014/main" id="{387D742D-38A5-44D3-8940-C29BC333E4DE}"/>
+                <a16:creationId xmlns:a16="http://schemas.microsoft.com/office/drawing/2014/main" xmlns="" id="{387D742D-38A5-44D3-8940-C29BC333E4DE}"/>
               </a:ext>
             </a:extLst>
           </p:cNvPr>
@@ -4624,30 +4704,9 @@
             </a:endParaRPr>
           </a:p>
           <a:p>
-            <a:r>
-              <a:rPr lang="en-US" b="1" i="1" dirty="0"/>
-              <a:t>Service-Oriented Architecture (SOA) </a:t>
-            </a:r>
-            <a:r>
-              <a:rPr lang="en-US" dirty="0"/>
-              <a:t>is a style of software design where services are provided to the other components by application components, through a communication protocol over a network. Its principles are independent of vendors and other technologies. In</a:t>
-            </a:r>
-            <a:r>
-              <a:rPr lang="en-US" dirty="0">
-                <a:hlinkClick r:id="rId2"/>
-              </a:rPr>
-              <a:t> </a:t>
-            </a:r>
-            <a:r>
-              <a:rPr lang="en-US" b="1" dirty="0">
-                <a:hlinkClick r:id="rId2"/>
-              </a:rPr>
-              <a:t>service oriented architecture</a:t>
-            </a:r>
-            <a:r>
-              <a:rPr lang="en-US" dirty="0"/>
-              <a:t>, a number of services communicate with each other, in one of two ways: through passing data or through two or more services coordinating an activity. This is just one definition of Service-Oriented Architecture.</a:t>
-            </a:r>
+            <a:endParaRPr lang="en-US" b="1" i="1" dirty="0"/>
+          </a:p>
+          <a:p>
             <a:endParaRPr lang="en-IN" sz="1400" dirty="0">
               <a:latin typeface="Arial" panose="020B0604020202020204" pitchFamily="34" charset="0"/>
               <a:cs typeface="Arial" panose="020B0604020202020204" pitchFamily="34" charset="0"/>
@@ -4655,10 +4714,46 @@
           </a:p>
         </p:txBody>
       </p:sp>
+      <p:pic>
+        <p:nvPicPr>
+          <p:cNvPr id="5" name="Picture 4">
+            <a:extLst>
+              <a:ext uri="{FF2B5EF4-FFF2-40B4-BE49-F238E27FC236}">
+                <a16:creationId xmlns:a16="http://schemas.microsoft.com/office/drawing/2014/main" xmlns="" id="{47ABEFBA-F7A7-49AB-99D3-4B7F2C74FC46}"/>
+              </a:ext>
+            </a:extLst>
+          </p:cNvPr>
+          <p:cNvPicPr>
+            <a:picLocks noChangeAspect="1"/>
+          </p:cNvPicPr>
+          <p:nvPr/>
+        </p:nvPicPr>
+        <p:blipFill>
+          <a:blip r:embed="rId2">
+            <a:extLst>
+              <a:ext uri="{28A0092B-C50C-407E-A947-70E740481C1C}">
+                <a14:useLocalDpi xmlns:a14="http://schemas.microsoft.com/office/drawing/2010/main" xmlns="" val="0"/>
+              </a:ext>
+            </a:extLst>
+          </a:blip>
+          <a:stretch>
+            <a:fillRect/>
+          </a:stretch>
+        </p:blipFill>
+        <p:spPr>
+          <a:xfrm>
+            <a:off x="902620" y="1544914"/>
+            <a:ext cx="10133127" cy="4971870"/>
+          </a:xfrm>
+          <a:prstGeom prst="rect">
+            <a:avLst/>
+          </a:prstGeom>
+        </p:spPr>
+      </p:pic>
     </p:spTree>
     <p:extLst>
       <p:ext uri="{BB962C8B-B14F-4D97-AF65-F5344CB8AC3E}">
-        <p14:creationId xmlns:p14="http://schemas.microsoft.com/office/powerpoint/2010/main" val="2184253390"/>
+        <p14:creationId xmlns:p14="http://schemas.microsoft.com/office/powerpoint/2010/main" xmlns="" val="87541259"/>
       </p:ext>
     </p:extLst>
   </p:cSld>
@@ -4690,7 +4785,7 @@
           <p:cNvPr id="2" name="Title 1">
             <a:extLst>
               <a:ext uri="{FF2B5EF4-FFF2-40B4-BE49-F238E27FC236}">
-                <a16:creationId xmlns:a16="http://schemas.microsoft.com/office/drawing/2014/main" id="{E1A9363A-F999-4F1C-A157-8DDECEB7BD31}"/>
+                <a16:creationId xmlns:a16="http://schemas.microsoft.com/office/drawing/2014/main" xmlns="" id="{E1A9363A-F999-4F1C-A157-8DDECEB7BD31}"/>
               </a:ext>
             </a:extLst>
           </p:cNvPr>
@@ -4718,7 +4813,7 @@
           <p:cNvPr id="4" name="Content Placeholder 3">
             <a:extLst>
               <a:ext uri="{FF2B5EF4-FFF2-40B4-BE49-F238E27FC236}">
-                <a16:creationId xmlns:a16="http://schemas.microsoft.com/office/drawing/2014/main" id="{387D742D-38A5-44D3-8940-C29BC333E4DE}"/>
+                <a16:creationId xmlns:a16="http://schemas.microsoft.com/office/drawing/2014/main" xmlns="" id="{387D742D-38A5-44D3-8940-C29BC333E4DE}"/>
               </a:ext>
             </a:extLst>
           </p:cNvPr>
@@ -4736,37 +4831,67 @@
           </a:bodyPr>
           <a:lstStyle/>
           <a:p>
-            <a:pPr lvl="1"/>
+            <a:pPr lvl="1" algn="just"/>
             <a:endParaRPr lang="en-IN" sz="1400" b="1" dirty="0">
               <a:latin typeface="Arial" panose="020B0604020202020204" pitchFamily="34" charset="0"/>
               <a:cs typeface="Arial" panose="020B0604020202020204" pitchFamily="34" charset="0"/>
             </a:endParaRPr>
           </a:p>
           <a:p>
+            <a:pPr algn="just"/>
             <a:r>
               <a:rPr lang="en-US" b="1" i="1" dirty="0"/>
-              <a:t>Service-Oriented Architecture (SOA) </a:t>
-            </a:r>
+              <a:t>Characteristics of SOA</a:t>
+            </a:r>
+          </a:p>
+          <a:p>
+            <a:pPr algn="just"/>
             <a:r>
               <a:rPr lang="en-US" dirty="0"/>
-              <a:t>is a style of software design where services are provided to the other components by application components, through a communication protocol over a network. Its principles are independent of vendors and other technologies. In</a:t>
-            </a:r>
-            <a:r>
-              <a:rPr lang="en-US" dirty="0">
-                <a:hlinkClick r:id="rId2"/>
-              </a:rPr>
-              <a:t> </a:t>
-            </a:r>
-            <a:r>
-              <a:rPr lang="en-US" b="1" dirty="0">
-                <a:hlinkClick r:id="rId2"/>
-              </a:rPr>
-              <a:t>service oriented architecture</a:t>
-            </a:r>
+              <a:t>Business value</a:t>
+            </a:r>
+          </a:p>
+          <a:p>
+            <a:pPr algn="just"/>
             <a:r>
               <a:rPr lang="en-US" dirty="0"/>
-              <a:t>, a number of services communicate with each other, in one of two ways: through passing data or through two or more services coordinating an activity. This is just one definition of Service-Oriented Architecture.</a:t>
-            </a:r>
+              <a:t>Strategic goals</a:t>
+            </a:r>
+          </a:p>
+          <a:p>
+            <a:pPr algn="just"/>
+            <a:r>
+              <a:rPr lang="en-US" dirty="0"/>
+              <a:t>Intrinsic inter-operability</a:t>
+            </a:r>
+          </a:p>
+          <a:p>
+            <a:pPr algn="just"/>
+            <a:r>
+              <a:rPr lang="en-US" dirty="0"/>
+              <a:t>Shared services</a:t>
+            </a:r>
+          </a:p>
+          <a:p>
+            <a:pPr algn="just"/>
+            <a:r>
+              <a:rPr lang="en-US" dirty="0"/>
+              <a:t>Flexibility</a:t>
+            </a:r>
+          </a:p>
+          <a:p>
+            <a:pPr algn="just"/>
+            <a:r>
+              <a:rPr lang="en-US" dirty="0"/>
+              <a:t>Evolutionary refinement</a:t>
+            </a:r>
+          </a:p>
+          <a:p>
+            <a:pPr algn="just"/>
+            <a:endParaRPr lang="en-US" b="1" i="1" dirty="0"/>
+          </a:p>
+          <a:p>
+            <a:pPr algn="just"/>
             <a:endParaRPr lang="en-IN" sz="1400" dirty="0">
               <a:latin typeface="Arial" panose="020B0604020202020204" pitchFamily="34" charset="0"/>
               <a:cs typeface="Arial" panose="020B0604020202020204" pitchFamily="34" charset="0"/>
@@ -4777,7 +4902,7 @@
     </p:spTree>
     <p:extLst>
       <p:ext uri="{BB962C8B-B14F-4D97-AF65-F5344CB8AC3E}">
-        <p14:creationId xmlns:p14="http://schemas.microsoft.com/office/powerpoint/2010/main" val="1963642335"/>
+        <p14:creationId xmlns:p14="http://schemas.microsoft.com/office/powerpoint/2010/main" xmlns="" val="1770422662"/>
       </p:ext>
     </p:extLst>
   </p:cSld>
@@ -4809,7 +4934,7 @@
           <p:cNvPr id="2" name="Title 1">
             <a:extLst>
               <a:ext uri="{FF2B5EF4-FFF2-40B4-BE49-F238E27FC236}">
-                <a16:creationId xmlns:a16="http://schemas.microsoft.com/office/drawing/2014/main" id="{E1A9363A-F999-4F1C-A157-8DDECEB7BD31}"/>
+                <a16:creationId xmlns:a16="http://schemas.microsoft.com/office/drawing/2014/main" xmlns="" id="{E1A9363A-F999-4F1C-A157-8DDECEB7BD31}"/>
               </a:ext>
             </a:extLst>
           </p:cNvPr>
@@ -4837,7 +4962,7 @@
           <p:cNvPr id="4" name="Content Placeholder 3">
             <a:extLst>
               <a:ext uri="{FF2B5EF4-FFF2-40B4-BE49-F238E27FC236}">
-                <a16:creationId xmlns:a16="http://schemas.microsoft.com/office/drawing/2014/main" id="{387D742D-38A5-44D3-8940-C29BC333E4DE}"/>
+                <a16:creationId xmlns:a16="http://schemas.microsoft.com/office/drawing/2014/main" xmlns="" id="{387D742D-38A5-44D3-8940-C29BC333E4DE}"/>
               </a:ext>
             </a:extLst>
           </p:cNvPr>
@@ -4855,16 +4980,81 @@
           </a:bodyPr>
           <a:lstStyle/>
           <a:p>
-            <a:pPr lvl="1"/>
+            <a:pPr lvl="1" algn="just"/>
             <a:endParaRPr lang="en-IN" sz="1400" b="1" dirty="0">
               <a:latin typeface="Arial" panose="020B0604020202020204" pitchFamily="34" charset="0"/>
               <a:cs typeface="Arial" panose="020B0604020202020204" pitchFamily="34" charset="0"/>
             </a:endParaRPr>
           </a:p>
           <a:p>
+            <a:pPr algn="just"/>
+            <a:r>
+              <a:rPr lang="en-US" b="1" i="1" dirty="0"/>
+              <a:t>Implementing SOA</a:t>
+            </a:r>
+          </a:p>
+          <a:p>
+            <a:pPr algn="just"/>
+            <a:r>
+              <a:rPr lang="en-US" dirty="0"/>
+              <a:t>Simple Object Accessing Protocol (SOAP)</a:t>
+            </a:r>
+          </a:p>
+          <a:p>
+            <a:pPr algn="just"/>
+            <a:r>
+              <a:rPr lang="en-US" dirty="0"/>
+              <a:t>In a nutshell, SOAP “is a messaging protocol specification for exchanging structured information in the implementation of web services in computer networks.</a:t>
+            </a:r>
+          </a:p>
+          <a:p>
+            <a:pPr algn="just"/>
+            <a:r>
+              <a:rPr lang="en-US" dirty="0" smtClean="0"/>
+              <a:t>Representational </a:t>
+            </a:r>
+            <a:r>
+              <a:rPr lang="en-US" dirty="0"/>
+              <a:t>State Transfer (REST)</a:t>
+            </a:r>
+          </a:p>
+          <a:p>
+            <a:pPr algn="just"/>
+            <a:r>
+              <a:rPr lang="en-US" dirty="0"/>
+              <a:t>It means when a RESTful API is called, the server will </a:t>
+            </a:r>
+            <a:r>
+              <a:rPr lang="en-US" i="1" dirty="0"/>
+              <a:t>transfer</a:t>
+            </a:r>
+            <a:r>
+              <a:rPr lang="en-US" dirty="0"/>
+              <a:t> to the client a </a:t>
+            </a:r>
+            <a:r>
+              <a:rPr lang="en-US" i="1" dirty="0"/>
+              <a:t>representation</a:t>
+            </a:r>
+            <a:r>
+              <a:rPr lang="en-US" dirty="0"/>
+              <a:t> of the </a:t>
+            </a:r>
+            <a:r>
+              <a:rPr lang="en-US" i="1" dirty="0"/>
+              <a:t>state</a:t>
+            </a:r>
+            <a:r>
+              <a:rPr lang="en-US" dirty="0"/>
+              <a:t> of the requested resource.</a:t>
+            </a:r>
+          </a:p>
+          <a:p>
+            <a:pPr algn="just"/>
             <a:endParaRPr lang="en-US" b="1" i="1" dirty="0"/>
           </a:p>
           <a:p>
+            <a:pPr algn="just"/>
             <a:endParaRPr lang="en-IN" sz="1400" dirty="0">
               <a:latin typeface="Arial" panose="020B0604020202020204" pitchFamily="34" charset="0"/>
               <a:cs typeface="Arial" panose="020B0604020202020204" pitchFamily="34" charset="0"/>
@@ -4872,46 +5062,10 @@
           </a:p>
         </p:txBody>
       </p:sp>
-      <p:pic>
-        <p:nvPicPr>
-          <p:cNvPr id="5" name="Picture 4">
-            <a:extLst>
-              <a:ext uri="{FF2B5EF4-FFF2-40B4-BE49-F238E27FC236}">
-                <a16:creationId xmlns:a16="http://schemas.microsoft.com/office/drawing/2014/main" id="{47ABEFBA-F7A7-49AB-99D3-4B7F2C74FC46}"/>
-              </a:ext>
-            </a:extLst>
-          </p:cNvPr>
-          <p:cNvPicPr>
-            <a:picLocks noChangeAspect="1"/>
-          </p:cNvPicPr>
-          <p:nvPr/>
-        </p:nvPicPr>
-        <p:blipFill>
-          <a:blip r:embed="rId2">
-            <a:extLst>
-              <a:ext uri="{28A0092B-C50C-407E-A947-70E740481C1C}">
-                <a14:useLocalDpi xmlns:a14="http://schemas.microsoft.com/office/drawing/2010/main" val="0"/>
-              </a:ext>
-            </a:extLst>
-          </a:blip>
-          <a:stretch>
-            <a:fillRect/>
-          </a:stretch>
-        </p:blipFill>
-        <p:spPr>
-          <a:xfrm>
-            <a:off x="1220672" y="1690688"/>
-            <a:ext cx="10133127" cy="4971870"/>
-          </a:xfrm>
-          <a:prstGeom prst="rect">
-            <a:avLst/>
-          </a:prstGeom>
-        </p:spPr>
-      </p:pic>
     </p:spTree>
     <p:extLst>
       <p:ext uri="{BB962C8B-B14F-4D97-AF65-F5344CB8AC3E}">
-        <p14:creationId xmlns:p14="http://schemas.microsoft.com/office/powerpoint/2010/main" val="87541259"/>
+        <p14:creationId xmlns:p14="http://schemas.microsoft.com/office/powerpoint/2010/main" xmlns="" val="859204348"/>
       </p:ext>
     </p:extLst>
   </p:cSld>
@@ -4943,7 +5097,7 @@
           <p:cNvPr id="2" name="Title 1">
             <a:extLst>
               <a:ext uri="{FF2B5EF4-FFF2-40B4-BE49-F238E27FC236}">
-                <a16:creationId xmlns:a16="http://schemas.microsoft.com/office/drawing/2014/main" id="{E1A9363A-F999-4F1C-A157-8DDECEB7BD31}"/>
+                <a16:creationId xmlns:a16="http://schemas.microsoft.com/office/drawing/2014/main" xmlns="" id="{E1A9363A-F999-4F1C-A157-8DDECEB7BD31}"/>
               </a:ext>
             </a:extLst>
           </p:cNvPr>
@@ -4961,7 +5115,7 @@
           <a:p>
             <a:r>
               <a:rPr lang="en-IN" dirty="0"/>
-              <a:t>Web Application Architecture – SOA</a:t>
+              <a:t>Web Application Architecture - MVC</a:t>
             </a:r>
           </a:p>
         </p:txBody>
@@ -4971,7 +5125,7 @@
           <p:cNvPr id="4" name="Content Placeholder 3">
             <a:extLst>
               <a:ext uri="{FF2B5EF4-FFF2-40B4-BE49-F238E27FC236}">
-                <a16:creationId xmlns:a16="http://schemas.microsoft.com/office/drawing/2014/main" id="{387D742D-38A5-44D3-8940-C29BC333E4DE}"/>
+                <a16:creationId xmlns:a16="http://schemas.microsoft.com/office/drawing/2014/main" xmlns="" id="{387D742D-38A5-44D3-8940-C29BC333E4DE}"/>
               </a:ext>
             </a:extLst>
           </p:cNvPr>
@@ -4996,51 +5150,6 @@
             </a:endParaRPr>
           </a:p>
           <a:p>
-            <a:r>
-              <a:rPr lang="en-US" b="1" i="1" dirty="0"/>
-              <a:t>Characteristics of SOA</a:t>
-            </a:r>
-          </a:p>
-          <a:p>
-            <a:r>
-              <a:rPr lang="en-US" dirty="0"/>
-              <a:t>Business value</a:t>
-            </a:r>
-          </a:p>
-          <a:p>
-            <a:r>
-              <a:rPr lang="en-US" dirty="0"/>
-              <a:t>Strategic goals</a:t>
-            </a:r>
-          </a:p>
-          <a:p>
-            <a:r>
-              <a:rPr lang="en-US" dirty="0"/>
-              <a:t>Intrinsic inter-operability</a:t>
-            </a:r>
-          </a:p>
-          <a:p>
-            <a:r>
-              <a:rPr lang="en-US" dirty="0"/>
-              <a:t>Shared services</a:t>
-            </a:r>
-          </a:p>
-          <a:p>
-            <a:r>
-              <a:rPr lang="en-US" dirty="0"/>
-              <a:t>Flexibility</a:t>
-            </a:r>
-          </a:p>
-          <a:p>
-            <a:r>
-              <a:rPr lang="en-US" dirty="0"/>
-              <a:t>Evolutionary refinement</a:t>
-            </a:r>
-          </a:p>
-          <a:p>
-            <a:endParaRPr lang="en-US" b="1" i="1" dirty="0"/>
-          </a:p>
-          <a:p>
             <a:endParaRPr lang="en-IN" sz="1400" dirty="0">
               <a:latin typeface="Arial" panose="020B0604020202020204" pitchFamily="34" charset="0"/>
               <a:cs typeface="Arial" panose="020B0604020202020204" pitchFamily="34" charset="0"/>
@@ -5048,10 +5157,46 @@
           </a:p>
         </p:txBody>
       </p:sp>
+      <p:pic>
+        <p:nvPicPr>
+          <p:cNvPr id="5" name="Picture 4">
+            <a:extLst>
+              <a:ext uri="{FF2B5EF4-FFF2-40B4-BE49-F238E27FC236}">
+                <a16:creationId xmlns:a16="http://schemas.microsoft.com/office/drawing/2014/main" xmlns="" id="{B20F8820-43F6-414E-94E0-234D51AFD52D}"/>
+              </a:ext>
+            </a:extLst>
+          </p:cNvPr>
+          <p:cNvPicPr>
+            <a:picLocks noChangeAspect="1"/>
+          </p:cNvPicPr>
+          <p:nvPr/>
+        </p:nvPicPr>
+        <p:blipFill>
+          <a:blip r:embed="rId2">
+            <a:extLst>
+              <a:ext uri="{28A0092B-C50C-407E-A947-70E740481C1C}">
+                <a14:useLocalDpi xmlns:a14="http://schemas.microsoft.com/office/drawing/2010/main" xmlns="" val="0"/>
+              </a:ext>
+            </a:extLst>
+          </a:blip>
+          <a:stretch>
+            <a:fillRect/>
+          </a:stretch>
+        </p:blipFill>
+        <p:spPr>
+          <a:xfrm>
+            <a:off x="1022262" y="1666599"/>
+            <a:ext cx="10515600" cy="4584602"/>
+          </a:xfrm>
+          <a:prstGeom prst="rect">
+            <a:avLst/>
+          </a:prstGeom>
+        </p:spPr>
+      </p:pic>
     </p:spTree>
     <p:extLst>
       <p:ext uri="{BB962C8B-B14F-4D97-AF65-F5344CB8AC3E}">
-        <p14:creationId xmlns:p14="http://schemas.microsoft.com/office/powerpoint/2010/main" val="1770422662"/>
+        <p14:creationId xmlns:p14="http://schemas.microsoft.com/office/powerpoint/2010/main" xmlns="" val="3045741414"/>
       </p:ext>
     </p:extLst>
   </p:cSld>
@@ -5083,7 +5228,7 @@
           <p:cNvPr id="2" name="Title 1">
             <a:extLst>
               <a:ext uri="{FF2B5EF4-FFF2-40B4-BE49-F238E27FC236}">
-                <a16:creationId xmlns:a16="http://schemas.microsoft.com/office/drawing/2014/main" id="{E1A9363A-F999-4F1C-A157-8DDECEB7BD31}"/>
+                <a16:creationId xmlns:a16="http://schemas.microsoft.com/office/drawing/2014/main" xmlns="" id="{E1A9363A-F999-4F1C-A157-8DDECEB7BD31}"/>
               </a:ext>
             </a:extLst>
           </p:cNvPr>
@@ -5101,7 +5246,7 @@
           <a:p>
             <a:r>
               <a:rPr lang="en-IN" dirty="0"/>
-              <a:t>Web Application Architecture – SOA</a:t>
+              <a:t>Web Application Architecture - MVC</a:t>
             </a:r>
           </a:p>
         </p:txBody>
@@ -5111,7 +5256,7 @@
           <p:cNvPr id="4" name="Content Placeholder 3">
             <a:extLst>
               <a:ext uri="{FF2B5EF4-FFF2-40B4-BE49-F238E27FC236}">
-                <a16:creationId xmlns:a16="http://schemas.microsoft.com/office/drawing/2014/main" id="{387D742D-38A5-44D3-8940-C29BC333E4DE}"/>
+                <a16:creationId xmlns:a16="http://schemas.microsoft.com/office/drawing/2014/main" xmlns="" id="{387D742D-38A5-44D3-8940-C29BC333E4DE}"/>
               </a:ext>
             </a:extLst>
           </p:cNvPr>
@@ -5122,81 +5267,83 @@
             <p:ph idx="1"/>
           </p:nvPr>
         </p:nvSpPr>
-        <p:spPr/>
+        <p:spPr>
+          <a:xfrm>
+            <a:off x="864705" y="1640095"/>
+            <a:ext cx="10515600" cy="4351338"/>
+          </a:xfrm>
+        </p:spPr>
         <p:txBody>
           <a:bodyPr>
             <a:noAutofit/>
           </a:bodyPr>
           <a:lstStyle/>
           <a:p>
-            <a:pPr lvl="1"/>
+            <a:pPr lvl="1" algn="just"/>
             <a:endParaRPr lang="en-IN" sz="1400" b="1" dirty="0">
               <a:latin typeface="Arial" panose="020B0604020202020204" pitchFamily="34" charset="0"/>
               <a:cs typeface="Arial" panose="020B0604020202020204" pitchFamily="34" charset="0"/>
             </a:endParaRPr>
           </a:p>
           <a:p>
-            <a:r>
-              <a:rPr lang="en-US" b="1" i="1" dirty="0"/>
-              <a:t>Implementing SOA</a:t>
-            </a:r>
-          </a:p>
-          <a:p>
-            <a:r>
-              <a:rPr lang="en-US" dirty="0"/>
-              <a:t>Simple Object Accessing Protocol (SOAP)</a:t>
-            </a:r>
-          </a:p>
-          <a:p>
-            <a:r>
-              <a:rPr lang="en-US" dirty="0"/>
-              <a:t>In a nutshell, SOAP “is a messaging protocol specification for exchanging structured information in the implementation of web services in computer networks.</a:t>
-            </a:r>
-          </a:p>
-          <a:p>
-            <a:r>
-              <a:rPr lang="en-US" dirty="0" err="1"/>
-              <a:t>REpresentational</a:t>
-            </a:r>
-            <a:r>
-              <a:rPr lang="en-US" dirty="0"/>
-              <a:t> State Transfer (REST)</a:t>
-            </a:r>
-          </a:p>
-          <a:p>
-            <a:r>
-              <a:rPr lang="en-US" dirty="0"/>
-              <a:t>It means when a RESTful API is called, the server will </a:t>
-            </a:r>
-            <a:r>
-              <a:rPr lang="en-US" i="1" dirty="0"/>
-              <a:t>transfer</a:t>
-            </a:r>
-            <a:r>
-              <a:rPr lang="en-US" dirty="0"/>
-              <a:t> to the client a </a:t>
-            </a:r>
-            <a:r>
-              <a:rPr lang="en-US" i="1" dirty="0"/>
-              <a:t>representation</a:t>
-            </a:r>
-            <a:r>
-              <a:rPr lang="en-US" dirty="0"/>
-              <a:t> of the </a:t>
-            </a:r>
-            <a:r>
-              <a:rPr lang="en-US" i="1" dirty="0"/>
-              <a:t>state</a:t>
-            </a:r>
-            <a:r>
-              <a:rPr lang="en-US" dirty="0"/>
-              <a:t> of the requested resource.</a:t>
-            </a:r>
-          </a:p>
-          <a:p>
-            <a:endParaRPr lang="en-US" b="1" i="1" dirty="0"/>
-          </a:p>
-          <a:p>
+            <a:pPr algn="just"/>
+            <a:r>
+              <a:rPr lang="en-US" b="1" dirty="0"/>
+              <a:t>MVC – Advantages</a:t>
+            </a:r>
+          </a:p>
+          <a:p>
+            <a:pPr algn="just"/>
+            <a:r>
+              <a:rPr lang="en-US" sz="2400" dirty="0"/>
+              <a:t>Multiple developers can work with the three layers (Model, View, and Controller) simultaneously</a:t>
+            </a:r>
+          </a:p>
+          <a:p>
+            <a:pPr algn="just"/>
+            <a:r>
+              <a:rPr lang="en-US" sz="2400" dirty="0"/>
+              <a:t>Offers improved </a:t>
+            </a:r>
+            <a:r>
+              <a:rPr lang="en-US" sz="2400" i="1" dirty="0"/>
+              <a:t>scalability</a:t>
+            </a:r>
+            <a:r>
+              <a:rPr lang="en-US" sz="2400" dirty="0"/>
+              <a:t>, that supplements the ability of the application to grow</a:t>
+            </a:r>
+          </a:p>
+          <a:p>
+            <a:pPr algn="just"/>
+            <a:r>
+              <a:rPr lang="en-US" sz="2400" dirty="0"/>
+              <a:t>As components have a low dependency on each other, they are easy to maintain</a:t>
+            </a:r>
+          </a:p>
+          <a:p>
+            <a:pPr algn="just"/>
+            <a:r>
+              <a:rPr lang="en-US" sz="2400" dirty="0"/>
+              <a:t>A model can be reused by multiple views which provides reusability of code</a:t>
+            </a:r>
+          </a:p>
+          <a:p>
+            <a:pPr algn="just"/>
+            <a:r>
+              <a:rPr lang="en-US" sz="2400" dirty="0"/>
+              <a:t>Adoption of MVC makes an application more expressive and easy to understand</a:t>
+            </a:r>
+          </a:p>
+          <a:p>
+            <a:pPr algn="just"/>
+            <a:r>
+              <a:rPr lang="en-US" sz="2400" dirty="0"/>
+              <a:t>Extending and testing of the application becomes easy</a:t>
+            </a:r>
+          </a:p>
+          <a:p>
+            <a:pPr algn="just"/>
             <a:endParaRPr lang="en-IN" sz="1400" dirty="0">
               <a:latin typeface="Arial" panose="020B0604020202020204" pitchFamily="34" charset="0"/>
               <a:cs typeface="Arial" panose="020B0604020202020204" pitchFamily="34" charset="0"/>
@@ -5207,7 +5354,7 @@
     </p:spTree>
     <p:extLst>
       <p:ext uri="{BB962C8B-B14F-4D97-AF65-F5344CB8AC3E}">
-        <p14:creationId xmlns:p14="http://schemas.microsoft.com/office/powerpoint/2010/main" val="859204348"/>
+        <p14:creationId xmlns:p14="http://schemas.microsoft.com/office/powerpoint/2010/main" xmlns="" val="2358355684"/>
       </p:ext>
     </p:extLst>
   </p:cSld>
@@ -5239,7 +5386,7 @@
           <p:cNvPr id="2" name="Title 1">
             <a:extLst>
               <a:ext uri="{FF2B5EF4-FFF2-40B4-BE49-F238E27FC236}">
-                <a16:creationId xmlns:a16="http://schemas.microsoft.com/office/drawing/2014/main" id="{E1A9363A-F999-4F1C-A157-8DDECEB7BD31}"/>
+                <a16:creationId xmlns:a16="http://schemas.microsoft.com/office/drawing/2014/main" xmlns="" id="{E1A9363A-F999-4F1C-A157-8DDECEB7BD31}"/>
               </a:ext>
             </a:extLst>
           </p:cNvPr>
@@ -5257,7 +5404,7 @@
           <a:p>
             <a:r>
               <a:rPr lang="en-IN" dirty="0"/>
-              <a:t>Web Application Architecture - MVC</a:t>
+              <a:t>Web Application Architecture – SPA’s</a:t>
             </a:r>
           </a:p>
         </p:txBody>
@@ -5267,7 +5414,7 @@
           <p:cNvPr id="4" name="Content Placeholder 3">
             <a:extLst>
               <a:ext uri="{FF2B5EF4-FFF2-40B4-BE49-F238E27FC236}">
-                <a16:creationId xmlns:a16="http://schemas.microsoft.com/office/drawing/2014/main" id="{387D742D-38A5-44D3-8940-C29BC333E4DE}"/>
+                <a16:creationId xmlns:a16="http://schemas.microsoft.com/office/drawing/2014/main" xmlns="" id="{387D742D-38A5-44D3-8940-C29BC333E4DE}"/>
               </a:ext>
             </a:extLst>
           </p:cNvPr>
@@ -5278,67 +5425,73 @@
             <p:ph idx="1"/>
           </p:nvPr>
         </p:nvSpPr>
-        <p:spPr/>
+        <p:spPr>
+          <a:xfrm>
+            <a:off x="864704" y="1600337"/>
+            <a:ext cx="10515600" cy="4734201"/>
+          </a:xfrm>
+        </p:spPr>
         <p:txBody>
           <a:bodyPr>
             <a:noAutofit/>
           </a:bodyPr>
           <a:lstStyle/>
           <a:p>
-            <a:pPr lvl="1"/>
+            <a:pPr lvl="1" algn="just"/>
             <a:endParaRPr lang="en-IN" sz="1400" b="1" dirty="0">
               <a:latin typeface="Arial" panose="020B0604020202020204" pitchFamily="34" charset="0"/>
               <a:cs typeface="Arial" panose="020B0604020202020204" pitchFamily="34" charset="0"/>
             </a:endParaRPr>
           </a:p>
           <a:p>
-            <a:endParaRPr lang="en-IN" sz="1400" dirty="0">
+            <a:pPr algn="just"/>
+            <a:r>
+              <a:rPr lang="en-US" sz="2400" b="1" dirty="0"/>
+              <a:t>Single-Page Applications (SPAs) – </a:t>
+            </a:r>
+            <a:r>
+              <a:rPr lang="en-US" sz="2400" dirty="0"/>
+              <a:t>Instead of loading completely new pages from the server each time for a user action, single page web applications allows for a dynamic interaction by means of providing updated content to the current page.</a:t>
+            </a:r>
+          </a:p>
+          <a:p>
+            <a:pPr algn="just"/>
+            <a:r>
+              <a:rPr lang="en-US" sz="2400" b="1" dirty="0"/>
+              <a:t/>
+            </a:r>
+            <a:br>
+              <a:rPr lang="en-US" sz="2400" b="1" dirty="0"/>
+            </a:br>
+            <a:r>
+              <a:rPr lang="en-US" sz="2400" dirty="0"/>
+              <a:t>AJAX, a concise form of Asynchronous JavaScript and XML, is the foundation for enabling page communications and hence, making SPAs a reality. Because single-page applications prevent interruptions in user experience, they, in a way, resemble traditional desktop applications.</a:t>
+            </a:r>
+          </a:p>
+          <a:p>
+            <a:pPr algn="just"/>
+            <a:r>
+              <a:rPr lang="en-US" sz="2400" dirty="0"/>
+              <a:t/>
+            </a:r>
+            <a:br>
+              <a:rPr lang="en-US" sz="2400" dirty="0"/>
+            </a:br>
+            <a:r>
+              <a:rPr lang="en-US" sz="2400" dirty="0"/>
+              <a:t>SPAs are designed in a way so that they request for most necessary content and information elements. This leads to the procurement of an intuitive as well as interactive user experience.</a:t>
+            </a:r>
+            <a:endParaRPr lang="en-IN" sz="2400" dirty="0">
               <a:latin typeface="Arial" panose="020B0604020202020204" pitchFamily="34" charset="0"/>
               <a:cs typeface="Arial" panose="020B0604020202020204" pitchFamily="34" charset="0"/>
             </a:endParaRPr>
           </a:p>
         </p:txBody>
       </p:sp>
-      <p:pic>
-        <p:nvPicPr>
-          <p:cNvPr id="5" name="Picture 4">
-            <a:extLst>
-              <a:ext uri="{FF2B5EF4-FFF2-40B4-BE49-F238E27FC236}">
-                <a16:creationId xmlns:a16="http://schemas.microsoft.com/office/drawing/2014/main" id="{B20F8820-43F6-414E-94E0-234D51AFD52D}"/>
-              </a:ext>
-            </a:extLst>
-          </p:cNvPr>
-          <p:cNvPicPr>
-            <a:picLocks noChangeAspect="1"/>
-          </p:cNvPicPr>
-          <p:nvPr/>
-        </p:nvPicPr>
-        <p:blipFill>
-          <a:blip r:embed="rId2">
-            <a:extLst>
-              <a:ext uri="{28A0092B-C50C-407E-A947-70E740481C1C}">
-                <a14:useLocalDpi xmlns:a14="http://schemas.microsoft.com/office/drawing/2010/main" val="0"/>
-              </a:ext>
-            </a:extLst>
-          </a:blip>
-          <a:stretch>
-            <a:fillRect/>
-          </a:stretch>
-        </p:blipFill>
-        <p:spPr>
-          <a:xfrm>
-            <a:off x="1154783" y="1825625"/>
-            <a:ext cx="10515600" cy="4584602"/>
-          </a:xfrm>
-          <a:prstGeom prst="rect">
-            <a:avLst/>
-          </a:prstGeom>
-        </p:spPr>
-      </p:pic>
     </p:spTree>
     <p:extLst>
       <p:ext uri="{BB962C8B-B14F-4D97-AF65-F5344CB8AC3E}">
-        <p14:creationId xmlns:p14="http://schemas.microsoft.com/office/powerpoint/2010/main" val="3045741414"/>
+        <p14:creationId xmlns:p14="http://schemas.microsoft.com/office/powerpoint/2010/main" xmlns="" val="1948932074"/>
       </p:ext>
     </p:extLst>
   </p:cSld>
@@ -5370,7 +5523,7 @@
           <p:cNvPr id="2" name="Title 1">
             <a:extLst>
               <a:ext uri="{FF2B5EF4-FFF2-40B4-BE49-F238E27FC236}">
-                <a16:creationId xmlns:a16="http://schemas.microsoft.com/office/drawing/2014/main" id="{1A41D3BD-21ED-4200-A35D-5864E79FFE5E}"/>
+                <a16:creationId xmlns:a16="http://schemas.microsoft.com/office/drawing/2014/main" xmlns="" id="{1A41D3BD-21ED-4200-A35D-5864E79FFE5E}"/>
               </a:ext>
             </a:extLst>
           </p:cNvPr>
@@ -5398,7 +5551,7 @@
           <p:cNvPr id="3" name="Content Placeholder 2">
             <a:extLst>
               <a:ext uri="{FF2B5EF4-FFF2-40B4-BE49-F238E27FC236}">
-                <a16:creationId xmlns:a16="http://schemas.microsoft.com/office/drawing/2014/main" id="{70EAE32C-01B9-4D24-8F7D-680E6749ACEE}"/>
+                <a16:creationId xmlns:a16="http://schemas.microsoft.com/office/drawing/2014/main" xmlns="" id="{70EAE32C-01B9-4D24-8F7D-680E6749ACEE}"/>
               </a:ext>
             </a:extLst>
           </p:cNvPr>
@@ -5409,137 +5562,119 @@
             <p:ph idx="1"/>
           </p:nvPr>
         </p:nvSpPr>
-        <p:spPr/>
+        <p:spPr>
+          <a:xfrm>
+            <a:off x="877956" y="1560582"/>
+            <a:ext cx="10515600" cy="4351338"/>
+          </a:xfrm>
+        </p:spPr>
         <p:txBody>
           <a:bodyPr>
-            <a:normAutofit fontScale="92500" lnSpcReduction="10000"/>
+            <a:normAutofit fontScale="92500" lnSpcReduction="20000"/>
           </a:bodyPr>
           <a:lstStyle/>
           <a:p>
+            <a:pPr algn="just"/>
             <a:r>
               <a:rPr lang="en-IN" dirty="0"/>
               <a:t>Raghu Prasad – BE, MS</a:t>
             </a:r>
           </a:p>
           <a:p>
+            <a:pPr algn="just"/>
             <a:r>
               <a:rPr lang="en-IN" dirty="0"/>
               <a:t>Total of 24 years of experience</a:t>
             </a:r>
           </a:p>
           <a:p>
+            <a:pPr algn="just"/>
             <a:r>
               <a:rPr lang="en-IN" dirty="0"/>
               <a:t>7 years as a lecturer in Engineering College</a:t>
             </a:r>
           </a:p>
           <a:p>
+            <a:pPr algn="just"/>
             <a:r>
               <a:rPr lang="en-IN" dirty="0"/>
               <a:t>17 Years into IT</a:t>
             </a:r>
           </a:p>
           <a:p>
+            <a:pPr algn="just"/>
             <a:r>
               <a:rPr lang="en-IN" dirty="0"/>
-              <a:t>Worked with companies like </a:t>
-            </a:r>
-            <a:r>
-              <a:rPr lang="en-IN" dirty="0" err="1"/>
-              <a:t>CISCO,CSC,ICICI,First</a:t>
+              <a:t>Worked with companies like CISCO</a:t>
+            </a:r>
+            <a:r>
+              <a:rPr lang="en-IN" dirty="0" smtClean="0"/>
+              <a:t>, CSC, ICICI, First </a:t>
             </a:r>
             <a:r>
               <a:rPr lang="en-IN" dirty="0"/>
-              <a:t> Apex – NTT Data</a:t>
-            </a:r>
-          </a:p>
-          <a:p>
+              <a:t>Apex – NTT Data</a:t>
+            </a:r>
+          </a:p>
+          <a:p>
+            <a:pPr algn="just"/>
             <a:r>
               <a:rPr lang="en-IN" dirty="0"/>
-              <a:t>Started </a:t>
-            </a:r>
-            <a:r>
-              <a:rPr lang="en-IN" dirty="0" err="1"/>
-              <a:t>Kaushalya</a:t>
-            </a:r>
+              <a:t>Started Kaushalya Technologies an EduTechnology company in 2017</a:t>
+            </a:r>
+          </a:p>
+          <a:p>
+            <a:pPr algn="just"/>
             <a:r>
               <a:rPr lang="en-IN" dirty="0"/>
-              <a:t> Technologies an </a:t>
-            </a:r>
-            <a:r>
-              <a:rPr lang="en-IN" dirty="0" err="1"/>
-              <a:t>EduTechnology</a:t>
+              <a:t>Currently into Corporate training</a:t>
+            </a:r>
+            <a:r>
+              <a:rPr lang="en-IN" dirty="0" smtClean="0"/>
+              <a:t>, consultancy </a:t>
             </a:r>
             <a:r>
               <a:rPr lang="en-IN" dirty="0"/>
-              <a:t> company in 2017</a:t>
-            </a:r>
-          </a:p>
-          <a:p>
-            <a:r>
-              <a:rPr lang="en-IN" dirty="0"/>
-              <a:t>Currently into Corporate </a:t>
-            </a:r>
-            <a:r>
-              <a:rPr lang="en-IN" dirty="0" err="1"/>
-              <a:t>training,consultancy</a:t>
-            </a:r>
-            <a:r>
-              <a:rPr lang="en-IN" dirty="0"/>
-              <a:t> and application development</a:t>
-            </a:r>
-          </a:p>
-          <a:p>
+              <a:t>and application development</a:t>
+            </a:r>
+          </a:p>
+          <a:p>
+            <a:pPr algn="just"/>
             <a:r>
               <a:rPr lang="en-IN" dirty="0"/>
               <a:t>Worked with corporates and public sector</a:t>
             </a:r>
           </a:p>
           <a:p>
+            <a:pPr algn="just"/>
             <a:r>
               <a:rPr lang="en-IN" dirty="0"/>
               <a:t>Technologies – </a:t>
             </a:r>
             <a:r>
-              <a:rPr lang="en-IN" dirty="0" err="1"/>
-              <a:t>Java,Python,Data</a:t>
+              <a:rPr lang="en-IN" dirty="0" smtClean="0"/>
+              <a:t>Java, Python, DataSciences, Web Technologies, Java </a:t>
             </a:r>
             <a:r>
               <a:rPr lang="en-IN" dirty="0"/>
-              <a:t> </a:t>
-            </a:r>
-            <a:r>
-              <a:rPr lang="en-IN" dirty="0" err="1"/>
-              <a:t>Sciences,Web</a:t>
+              <a:t>Script technologies (MEAN stack</a:t>
+            </a:r>
+            <a:r>
+              <a:rPr lang="en-IN" dirty="0" smtClean="0"/>
+              <a:t>), IOT, Test </a:t>
             </a:r>
             <a:r>
               <a:rPr lang="en-IN" dirty="0"/>
-              <a:t> </a:t>
-            </a:r>
-            <a:r>
-              <a:rPr lang="en-IN" dirty="0" err="1"/>
-              <a:t>technologies,Java</a:t>
-            </a:r>
-            <a:r>
-              <a:rPr lang="en-IN" dirty="0"/>
-              <a:t> Script technologies (MEAN stack),</a:t>
-            </a:r>
-            <a:r>
-              <a:rPr lang="en-IN" dirty="0" err="1"/>
-              <a:t>IOT,Test</a:t>
-            </a:r>
-            <a:r>
-              <a:rPr lang="en-IN" dirty="0"/>
-              <a:t> Automation – </a:t>
-            </a:r>
-            <a:r>
-              <a:rPr lang="en-IN" dirty="0" err="1"/>
-              <a:t>Selenium,JMeter</a:t>
+              <a:t>Automation – Selenium</a:t>
+            </a:r>
+            <a:r>
+              <a:rPr lang="en-IN" dirty="0" smtClean="0"/>
+              <a:t>, JMeter</a:t>
             </a:r>
             <a:endParaRPr lang="en-IN" dirty="0"/>
           </a:p>
           <a:p>
-            <a:pPr marL="0" indent="0">
+            <a:pPr marL="0" indent="0" algn="just">
               <a:buNone/>
             </a:pPr>
             <a:endParaRPr lang="en-IN" dirty="0"/>
@@ -5549,7 +5684,7 @@
     </p:spTree>
     <p:extLst>
       <p:ext uri="{BB962C8B-B14F-4D97-AF65-F5344CB8AC3E}">
-        <p14:creationId xmlns:p14="http://schemas.microsoft.com/office/powerpoint/2010/main" val="1403244045"/>
+        <p14:creationId xmlns:p14="http://schemas.microsoft.com/office/powerpoint/2010/main" xmlns="" val="1403244045"/>
       </p:ext>
     </p:extLst>
   </p:cSld>
@@ -5581,7 +5716,7 @@
           <p:cNvPr id="2" name="Title 1">
             <a:extLst>
               <a:ext uri="{FF2B5EF4-FFF2-40B4-BE49-F238E27FC236}">
-                <a16:creationId xmlns:a16="http://schemas.microsoft.com/office/drawing/2014/main" id="{E1A9363A-F999-4F1C-A157-8DDECEB7BD31}"/>
+                <a16:creationId xmlns:a16="http://schemas.microsoft.com/office/drawing/2014/main" xmlns="" id="{E1A9363A-F999-4F1C-A157-8DDECEB7BD31}"/>
               </a:ext>
             </a:extLst>
           </p:cNvPr>
@@ -5599,102 +5734,50 @@
           <a:p>
             <a:r>
               <a:rPr lang="en-IN" dirty="0"/>
-              <a:t>Web Application Architecture - MVC</a:t>
-            </a:r>
-          </a:p>
-        </p:txBody>
-      </p:sp>
-      <p:sp>
-        <p:nvSpPr>
-          <p:cNvPr id="4" name="Content Placeholder 3">
-            <a:extLst>
-              <a:ext uri="{FF2B5EF4-FFF2-40B4-BE49-F238E27FC236}">
-                <a16:creationId xmlns:a16="http://schemas.microsoft.com/office/drawing/2014/main" id="{387D742D-38A5-44D3-8940-C29BC333E4DE}"/>
-              </a:ext>
-            </a:extLst>
-          </p:cNvPr>
-          <p:cNvSpPr>
-            <a:spLocks noGrp="1"/>
-          </p:cNvSpPr>
+              <a:t>Web Application Architecture – SPA’s</a:t>
+            </a:r>
+          </a:p>
+        </p:txBody>
+      </p:sp>
+      <p:pic>
+        <p:nvPicPr>
+          <p:cNvPr id="5" name="Content Placeholder 4">
+            <a:extLst>
+              <a:ext uri="{FF2B5EF4-FFF2-40B4-BE49-F238E27FC236}">
+                <a16:creationId xmlns:a16="http://schemas.microsoft.com/office/drawing/2014/main" xmlns="" id="{F7B53A9D-0718-4188-BE0B-10163DD4A040}"/>
+              </a:ext>
+            </a:extLst>
+          </p:cNvPr>
+          <p:cNvPicPr>
+            <a:picLocks noGrp="1" noChangeAspect="1"/>
+          </p:cNvPicPr>
           <p:nvPr>
             <p:ph idx="1"/>
           </p:nvPr>
-        </p:nvSpPr>
-        <p:spPr/>
-        <p:txBody>
-          <a:bodyPr>
-            <a:noAutofit/>
-          </a:bodyPr>
-          <a:lstStyle/>
-          <a:p>
-            <a:pPr lvl="1"/>
-            <a:endParaRPr lang="en-IN" sz="1400" b="1" dirty="0">
-              <a:latin typeface="Arial" panose="020B0604020202020204" pitchFamily="34" charset="0"/>
-              <a:cs typeface="Arial" panose="020B0604020202020204" pitchFamily="34" charset="0"/>
-            </a:endParaRPr>
-          </a:p>
-          <a:p>
-            <a:r>
-              <a:rPr lang="en-US" b="1" dirty="0"/>
-              <a:t>MVC – Advantages</a:t>
-            </a:r>
-          </a:p>
-          <a:p>
-            <a:r>
-              <a:rPr lang="en-US" sz="2400" dirty="0"/>
-              <a:t>Multiple developers can work with the three layers (Model, View, and Controller) simultaneously</a:t>
-            </a:r>
-          </a:p>
-          <a:p>
-            <a:r>
-              <a:rPr lang="en-US" sz="2400" dirty="0"/>
-              <a:t>Offers improved </a:t>
-            </a:r>
-            <a:r>
-              <a:rPr lang="en-US" sz="2400" i="1" dirty="0"/>
-              <a:t>scalability</a:t>
-            </a:r>
-            <a:r>
-              <a:rPr lang="en-US" sz="2400" dirty="0"/>
-              <a:t>, that supplements the ability of the application to grow</a:t>
-            </a:r>
-          </a:p>
-          <a:p>
-            <a:r>
-              <a:rPr lang="en-US" sz="2400" dirty="0"/>
-              <a:t>As components have a low dependency on each other, they are easy to maintain</a:t>
-            </a:r>
-          </a:p>
-          <a:p>
-            <a:r>
-              <a:rPr lang="en-US" sz="2400" dirty="0"/>
-              <a:t>A model can be reused by multiple views which provides reusability of code</a:t>
-            </a:r>
-          </a:p>
-          <a:p>
-            <a:r>
-              <a:rPr lang="en-US" sz="2400" dirty="0"/>
-              <a:t>Adoption of MVC makes an application more expressive and easy to understand</a:t>
-            </a:r>
-          </a:p>
-          <a:p>
-            <a:r>
-              <a:rPr lang="en-US" sz="2400" dirty="0"/>
-              <a:t>Extending and testing of the application becomes easy</a:t>
-            </a:r>
-          </a:p>
-          <a:p>
-            <a:endParaRPr lang="en-IN" sz="1400" dirty="0">
-              <a:latin typeface="Arial" panose="020B0604020202020204" pitchFamily="34" charset="0"/>
-              <a:cs typeface="Arial" panose="020B0604020202020204" pitchFamily="34" charset="0"/>
-            </a:endParaRPr>
-          </a:p>
-        </p:txBody>
-      </p:sp>
+        </p:nvPicPr>
+        <p:blipFill>
+          <a:blip r:embed="rId2">
+            <a:extLst>
+              <a:ext uri="{28A0092B-C50C-407E-A947-70E740481C1C}">
+                <a14:useLocalDpi xmlns:a14="http://schemas.microsoft.com/office/drawing/2010/main" xmlns="" val="0"/>
+              </a:ext>
+            </a:extLst>
+          </a:blip>
+          <a:stretch>
+            <a:fillRect/>
+          </a:stretch>
+        </p:blipFill>
+        <p:spPr>
+          <a:xfrm>
+            <a:off x="1272620" y="1825625"/>
+            <a:ext cx="9832156" cy="4351338"/>
+          </a:xfrm>
+        </p:spPr>
+      </p:pic>
     </p:spTree>
     <p:extLst>
       <p:ext uri="{BB962C8B-B14F-4D97-AF65-F5344CB8AC3E}">
-        <p14:creationId xmlns:p14="http://schemas.microsoft.com/office/powerpoint/2010/main" val="2358355684"/>
+        <p14:creationId xmlns:p14="http://schemas.microsoft.com/office/powerpoint/2010/main" xmlns="" val="2493163144"/>
       </p:ext>
     </p:extLst>
   </p:cSld>
@@ -5726,7 +5809,7 @@
           <p:cNvPr id="2" name="Title 1">
             <a:extLst>
               <a:ext uri="{FF2B5EF4-FFF2-40B4-BE49-F238E27FC236}">
-                <a16:creationId xmlns:a16="http://schemas.microsoft.com/office/drawing/2014/main" id="{E1A9363A-F999-4F1C-A157-8DDECEB7BD31}"/>
+                <a16:creationId xmlns:a16="http://schemas.microsoft.com/office/drawing/2014/main" xmlns="" id="{E1A9363A-F999-4F1C-A157-8DDECEB7BD31}"/>
               </a:ext>
             </a:extLst>
           </p:cNvPr>
@@ -5744,7 +5827,7 @@
           <a:p>
             <a:r>
               <a:rPr lang="en-IN" dirty="0"/>
-              <a:t>Web Application Architecture – SPA’s</a:t>
+              <a:t>Web Application Architecture – Microservices</a:t>
             </a:r>
           </a:p>
         </p:txBody>
@@ -5754,7 +5837,7 @@
           <p:cNvPr id="4" name="Content Placeholder 3">
             <a:extLst>
               <a:ext uri="{FF2B5EF4-FFF2-40B4-BE49-F238E27FC236}">
-                <a16:creationId xmlns:a16="http://schemas.microsoft.com/office/drawing/2014/main" id="{387D742D-38A5-44D3-8940-C29BC333E4DE}"/>
+                <a16:creationId xmlns:a16="http://schemas.microsoft.com/office/drawing/2014/main" xmlns="" id="{38358E39-FB36-4800-8F88-ECEF06D4973E}"/>
               </a:ext>
             </a:extLst>
           </p:cNvPr>
@@ -5767,55 +5850,47 @@
         </p:nvSpPr>
         <p:spPr/>
         <p:txBody>
-          <a:bodyPr>
-            <a:noAutofit/>
-          </a:bodyPr>
-          <a:lstStyle/>
-          <a:p>
-            <a:pPr lvl="1"/>
-            <a:endParaRPr lang="en-IN" sz="1400" b="1" dirty="0">
-              <a:latin typeface="Arial" panose="020B0604020202020204" pitchFamily="34" charset="0"/>
-              <a:cs typeface="Arial" panose="020B0604020202020204" pitchFamily="34" charset="0"/>
-            </a:endParaRPr>
-          </a:p>
-          <a:p>
-            <a:r>
-              <a:rPr lang="en-US" sz="2400" b="1" dirty="0"/>
-              <a:t>Single-Page Applications (SPAs) – </a:t>
-            </a:r>
-            <a:r>
-              <a:rPr lang="en-US" sz="2400" dirty="0"/>
-              <a:t>Instead of loading completely new pages from the server each time for a user action, single page web applications allows for a dynamic interaction by means of providing updated content to the current page.</a:t>
-            </a:r>
-          </a:p>
-          <a:p>
+          <a:bodyPr/>
+          <a:lstStyle/>
+          <a:p>
+            <a:pPr algn="just"/>
+            <a:r>
+              <a:rPr lang="en-US" b="1" dirty="0"/>
+              <a:t>Microservices – </a:t>
+            </a:r>
+            <a:r>
+              <a:rPr lang="en-US" dirty="0"/>
+              <a:t>These are small and lightweight services that execute a single functionality. The Microservices Architecture framework has a number of advantages that allows developers to not only enhance productivity but also speed up the entire deployment process.</a:t>
+            </a:r>
             <a:br>
-              <a:rPr lang="en-US" sz="2400" b="1" dirty="0"/>
+              <a:rPr lang="en-US" dirty="0"/>
             </a:br>
             <a:r>
-              <a:rPr lang="en-US" sz="2400" dirty="0"/>
-              <a:t>AJAX, a concise form of Asynchronous JavaScript and XML, is the foundation for enabling page communications and hence, making SPAs a reality. Because single-page applications prevent interruptions in user experience, they, in a way, resemble traditional desktop applications.</a:t>
-            </a:r>
-          </a:p>
-          <a:p>
+              <a:rPr lang="en-US" dirty="0"/>
+              <a:t>The components making up an application build using the Microservices Architecture aren’t directly dependent on each other. As such, they don’t necessitate to be built using the </a:t>
+            </a:r>
+            <a:r>
+              <a:rPr lang="en-US" dirty="0" smtClean="0"/>
+              <a:t>same programming language</a:t>
+            </a:r>
+            <a:r>
+              <a:rPr lang="en-US" dirty="0"/>
+              <a:t>.</a:t>
+            </a:r>
             <a:br>
-              <a:rPr lang="en-US" sz="2400" dirty="0"/>
+              <a:rPr lang="en-US" dirty="0"/>
             </a:br>
             <a:r>
-              <a:rPr lang="en-US" sz="2400" dirty="0"/>
-              <a:t>SPAs are designed in a way so that they request for most necessary content and information elements. This leads to the procurement of an intuitive as well as interactive user experience.</a:t>
-            </a:r>
-            <a:endParaRPr lang="en-IN" sz="2400" dirty="0">
-              <a:latin typeface="Arial" panose="020B0604020202020204" pitchFamily="34" charset="0"/>
-              <a:cs typeface="Arial" panose="020B0604020202020204" pitchFamily="34" charset="0"/>
-            </a:endParaRPr>
+              <a:rPr lang="en-US" dirty="0"/>
+              <a:t>Hence, developers working with the Microservices Architecture are free to pick up a technology stack of choice. It makes developing the application simpler and quicker.</a:t>
+            </a:r>
           </a:p>
         </p:txBody>
       </p:sp>
     </p:spTree>
     <p:extLst>
       <p:ext uri="{BB962C8B-B14F-4D97-AF65-F5344CB8AC3E}">
-        <p14:creationId xmlns:p14="http://schemas.microsoft.com/office/powerpoint/2010/main" val="1948932074"/>
+        <p14:creationId xmlns:p14="http://schemas.microsoft.com/office/powerpoint/2010/main" xmlns="" val="1866522599"/>
       </p:ext>
     </p:extLst>
   </p:cSld>
@@ -5847,7 +5922,7 @@
           <p:cNvPr id="2" name="Title 1">
             <a:extLst>
               <a:ext uri="{FF2B5EF4-FFF2-40B4-BE49-F238E27FC236}">
-                <a16:creationId xmlns:a16="http://schemas.microsoft.com/office/drawing/2014/main" id="{E1A9363A-F999-4F1C-A157-8DDECEB7BD31}"/>
+                <a16:creationId xmlns:a16="http://schemas.microsoft.com/office/drawing/2014/main" xmlns="" id="{E1A9363A-F999-4F1C-A157-8DDECEB7BD31}"/>
               </a:ext>
             </a:extLst>
           </p:cNvPr>
@@ -5865,7 +5940,7 @@
           <a:p>
             <a:r>
               <a:rPr lang="en-IN" dirty="0"/>
-              <a:t>Web Application Architecture – SPA’s</a:t>
+              <a:t>Web Application Architecture – Microservices</a:t>
             </a:r>
           </a:p>
         </p:txBody>
@@ -5875,7 +5950,7 @@
           <p:cNvPr id="5" name="Content Placeholder 4">
             <a:extLst>
               <a:ext uri="{FF2B5EF4-FFF2-40B4-BE49-F238E27FC236}">
-                <a16:creationId xmlns:a16="http://schemas.microsoft.com/office/drawing/2014/main" id="{F7B53A9D-0718-4188-BE0B-10163DD4A040}"/>
+                <a16:creationId xmlns:a16="http://schemas.microsoft.com/office/drawing/2014/main" xmlns="" id="{F0124D32-1C42-4244-98AA-9522AC0C296B}"/>
               </a:ext>
             </a:extLst>
           </p:cNvPr>
@@ -5890,7 +5965,7 @@
           <a:blip r:embed="rId2">
             <a:extLst>
               <a:ext uri="{28A0092B-C50C-407E-A947-70E740481C1C}">
-                <a14:useLocalDpi xmlns:a14="http://schemas.microsoft.com/office/drawing/2010/main" val="0"/>
+                <a14:useLocalDpi xmlns:a14="http://schemas.microsoft.com/office/drawing/2010/main" xmlns="" val="0"/>
               </a:ext>
             </a:extLst>
           </a:blip>
@@ -5900,15 +5975,15 @@
         </p:blipFill>
         <p:spPr>
           <a:xfrm>
-            <a:off x="1272620" y="1825625"/>
-            <a:ext cx="9832156" cy="4351338"/>
+            <a:off x="1507470" y="1795013"/>
+            <a:ext cx="8964890" cy="4200525"/>
           </a:xfrm>
         </p:spPr>
       </p:pic>
     </p:spTree>
     <p:extLst>
       <p:ext uri="{BB962C8B-B14F-4D97-AF65-F5344CB8AC3E}">
-        <p14:creationId xmlns:p14="http://schemas.microsoft.com/office/powerpoint/2010/main" val="2493163144"/>
+        <p14:creationId xmlns:p14="http://schemas.microsoft.com/office/powerpoint/2010/main" xmlns="" val="479449619"/>
       </p:ext>
     </p:extLst>
   </p:cSld>
@@ -5940,7 +6015,7 @@
           <p:cNvPr id="2" name="Title 1">
             <a:extLst>
               <a:ext uri="{FF2B5EF4-FFF2-40B4-BE49-F238E27FC236}">
-                <a16:creationId xmlns:a16="http://schemas.microsoft.com/office/drawing/2014/main" id="{E1A9363A-F999-4F1C-A157-8DDECEB7BD31}"/>
+                <a16:creationId xmlns:a16="http://schemas.microsoft.com/office/drawing/2014/main" xmlns="" id="{E1A9363A-F999-4F1C-A157-8DDECEB7BD31}"/>
               </a:ext>
             </a:extLst>
           </p:cNvPr>
@@ -5958,7 +6033,7 @@
           <a:p>
             <a:r>
               <a:rPr lang="en-IN" dirty="0"/>
-              <a:t>Web Application Architecture – Microservices</a:t>
+              <a:t>Web Application Architecture – Serverless</a:t>
             </a:r>
           </a:p>
         </p:txBody>
@@ -5968,7 +6043,7 @@
           <p:cNvPr id="4" name="Content Placeholder 3">
             <a:extLst>
               <a:ext uri="{FF2B5EF4-FFF2-40B4-BE49-F238E27FC236}">
-                <a16:creationId xmlns:a16="http://schemas.microsoft.com/office/drawing/2014/main" id="{38358E39-FB36-4800-8F88-ECEF06D4973E}"/>
+                <a16:creationId xmlns:a16="http://schemas.microsoft.com/office/drawing/2014/main" xmlns="" id="{90E7AD4E-77AD-4E83-94F6-34EA01922810}"/>
               </a:ext>
             </a:extLst>
           </p:cNvPr>
@@ -5984,27 +6059,28 @@
           <a:bodyPr/>
           <a:lstStyle/>
           <a:p>
+            <a:pPr algn="just"/>
             <a:r>
               <a:rPr lang="en-US" b="1" dirty="0"/>
-              <a:t>Microservices – </a:t>
+              <a:t>Serverless Architectures – </a:t>
             </a:r>
             <a:r>
               <a:rPr lang="en-US" dirty="0"/>
-              <a:t>These are small and lightweight services that execute a single functionality. The Microservices Architecture framework has a number of advantages that allows developers to not only enhance productivity but also speed up the entire deployment process.</a:t>
+              <a:t>In this type of web application architecture, an application developer consults a third-party cloud infrastructure services provider for outsourcing server as well as infrastructure management.</a:t>
             </a:r>
             <a:br>
               <a:rPr lang="en-US" dirty="0"/>
             </a:br>
             <a:r>
               <a:rPr lang="en-US" dirty="0"/>
-              <a:t>The components making up an application build using the Microservices Architecture aren’t directly dependent on each other. As such, they don’t necessitate to be built using the same programming language.</a:t>
+              <a:t>The benefit of this approach is that it allows applications to execute the code logic without bothering with the infrastructure-related tasks.</a:t>
             </a:r>
             <a:br>
               <a:rPr lang="en-US" dirty="0"/>
             </a:br>
             <a:r>
               <a:rPr lang="en-US" dirty="0"/>
-              <a:t>Hence, developers working with the Microservices Architecture are free to pick up a technology stack of choice. It makes developing the application simpler and quicker.</a:t>
+              <a:t>The Serverless Architecture is best when the development company doesn’t want to manage or support the servers as well as the hardware they have developed the web application for.</a:t>
             </a:r>
           </a:p>
         </p:txBody>
@@ -6012,7 +6088,7 @@
     </p:spTree>
     <p:extLst>
       <p:ext uri="{BB962C8B-B14F-4D97-AF65-F5344CB8AC3E}">
-        <p14:creationId xmlns:p14="http://schemas.microsoft.com/office/powerpoint/2010/main" val="1866522599"/>
+        <p14:creationId xmlns:p14="http://schemas.microsoft.com/office/powerpoint/2010/main" xmlns="" val="56558994"/>
       </p:ext>
     </p:extLst>
   </p:cSld>
@@ -6044,7 +6120,7 @@
           <p:cNvPr id="2" name="Title 1">
             <a:extLst>
               <a:ext uri="{FF2B5EF4-FFF2-40B4-BE49-F238E27FC236}">
-                <a16:creationId xmlns:a16="http://schemas.microsoft.com/office/drawing/2014/main" id="{E1A9363A-F999-4F1C-A157-8DDECEB7BD31}"/>
+                <a16:creationId xmlns:a16="http://schemas.microsoft.com/office/drawing/2014/main" xmlns="" id="{E1A9363A-F999-4F1C-A157-8DDECEB7BD31}"/>
               </a:ext>
             </a:extLst>
           </p:cNvPr>
@@ -6062,50 +6138,85 @@
           <a:p>
             <a:r>
               <a:rPr lang="en-IN" dirty="0"/>
-              <a:t>Web Application Architecture – Microservices</a:t>
-            </a:r>
-          </a:p>
-        </p:txBody>
-      </p:sp>
-      <p:pic>
-        <p:nvPicPr>
-          <p:cNvPr id="5" name="Content Placeholder 4">
-            <a:extLst>
-              <a:ext uri="{FF2B5EF4-FFF2-40B4-BE49-F238E27FC236}">
-                <a16:creationId xmlns:a16="http://schemas.microsoft.com/office/drawing/2014/main" id="{F0124D32-1C42-4244-98AA-9522AC0C296B}"/>
-              </a:ext>
-            </a:extLst>
-          </p:cNvPr>
-          <p:cNvPicPr>
-            <a:picLocks noGrp="1" noChangeAspect="1"/>
-          </p:cNvPicPr>
+              <a:t>Software development life cycle (SDLC)</a:t>
+            </a:r>
+          </a:p>
+        </p:txBody>
+      </p:sp>
+      <p:sp>
+        <p:nvSpPr>
+          <p:cNvPr id="4" name="Content Placeholder 3">
+            <a:extLst>
+              <a:ext uri="{FF2B5EF4-FFF2-40B4-BE49-F238E27FC236}">
+                <a16:creationId xmlns:a16="http://schemas.microsoft.com/office/drawing/2014/main" xmlns="" id="{90E7AD4E-77AD-4E83-94F6-34EA01922810}"/>
+              </a:ext>
+            </a:extLst>
+          </p:cNvPr>
+          <p:cNvSpPr>
+            <a:spLocks noGrp="1"/>
+          </p:cNvSpPr>
           <p:nvPr>
             <p:ph idx="1"/>
           </p:nvPr>
-        </p:nvPicPr>
-        <p:blipFill>
-          <a:blip r:embed="rId2">
-            <a:extLst>
-              <a:ext uri="{28A0092B-C50C-407E-A947-70E740481C1C}">
-                <a14:useLocalDpi xmlns:a14="http://schemas.microsoft.com/office/drawing/2010/main" val="0"/>
-              </a:ext>
-            </a:extLst>
-          </a:blip>
-          <a:stretch>
-            <a:fillRect/>
-          </a:stretch>
-        </p:blipFill>
-        <p:spPr>
-          <a:xfrm>
-            <a:off x="1706252" y="1901031"/>
-            <a:ext cx="8964890" cy="4200525"/>
-          </a:xfrm>
-        </p:spPr>
-      </p:pic>
+        </p:nvSpPr>
+        <p:spPr/>
+        <p:txBody>
+          <a:bodyPr/>
+          <a:lstStyle/>
+          <a:p>
+            <a:r>
+              <a:rPr lang="en-US" dirty="0"/>
+              <a:t>AGILE methodology is a practice that promotes </a:t>
+            </a:r>
+            <a:r>
+              <a:rPr lang="en-US" b="1" dirty="0"/>
+              <a:t>continuous iteration</a:t>
+            </a:r>
+            <a:r>
+              <a:rPr lang="en-US" dirty="0"/>
+              <a:t> of development and testing throughout the software development lifecycle of the project. Both development and testing activities are concurrent unlike the Waterfall model</a:t>
+            </a:r>
+          </a:p>
+          <a:p>
+            <a:r>
+              <a:rPr lang="en-US" dirty="0"/>
+              <a:t>The agile software development emphasizes on four core values.</a:t>
+            </a:r>
+          </a:p>
+          <a:p>
+            <a:r>
+              <a:rPr lang="en-US" dirty="0"/>
+              <a:t>Individual and team interactions over processes and tools</a:t>
+            </a:r>
+          </a:p>
+          <a:p>
+            <a:r>
+              <a:rPr lang="en-US" dirty="0"/>
+              <a:t>Working software over comprehensive documentation</a:t>
+            </a:r>
+          </a:p>
+          <a:p>
+            <a:r>
+              <a:rPr lang="en-US" dirty="0"/>
+              <a:t>Customer collaboration over contract negotiation</a:t>
+            </a:r>
+          </a:p>
+          <a:p>
+            <a:pPr algn="just"/>
+            <a:r>
+              <a:rPr lang="en-US" dirty="0"/>
+              <a:t>Responding to change over following a plan</a:t>
+            </a:r>
+          </a:p>
+          <a:p>
+            <a:endParaRPr lang="en-US" dirty="0"/>
+          </a:p>
+        </p:txBody>
+      </p:sp>
     </p:spTree>
     <p:extLst>
       <p:ext uri="{BB962C8B-B14F-4D97-AF65-F5344CB8AC3E}">
-        <p14:creationId xmlns:p14="http://schemas.microsoft.com/office/powerpoint/2010/main" val="479449619"/>
+        <p14:creationId xmlns:p14="http://schemas.microsoft.com/office/powerpoint/2010/main" xmlns="" val="1920251435"/>
       </p:ext>
     </p:extLst>
   </p:cSld>
@@ -6137,7 +6248,7 @@
           <p:cNvPr id="2" name="Title 1">
             <a:extLst>
               <a:ext uri="{FF2B5EF4-FFF2-40B4-BE49-F238E27FC236}">
-                <a16:creationId xmlns:a16="http://schemas.microsoft.com/office/drawing/2014/main" id="{E1A9363A-F999-4F1C-A157-8DDECEB7BD31}"/>
+                <a16:creationId xmlns:a16="http://schemas.microsoft.com/office/drawing/2014/main" xmlns="" id="{E1A9363A-F999-4F1C-A157-8DDECEB7BD31}"/>
               </a:ext>
             </a:extLst>
           </p:cNvPr>
@@ -6155,7 +6266,7 @@
           <a:p>
             <a:r>
               <a:rPr lang="en-IN" dirty="0"/>
-              <a:t>Web Application Architecture – Serverless</a:t>
+              <a:t> SDLC - Waterfall</a:t>
             </a:r>
           </a:p>
         </p:txBody>
@@ -6165,7 +6276,7 @@
           <p:cNvPr id="4" name="Content Placeholder 3">
             <a:extLst>
               <a:ext uri="{FF2B5EF4-FFF2-40B4-BE49-F238E27FC236}">
-                <a16:creationId xmlns:a16="http://schemas.microsoft.com/office/drawing/2014/main" id="{90E7AD4E-77AD-4E83-94F6-34EA01922810}"/>
+                <a16:creationId xmlns:a16="http://schemas.microsoft.com/office/drawing/2014/main" xmlns="" id="{90E7AD4E-77AD-4E83-94F6-34EA01922810}"/>
               </a:ext>
             </a:extLst>
           </p:cNvPr>
@@ -6176,40 +6287,80 @@
             <p:ph idx="1"/>
           </p:nvPr>
         </p:nvSpPr>
-        <p:spPr/>
-        <p:txBody>
-          <a:bodyPr/>
-          <a:lstStyle/>
-          <a:p>
-            <a:r>
-              <a:rPr lang="en-US" b="1" dirty="0"/>
-              <a:t>Serverless Architectures – </a:t>
-            </a:r>
+        <p:spPr>
+          <a:xfrm>
+            <a:off x="838200" y="1611021"/>
+            <a:ext cx="10515600" cy="4351338"/>
+          </a:xfrm>
+        </p:spPr>
+        <p:txBody>
+          <a:bodyPr/>
+          <a:lstStyle/>
+          <a:p>
             <a:r>
               <a:rPr lang="en-US" dirty="0"/>
-              <a:t>In this type of web application architecture, an application developer consults a third-party cloud infrastructure services provider for outsourcing server as well as infrastructure management.</a:t>
-            </a:r>
-            <a:br>
-              <a:rPr lang="en-US" dirty="0"/>
-            </a:br>
-            <a:r>
-              <a:rPr lang="en-US" dirty="0"/>
-              <a:t>The benefit of this approach is that it allows applications to execute the code logic without bothering with the infrastructure-related tasks.</a:t>
-            </a:r>
-            <a:br>
-              <a:rPr lang="en-US" dirty="0"/>
-            </a:br>
-            <a:r>
-              <a:rPr lang="en-US" dirty="0"/>
-              <a:t>The Serverless Architecture is best when the development company doesn’t want to manage or support the servers as well as the hardware they have developed the web application for.</a:t>
-            </a:r>
-          </a:p>
-        </p:txBody>
-      </p:sp>
+              <a:t>Waterfall model</a:t>
+            </a:r>
+          </a:p>
+          <a:p>
+            <a:endParaRPr lang="en-US" dirty="0"/>
+          </a:p>
+          <a:p>
+            <a:endParaRPr lang="en-US" dirty="0"/>
+          </a:p>
+        </p:txBody>
+      </p:sp>
+      <p:pic>
+        <p:nvPicPr>
+          <p:cNvPr id="1026" name="Picture 2" descr="Image result for waterfall model&quot;">
+            <a:extLst>
+              <a:ext uri="{FF2B5EF4-FFF2-40B4-BE49-F238E27FC236}">
+                <a16:creationId xmlns:a16="http://schemas.microsoft.com/office/drawing/2014/main" xmlns="" id="{281E1F11-C99F-4423-9A34-0575796AEE0B}"/>
+              </a:ext>
+            </a:extLst>
+          </p:cNvPr>
+          <p:cNvPicPr>
+            <a:picLocks noChangeAspect="1" noChangeArrowheads="1"/>
+          </p:cNvPicPr>
+          <p:nvPr/>
+        </p:nvPicPr>
+        <p:blipFill>
+          <a:blip r:embed="rId2">
+            <a:extLst>
+              <a:ext uri="{28A0092B-C50C-407E-A947-70E740481C1C}">
+                <a14:useLocalDpi xmlns:a14="http://schemas.microsoft.com/office/drawing/2010/main" xmlns="" val="0"/>
+              </a:ext>
+            </a:extLst>
+          </a:blip>
+          <a:srcRect/>
+          <a:stretch>
+            <a:fillRect/>
+          </a:stretch>
+        </p:blipFill>
+        <p:spPr bwMode="auto">
+          <a:xfrm>
+            <a:off x="1548883" y="2271522"/>
+            <a:ext cx="8668138" cy="3000277"/>
+          </a:xfrm>
+          <a:prstGeom prst="rect">
+            <a:avLst/>
+          </a:prstGeom>
+          <a:noFill/>
+          <a:extLst>
+            <a:ext uri="{909E8E84-426E-40DD-AFC4-6F175D3DCCD1}">
+              <a14:hiddenFill xmlns:a14="http://schemas.microsoft.com/office/drawing/2010/main" xmlns="">
+                <a:solidFill>
+                  <a:srgbClr val="FFFFFF"/>
+                </a:solidFill>
+              </a14:hiddenFill>
+            </a:ext>
+          </a:extLst>
+        </p:spPr>
+      </p:pic>
     </p:spTree>
     <p:extLst>
       <p:ext uri="{BB962C8B-B14F-4D97-AF65-F5344CB8AC3E}">
-        <p14:creationId xmlns:p14="http://schemas.microsoft.com/office/powerpoint/2010/main" val="56558994"/>
+        <p14:creationId xmlns:p14="http://schemas.microsoft.com/office/powerpoint/2010/main" xmlns="" val="1820385537"/>
       </p:ext>
     </p:extLst>
   </p:cSld>
@@ -6241,7 +6392,7 @@
           <p:cNvPr id="2" name="Title 1">
             <a:extLst>
               <a:ext uri="{FF2B5EF4-FFF2-40B4-BE49-F238E27FC236}">
-                <a16:creationId xmlns:a16="http://schemas.microsoft.com/office/drawing/2014/main" id="{E1A9363A-F999-4F1C-A157-8DDECEB7BD31}"/>
+                <a16:creationId xmlns:a16="http://schemas.microsoft.com/office/drawing/2014/main" xmlns="" id="{E1A9363A-F999-4F1C-A157-8DDECEB7BD31}"/>
               </a:ext>
             </a:extLst>
           </p:cNvPr>
@@ -6259,7 +6410,7 @@
           <a:p>
             <a:r>
               <a:rPr lang="en-IN" dirty="0"/>
-              <a:t>Software development life cycle (SDLC)</a:t>
+              <a:t>SDLC-Scrum</a:t>
             </a:r>
           </a:p>
         </p:txBody>
@@ -6269,7 +6420,7 @@
           <p:cNvPr id="4" name="Content Placeholder 3">
             <a:extLst>
               <a:ext uri="{FF2B5EF4-FFF2-40B4-BE49-F238E27FC236}">
-                <a16:creationId xmlns:a16="http://schemas.microsoft.com/office/drawing/2014/main" id="{90E7AD4E-77AD-4E83-94F6-34EA01922810}"/>
+                <a16:creationId xmlns:a16="http://schemas.microsoft.com/office/drawing/2014/main" xmlns="" id="{90E7AD4E-77AD-4E83-94F6-34EA01922810}"/>
               </a:ext>
             </a:extLst>
           </p:cNvPr>
@@ -6280,53 +6431,24 @@
             <p:ph idx="1"/>
           </p:nvPr>
         </p:nvSpPr>
-        <p:spPr/>
-        <p:txBody>
-          <a:bodyPr/>
-          <a:lstStyle/>
-          <a:p>
+        <p:spPr>
+          <a:xfrm>
+            <a:off x="838200" y="1611021"/>
+            <a:ext cx="10515600" cy="4351338"/>
+          </a:xfrm>
+        </p:spPr>
+        <p:txBody>
+          <a:bodyPr/>
+          <a:lstStyle/>
+          <a:p>
+            <a:pPr algn="just"/>
             <a:r>
               <a:rPr lang="en-US" dirty="0"/>
-              <a:t>AGILE methodology is a practice that promotes </a:t>
-            </a:r>
-            <a:r>
-              <a:rPr lang="en-US" b="1" dirty="0"/>
-              <a:t>continuous iteration</a:t>
-            </a:r>
-            <a:r>
-              <a:rPr lang="en-US" dirty="0"/>
-              <a:t> of development and testing throughout the software development lifecycle of the project. Both development and testing activities are concurrent unlike the Waterfall model</a:t>
-            </a:r>
-          </a:p>
-          <a:p>
-            <a:r>
-              <a:rPr lang="en-US" dirty="0"/>
-              <a:t>The agile software development emphasizes on four core values.</a:t>
-            </a:r>
-          </a:p>
-          <a:p>
-            <a:r>
-              <a:rPr lang="en-US" dirty="0"/>
-              <a:t>Individual and team interactions over processes and tools</a:t>
-            </a:r>
-          </a:p>
-          <a:p>
-            <a:r>
-              <a:rPr lang="en-US" dirty="0"/>
-              <a:t>Working software over comprehensive documentation</a:t>
-            </a:r>
-          </a:p>
-          <a:p>
-            <a:r>
-              <a:rPr lang="en-US" dirty="0"/>
-              <a:t>Customer collaboration over contract negotiation</a:t>
-            </a:r>
-          </a:p>
-          <a:p>
-            <a:r>
-              <a:rPr lang="en-US" dirty="0"/>
-              <a:t>Responding to change over following a plan</a:t>
-            </a:r>
+              <a:t>SCRUM is an agile development method which concentrates specifically on how to manage tasks within a team-based development environment. Basically, Scrum is derived from activity that occurs during a rugby match. Scrum believes in empowering the development team and advocates working in small teams (say- 7 to 9 members). It consists of three roles, and their responsibilities are explained as follows:</a:t>
+            </a:r>
+          </a:p>
+          <a:p>
+            <a:endParaRPr lang="en-US" dirty="0"/>
           </a:p>
           <a:p>
             <a:endParaRPr lang="en-US" dirty="0"/>
@@ -6336,7 +6458,7 @@
     </p:spTree>
     <p:extLst>
       <p:ext uri="{BB962C8B-B14F-4D97-AF65-F5344CB8AC3E}">
-        <p14:creationId xmlns:p14="http://schemas.microsoft.com/office/powerpoint/2010/main" val="1920251435"/>
+        <p14:creationId xmlns:p14="http://schemas.microsoft.com/office/powerpoint/2010/main" xmlns="" val="2368459077"/>
       </p:ext>
     </p:extLst>
   </p:cSld>
@@ -6368,7 +6490,7 @@
           <p:cNvPr id="2" name="Title 1">
             <a:extLst>
               <a:ext uri="{FF2B5EF4-FFF2-40B4-BE49-F238E27FC236}">
-                <a16:creationId xmlns:a16="http://schemas.microsoft.com/office/drawing/2014/main" id="{E1A9363A-F999-4F1C-A157-8DDECEB7BD31}"/>
+                <a16:creationId xmlns:a16="http://schemas.microsoft.com/office/drawing/2014/main" xmlns="" id="{E1A9363A-F999-4F1C-A157-8DDECEB7BD31}"/>
               </a:ext>
             </a:extLst>
           </p:cNvPr>
@@ -6386,7 +6508,7 @@
           <a:p>
             <a:r>
               <a:rPr lang="en-IN" dirty="0"/>
-              <a:t> SDLC - Waterfall</a:t>
+              <a:t>SDLC-Scrum</a:t>
             </a:r>
           </a:p>
         </p:txBody>
@@ -6396,7 +6518,7 @@
           <p:cNvPr id="4" name="Content Placeholder 3">
             <a:extLst>
               <a:ext uri="{FF2B5EF4-FFF2-40B4-BE49-F238E27FC236}">
-                <a16:creationId xmlns:a16="http://schemas.microsoft.com/office/drawing/2014/main" id="{90E7AD4E-77AD-4E83-94F6-34EA01922810}"/>
+                <a16:creationId xmlns:a16="http://schemas.microsoft.com/office/drawing/2014/main" xmlns="" id="{90E7AD4E-77AD-4E83-94F6-34EA01922810}"/>
               </a:ext>
             </a:extLst>
           </p:cNvPr>
@@ -6417,12 +6539,6 @@
           <a:bodyPr/>
           <a:lstStyle/>
           <a:p>
-            <a:r>
-              <a:rPr lang="en-US" dirty="0"/>
-              <a:t>Waterfall model</a:t>
-            </a:r>
-          </a:p>
-          <a:p>
             <a:endParaRPr lang="en-US" dirty="0"/>
           </a:p>
           <a:p>
@@ -6432,10 +6548,10 @@
       </p:sp>
       <p:pic>
         <p:nvPicPr>
-          <p:cNvPr id="1026" name="Picture 2" descr="Image result for waterfall model&quot;">
-            <a:extLst>
-              <a:ext uri="{FF2B5EF4-FFF2-40B4-BE49-F238E27FC236}">
-                <a16:creationId xmlns:a16="http://schemas.microsoft.com/office/drawing/2014/main" id="{281E1F11-C99F-4423-9A34-0575796AEE0B}"/>
+          <p:cNvPr id="2050" name="Picture 2" descr="https://www.guru99.com/images/11-2014/agile_Processesv1_3.png">
+            <a:extLst>
+              <a:ext uri="{FF2B5EF4-FFF2-40B4-BE49-F238E27FC236}">
+                <a16:creationId xmlns:a16="http://schemas.microsoft.com/office/drawing/2014/main" xmlns="" id="{046B9558-5EC6-411B-A0FC-B96D899CE69B}"/>
               </a:ext>
             </a:extLst>
           </p:cNvPr>
@@ -6445,10 +6561,10 @@
           <p:nvPr/>
         </p:nvPicPr>
         <p:blipFill>
-          <a:blip r:embed="rId2">
+          <a:blip r:embed="rId3">
             <a:extLst>
               <a:ext uri="{28A0092B-C50C-407E-A947-70E740481C1C}">
-                <a14:useLocalDpi xmlns:a14="http://schemas.microsoft.com/office/drawing/2010/main" val="0"/>
+                <a14:useLocalDpi xmlns:a14="http://schemas.microsoft.com/office/drawing/2010/main" xmlns="" val="0"/>
               </a:ext>
             </a:extLst>
           </a:blip>
@@ -6459,8 +6575,8 @@
         </p:blipFill>
         <p:spPr bwMode="auto">
           <a:xfrm>
-            <a:off x="1548883" y="2271522"/>
-            <a:ext cx="8668138" cy="3000277"/>
+            <a:off x="1231641" y="2057399"/>
+            <a:ext cx="9918441" cy="3904959"/>
           </a:xfrm>
           <a:prstGeom prst="rect">
             <a:avLst/>
@@ -6468,7 +6584,7 @@
           <a:noFill/>
           <a:extLst>
             <a:ext uri="{909E8E84-426E-40DD-AFC4-6F175D3DCCD1}">
-              <a14:hiddenFill xmlns:a14="http://schemas.microsoft.com/office/drawing/2010/main">
+              <a14:hiddenFill xmlns:a14="http://schemas.microsoft.com/office/drawing/2010/main" xmlns="">
                 <a:solidFill>
                   <a:srgbClr val="FFFFFF"/>
                 </a:solidFill>
@@ -6480,7 +6596,7 @@
     </p:spTree>
     <p:extLst>
       <p:ext uri="{BB962C8B-B14F-4D97-AF65-F5344CB8AC3E}">
-        <p14:creationId xmlns:p14="http://schemas.microsoft.com/office/powerpoint/2010/main" val="1820385537"/>
+        <p14:creationId xmlns:p14="http://schemas.microsoft.com/office/powerpoint/2010/main" xmlns="" val="1798832307"/>
       </p:ext>
     </p:extLst>
   </p:cSld>
@@ -6512,7 +6628,7 @@
           <p:cNvPr id="2" name="Title 1">
             <a:extLst>
               <a:ext uri="{FF2B5EF4-FFF2-40B4-BE49-F238E27FC236}">
-                <a16:creationId xmlns:a16="http://schemas.microsoft.com/office/drawing/2014/main" id="{E1A9363A-F999-4F1C-A157-8DDECEB7BD31}"/>
+                <a16:creationId xmlns:a16="http://schemas.microsoft.com/office/drawing/2014/main" xmlns="" id="{E1A9363A-F999-4F1C-A157-8DDECEB7BD31}"/>
               </a:ext>
             </a:extLst>
           </p:cNvPr>
@@ -6540,7 +6656,7 @@
           <p:cNvPr id="4" name="Content Placeholder 3">
             <a:extLst>
               <a:ext uri="{FF2B5EF4-FFF2-40B4-BE49-F238E27FC236}">
-                <a16:creationId xmlns:a16="http://schemas.microsoft.com/office/drawing/2014/main" id="{90E7AD4E-77AD-4E83-94F6-34EA01922810}"/>
+                <a16:creationId xmlns:a16="http://schemas.microsoft.com/office/drawing/2014/main" xmlns="" id="{90E7AD4E-77AD-4E83-94F6-34EA01922810}"/>
               </a:ext>
             </a:extLst>
           </p:cNvPr>
@@ -6553,20 +6669,14 @@
         </p:nvSpPr>
         <p:spPr>
           <a:xfrm>
-            <a:off x="838200" y="1611021"/>
-            <a:ext cx="10515600" cy="4351338"/>
+            <a:off x="665371" y="1611021"/>
+            <a:ext cx="10688429" cy="5575128"/>
           </a:xfrm>
         </p:spPr>
         <p:txBody>
           <a:bodyPr/>
           <a:lstStyle/>
           <a:p>
-            <a:r>
-              <a:rPr lang="en-US" dirty="0"/>
-              <a:t>SCRUM is an agile development method which concentrates specifically on how to manage tasks within a team-based development environment. Basically, Scrum is derived from activity that occurs during a rugby match. Scrum believes in empowering the development team and advocates working in small teams (say- 7 to 9 members). It consists of three roles, and their responsibilities are explained as follows:</a:t>
-            </a:r>
-          </a:p>
-          <a:p>
             <a:endParaRPr lang="en-US" dirty="0"/>
           </a:p>
           <a:p>
@@ -6574,10 +6684,57 @@
           </a:p>
         </p:txBody>
       </p:sp>
+      <p:pic>
+        <p:nvPicPr>
+          <p:cNvPr id="4098" name="Picture 2" descr="https://www.guru99.com/images/11-2014/agile_Processesv1_4.png">
+            <a:extLst>
+              <a:ext uri="{FF2B5EF4-FFF2-40B4-BE49-F238E27FC236}">
+                <a16:creationId xmlns:a16="http://schemas.microsoft.com/office/drawing/2014/main" xmlns="" id="{3B9388AB-80C3-4EBA-940B-1DEB7EBA2527}"/>
+              </a:ext>
+            </a:extLst>
+          </p:cNvPr>
+          <p:cNvPicPr>
+            <a:picLocks noChangeAspect="1" noChangeArrowheads="1"/>
+          </p:cNvPicPr>
+          <p:nvPr/>
+        </p:nvPicPr>
+        <p:blipFill>
+          <a:blip r:embed="rId3">
+            <a:extLst>
+              <a:ext uri="{28A0092B-C50C-407E-A947-70E740481C1C}">
+                <a14:useLocalDpi xmlns:a14="http://schemas.microsoft.com/office/drawing/2010/main" xmlns="" val="0"/>
+              </a:ext>
+            </a:extLst>
+          </a:blip>
+          <a:srcRect/>
+          <a:stretch>
+            <a:fillRect/>
+          </a:stretch>
+        </p:blipFill>
+        <p:spPr bwMode="auto">
+          <a:xfrm>
+            <a:off x="1212980" y="1563757"/>
+            <a:ext cx="9256237" cy="4876272"/>
+          </a:xfrm>
+          <a:prstGeom prst="rect">
+            <a:avLst/>
+          </a:prstGeom>
+          <a:noFill/>
+          <a:extLst>
+            <a:ext uri="{909E8E84-426E-40DD-AFC4-6F175D3DCCD1}">
+              <a14:hiddenFill xmlns:a14="http://schemas.microsoft.com/office/drawing/2010/main" xmlns="">
+                <a:solidFill>
+                  <a:srgbClr val="FFFFFF"/>
+                </a:solidFill>
+              </a14:hiddenFill>
+            </a:ext>
+          </a:extLst>
+        </p:spPr>
+      </p:pic>
     </p:spTree>
     <p:extLst>
       <p:ext uri="{BB962C8B-B14F-4D97-AF65-F5344CB8AC3E}">
-        <p14:creationId xmlns:p14="http://schemas.microsoft.com/office/powerpoint/2010/main" val="2368459077"/>
+        <p14:creationId xmlns:p14="http://schemas.microsoft.com/office/powerpoint/2010/main" xmlns="" val="3777230717"/>
       </p:ext>
     </p:extLst>
   </p:cSld>
@@ -6609,7 +6766,7 @@
           <p:cNvPr id="2" name="Title 1">
             <a:extLst>
               <a:ext uri="{FF2B5EF4-FFF2-40B4-BE49-F238E27FC236}">
-                <a16:creationId xmlns:a16="http://schemas.microsoft.com/office/drawing/2014/main" id="{E1A9363A-F999-4F1C-A157-8DDECEB7BD31}"/>
+                <a16:creationId xmlns:a16="http://schemas.microsoft.com/office/drawing/2014/main" xmlns="" id="{E1A9363A-F999-4F1C-A157-8DDECEB7BD31}"/>
               </a:ext>
             </a:extLst>
           </p:cNvPr>
@@ -6618,104 +6775,121 @@
           </p:cNvSpPr>
           <p:nvPr>
             <p:ph type="title"/>
-          </p:nvPr>
-        </p:nvSpPr>
-        <p:spPr/>
-        <p:txBody>
-          <a:bodyPr/>
-          <a:lstStyle/>
-          <a:p>
-            <a:r>
-              <a:rPr lang="en-IN" dirty="0"/>
-              <a:t>SDLC-Scrum</a:t>
-            </a:r>
-          </a:p>
-        </p:txBody>
-      </p:sp>
-      <p:sp>
-        <p:nvSpPr>
-          <p:cNvPr id="4" name="Content Placeholder 3">
-            <a:extLst>
-              <a:ext uri="{FF2B5EF4-FFF2-40B4-BE49-F238E27FC236}">
-                <a16:creationId xmlns:a16="http://schemas.microsoft.com/office/drawing/2014/main" id="{90E7AD4E-77AD-4E83-94F6-34EA01922810}"/>
-              </a:ext>
-            </a:extLst>
-          </p:cNvPr>
-          <p:cNvSpPr>
-            <a:spLocks noGrp="1"/>
-          </p:cNvSpPr>
-          <p:nvPr>
-            <p:ph idx="1"/>
           </p:nvPr>
         </p:nvSpPr>
         <p:spPr>
           <a:xfrm>
-            <a:off x="838200" y="1611021"/>
-            <a:ext cx="10515600" cy="4351338"/>
+            <a:off x="838200" y="365125"/>
+            <a:ext cx="10515600" cy="1325563"/>
           </a:xfrm>
         </p:spPr>
         <p:txBody>
           <a:bodyPr/>
           <a:lstStyle/>
           <a:p>
-            <a:endParaRPr lang="en-US" dirty="0"/>
-          </a:p>
-          <a:p>
-            <a:endParaRPr lang="en-US" dirty="0"/>
-          </a:p>
-        </p:txBody>
-      </p:sp>
-      <p:pic>
-        <p:nvPicPr>
-          <p:cNvPr id="2050" name="Picture 2" descr="https://www.guru99.com/images/11-2014/agile_Processesv1_3.png">
-            <a:extLst>
-              <a:ext uri="{FF2B5EF4-FFF2-40B4-BE49-F238E27FC236}">
-                <a16:creationId xmlns:a16="http://schemas.microsoft.com/office/drawing/2014/main" id="{046B9558-5EC6-411B-A0FC-B96D899CE69B}"/>
-              </a:ext>
-            </a:extLst>
-          </p:cNvPr>
-          <p:cNvPicPr>
-            <a:picLocks noChangeAspect="1" noChangeArrowheads="1"/>
-          </p:cNvPicPr>
-          <p:nvPr/>
-        </p:nvPicPr>
-        <p:blipFill>
-          <a:blip r:embed="rId3">
-            <a:extLst>
-              <a:ext uri="{28A0092B-C50C-407E-A947-70E740481C1C}">
-                <a14:useLocalDpi xmlns:a14="http://schemas.microsoft.com/office/drawing/2010/main" val="0"/>
-              </a:ext>
-            </a:extLst>
-          </a:blip>
-          <a:srcRect/>
-          <a:stretch>
-            <a:fillRect/>
-          </a:stretch>
-        </p:blipFill>
-        <p:spPr bwMode="auto">
+            <a:r>
+              <a:rPr lang="en-IN" dirty="0" smtClean="0"/>
+              <a:t>Q&amp;A Session</a:t>
+            </a:r>
+            <a:endParaRPr lang="en-IN" dirty="0"/>
+          </a:p>
+        </p:txBody>
+      </p:sp>
+      <p:sp>
+        <p:nvSpPr>
+          <p:cNvPr id="4" name="Content Placeholder 3">
+            <a:extLst>
+              <a:ext uri="{FF2B5EF4-FFF2-40B4-BE49-F238E27FC236}">
+                <a16:creationId xmlns:a16="http://schemas.microsoft.com/office/drawing/2014/main" xmlns="" id="{387D742D-38A5-44D3-8940-C29BC333E4DE}"/>
+              </a:ext>
+            </a:extLst>
+          </p:cNvPr>
+          <p:cNvSpPr>
+            <a:spLocks noGrp="1"/>
+          </p:cNvSpPr>
+          <p:nvPr>
+            <p:ph idx="1"/>
+          </p:nvPr>
+        </p:nvSpPr>
+        <p:spPr>
           <a:xfrm>
-            <a:off x="1231641" y="2057399"/>
-            <a:ext cx="9918441" cy="3904959"/>
+            <a:off x="811696" y="2138116"/>
+            <a:ext cx="10515600" cy="3164204"/>
           </a:xfrm>
-          <a:prstGeom prst="rect">
-            <a:avLst/>
-          </a:prstGeom>
-          <a:noFill/>
-          <a:extLst>
-            <a:ext uri="{909E8E84-426E-40DD-AFC4-6F175D3DCCD1}">
-              <a14:hiddenFill xmlns:a14="http://schemas.microsoft.com/office/drawing/2010/main">
-                <a:solidFill>
-                  <a:srgbClr val="FFFFFF"/>
-                </a:solidFill>
-              </a14:hiddenFill>
-            </a:ext>
-          </a:extLst>
         </p:spPr>
-      </p:pic>
+        <p:txBody>
+          <a:bodyPr>
+            <a:noAutofit/>
+          </a:bodyPr>
+          <a:lstStyle/>
+          <a:p>
+            <a:pPr algn="ctr"/>
+            <a:endParaRPr lang="en-IN" sz="4000" b="1" dirty="0">
+              <a:latin typeface="Arial" panose="020B0604020202020204" pitchFamily="34" charset="0"/>
+              <a:cs typeface="Arial" panose="020B0604020202020204" pitchFamily="34" charset="0"/>
+            </a:endParaRPr>
+          </a:p>
+          <a:p>
+            <a:pPr marL="457200" lvl="1" indent="0" algn="ctr">
+              <a:buNone/>
+            </a:pPr>
+            <a:r>
+              <a:rPr lang="en-IN" sz="4000" b="1" dirty="0">
+                <a:latin typeface="Arial" panose="020B0604020202020204" pitchFamily="34" charset="0"/>
+                <a:cs typeface="Arial" panose="020B0604020202020204" pitchFamily="34" charset="0"/>
+              </a:rPr>
+              <a:t>Thanks</a:t>
+            </a:r>
+          </a:p>
+          <a:p>
+            <a:pPr marL="457200" lvl="1" indent="0" algn="ctr">
+              <a:buNone/>
+            </a:pPr>
+            <a:r>
+              <a:rPr lang="en-IN" sz="4000" b="1" dirty="0">
+                <a:latin typeface="Arial" panose="020B0604020202020204" pitchFamily="34" charset="0"/>
+                <a:cs typeface="Arial" panose="020B0604020202020204" pitchFamily="34" charset="0"/>
+              </a:rPr>
+              <a:t>Visit – </a:t>
+            </a:r>
+            <a:r>
+              <a:rPr lang="en-IN" sz="4000" b="1" dirty="0">
+                <a:latin typeface="Arial" panose="020B0604020202020204" pitchFamily="34" charset="0"/>
+                <a:cs typeface="Arial" panose="020B0604020202020204" pitchFamily="34" charset="0"/>
+                <a:hlinkClick r:id="rId2"/>
+              </a:rPr>
+              <a:t>www.kaushalya.tech</a:t>
+            </a:r>
+            <a:endParaRPr lang="en-IN" sz="4000" b="1" dirty="0">
+              <a:latin typeface="Arial" panose="020B0604020202020204" pitchFamily="34" charset="0"/>
+              <a:cs typeface="Arial" panose="020B0604020202020204" pitchFamily="34" charset="0"/>
+            </a:endParaRPr>
+          </a:p>
+          <a:p>
+            <a:pPr marL="457200" lvl="1" indent="0" algn="ctr">
+              <a:buNone/>
+            </a:pPr>
+            <a:r>
+              <a:rPr lang="en-IN" sz="4000" b="1" dirty="0">
+                <a:latin typeface="Arial" panose="020B0604020202020204" pitchFamily="34" charset="0"/>
+                <a:cs typeface="Arial" panose="020B0604020202020204" pitchFamily="34" charset="0"/>
+              </a:rPr>
+              <a:t>9845547471</a:t>
+            </a:r>
+          </a:p>
+          <a:p>
+            <a:pPr algn="ctr"/>
+            <a:endParaRPr lang="en-IN" sz="1400" dirty="0">
+              <a:latin typeface="Arial" panose="020B0604020202020204" pitchFamily="34" charset="0"/>
+              <a:cs typeface="Arial" panose="020B0604020202020204" pitchFamily="34" charset="0"/>
+            </a:endParaRPr>
+          </a:p>
+        </p:txBody>
+      </p:sp>
     </p:spTree>
     <p:extLst>
       <p:ext uri="{BB962C8B-B14F-4D97-AF65-F5344CB8AC3E}">
-        <p14:creationId xmlns:p14="http://schemas.microsoft.com/office/powerpoint/2010/main" val="1798832307"/>
+        <p14:creationId xmlns:p14="http://schemas.microsoft.com/office/powerpoint/2010/main" xmlns="" val="3959915205"/>
       </p:ext>
     </p:extLst>
   </p:cSld>
@@ -6747,7 +6921,7 @@
           <p:cNvPr id="2" name="Title 1">
             <a:extLst>
               <a:ext uri="{FF2B5EF4-FFF2-40B4-BE49-F238E27FC236}">
-                <a16:creationId xmlns:a16="http://schemas.microsoft.com/office/drawing/2014/main" id="{1A41D3BD-21ED-4200-A35D-5864E79FFE5E}"/>
+                <a16:creationId xmlns:a16="http://schemas.microsoft.com/office/drawing/2014/main" xmlns="" id="{1A41D3BD-21ED-4200-A35D-5864E79FFE5E}"/>
               </a:ext>
             </a:extLst>
           </p:cNvPr>
@@ -6775,7 +6949,7 @@
           <p:cNvPr id="3" name="Content Placeholder 2">
             <a:extLst>
               <a:ext uri="{FF2B5EF4-FFF2-40B4-BE49-F238E27FC236}">
-                <a16:creationId xmlns:a16="http://schemas.microsoft.com/office/drawing/2014/main" id="{70EAE32C-01B9-4D24-8F7D-680E6749ACEE}"/>
+                <a16:creationId xmlns:a16="http://schemas.microsoft.com/office/drawing/2014/main" xmlns="" id="{70EAE32C-01B9-4D24-8F7D-680E6749ACEE}"/>
               </a:ext>
             </a:extLst>
           </p:cNvPr>
@@ -6793,57 +6967,65 @@
           </a:bodyPr>
           <a:lstStyle/>
           <a:p>
+            <a:pPr algn="just"/>
             <a:r>
               <a:rPr lang="en-IN" dirty="0"/>
               <a:t>Introduction to </a:t>
             </a:r>
             <a:r>
-              <a:rPr lang="en-IN" dirty="0" err="1"/>
-              <a:t>Fullstack</a:t>
+              <a:rPr lang="en-IN" dirty="0" smtClean="0"/>
+              <a:t>FULLSTACK </a:t>
             </a:r>
             <a:r>
               <a:rPr lang="en-IN" dirty="0"/>
-              <a:t> Web Application </a:t>
-            </a:r>
-            <a:r>
-              <a:rPr lang="en-IN" dirty="0" err="1"/>
-              <a:t>Develoment</a:t>
+              <a:t>Web Application </a:t>
+            </a:r>
+            <a:r>
+              <a:rPr lang="en-IN" dirty="0" smtClean="0"/>
+              <a:t>Development</a:t>
             </a:r>
             <a:endParaRPr lang="en-IN" dirty="0"/>
           </a:p>
           <a:p>
+            <a:pPr algn="just"/>
             <a:r>
               <a:rPr lang="en-IN" dirty="0"/>
               <a:t>Technologies related to </a:t>
             </a:r>
             <a:r>
-              <a:rPr lang="en-IN" dirty="0" err="1"/>
-              <a:t>Fullstack</a:t>
+              <a:rPr lang="en-IN" dirty="0" smtClean="0"/>
+              <a:t>FULLSTACK web </a:t>
             </a:r>
             <a:r>
               <a:rPr lang="en-IN" dirty="0"/>
-              <a:t> web application</a:t>
-            </a:r>
-          </a:p>
-          <a:p>
+              <a:t>application</a:t>
+            </a:r>
+          </a:p>
+          <a:p>
+            <a:pPr algn="just"/>
             <a:r>
               <a:rPr lang="en-IN" dirty="0"/>
               <a:t>Web application architecture</a:t>
             </a:r>
           </a:p>
           <a:p>
+            <a:pPr algn="just"/>
             <a:r>
               <a:rPr lang="en-IN" dirty="0"/>
-              <a:t>Software Development Life cycle – Agile methodology and Model</a:t>
-            </a:r>
-          </a:p>
-          <a:p>
+              <a:t>Software Development Life cycle – Agile methodology and </a:t>
+            </a:r>
+            <a:r>
+              <a:rPr lang="en-IN" dirty="0" smtClean="0"/>
+              <a:t>Model</a:t>
+            </a:r>
             <a:endParaRPr lang="en-IN" dirty="0"/>
           </a:p>
           <a:p>
+            <a:pPr algn="just"/>
             <a:endParaRPr lang="en-IN" dirty="0"/>
           </a:p>
           <a:p>
+            <a:pPr algn="just"/>
             <a:endParaRPr lang="en-IN" dirty="0"/>
           </a:p>
         </p:txBody>
@@ -6851,295 +7033,7 @@
     </p:spTree>
     <p:extLst>
       <p:ext uri="{BB962C8B-B14F-4D97-AF65-F5344CB8AC3E}">
-        <p14:creationId xmlns:p14="http://schemas.microsoft.com/office/powerpoint/2010/main" val="3754997640"/>
-      </p:ext>
-    </p:extLst>
-  </p:cSld>
-  <p:clrMapOvr>
-    <a:masterClrMapping/>
-  </p:clrMapOvr>
-</p:sld>
-</file>
-
-<file path=ppt/slides/slide30.xml><?xml version="1.0" encoding="utf-8"?>
-<p:sld xmlns:a="http://schemas.openxmlformats.org/drawingml/2006/main" xmlns:r="http://schemas.openxmlformats.org/officeDocument/2006/relationships" xmlns:p="http://schemas.openxmlformats.org/presentationml/2006/main">
-  <p:cSld>
-    <p:spTree>
-      <p:nvGrpSpPr>
-        <p:cNvPr id="1" name=""/>
-        <p:cNvGrpSpPr/>
-        <p:nvPr/>
-      </p:nvGrpSpPr>
-      <p:grpSpPr>
-        <a:xfrm>
-          <a:off x="0" y="0"/>
-          <a:ext cx="0" cy="0"/>
-          <a:chOff x="0" y="0"/>
-          <a:chExt cx="0" cy="0"/>
-        </a:xfrm>
-      </p:grpSpPr>
-      <p:sp>
-        <p:nvSpPr>
-          <p:cNvPr id="2" name="Title 1">
-            <a:extLst>
-              <a:ext uri="{FF2B5EF4-FFF2-40B4-BE49-F238E27FC236}">
-                <a16:creationId xmlns:a16="http://schemas.microsoft.com/office/drawing/2014/main" id="{E1A9363A-F999-4F1C-A157-8DDECEB7BD31}"/>
-              </a:ext>
-            </a:extLst>
-          </p:cNvPr>
-          <p:cNvSpPr>
-            <a:spLocks noGrp="1"/>
-          </p:cNvSpPr>
-          <p:nvPr>
-            <p:ph type="title"/>
-          </p:nvPr>
-        </p:nvSpPr>
-        <p:spPr/>
-        <p:txBody>
-          <a:bodyPr/>
-          <a:lstStyle/>
-          <a:p>
-            <a:r>
-              <a:rPr lang="en-IN" dirty="0"/>
-              <a:t>SDLC-Scrum</a:t>
-            </a:r>
-          </a:p>
-        </p:txBody>
-      </p:sp>
-      <p:sp>
-        <p:nvSpPr>
-          <p:cNvPr id="4" name="Content Placeholder 3">
-            <a:extLst>
-              <a:ext uri="{FF2B5EF4-FFF2-40B4-BE49-F238E27FC236}">
-                <a16:creationId xmlns:a16="http://schemas.microsoft.com/office/drawing/2014/main" id="{90E7AD4E-77AD-4E83-94F6-34EA01922810}"/>
-              </a:ext>
-            </a:extLst>
-          </p:cNvPr>
-          <p:cNvSpPr>
-            <a:spLocks noGrp="1"/>
-          </p:cNvSpPr>
-          <p:nvPr>
-            <p:ph idx="1"/>
-          </p:nvPr>
-        </p:nvSpPr>
-        <p:spPr>
-          <a:xfrm>
-            <a:off x="665371" y="1611021"/>
-            <a:ext cx="10688429" cy="5575128"/>
-          </a:xfrm>
-        </p:spPr>
-        <p:txBody>
-          <a:bodyPr/>
-          <a:lstStyle/>
-          <a:p>
-            <a:endParaRPr lang="en-US" dirty="0"/>
-          </a:p>
-          <a:p>
-            <a:endParaRPr lang="en-US" dirty="0"/>
-          </a:p>
-        </p:txBody>
-      </p:sp>
-      <p:pic>
-        <p:nvPicPr>
-          <p:cNvPr id="4098" name="Picture 2" descr="https://www.guru99.com/images/11-2014/agile_Processesv1_4.png">
-            <a:extLst>
-              <a:ext uri="{FF2B5EF4-FFF2-40B4-BE49-F238E27FC236}">
-                <a16:creationId xmlns:a16="http://schemas.microsoft.com/office/drawing/2014/main" id="{3B9388AB-80C3-4EBA-940B-1DEB7EBA2527}"/>
-              </a:ext>
-            </a:extLst>
-          </p:cNvPr>
-          <p:cNvPicPr>
-            <a:picLocks noChangeAspect="1" noChangeArrowheads="1"/>
-          </p:cNvPicPr>
-          <p:nvPr/>
-        </p:nvPicPr>
-        <p:blipFill>
-          <a:blip r:embed="rId3">
-            <a:extLst>
-              <a:ext uri="{28A0092B-C50C-407E-A947-70E740481C1C}">
-                <a14:useLocalDpi xmlns:a14="http://schemas.microsoft.com/office/drawing/2010/main" val="0"/>
-              </a:ext>
-            </a:extLst>
-          </a:blip>
-          <a:srcRect/>
-          <a:stretch>
-            <a:fillRect/>
-          </a:stretch>
-        </p:blipFill>
-        <p:spPr bwMode="auto">
-          <a:xfrm>
-            <a:off x="1212980" y="1700213"/>
-            <a:ext cx="8668137" cy="4429999"/>
-          </a:xfrm>
-          <a:prstGeom prst="rect">
-            <a:avLst/>
-          </a:prstGeom>
-          <a:noFill/>
-          <a:extLst>
-            <a:ext uri="{909E8E84-426E-40DD-AFC4-6F175D3DCCD1}">
-              <a14:hiddenFill xmlns:a14="http://schemas.microsoft.com/office/drawing/2010/main">
-                <a:solidFill>
-                  <a:srgbClr val="FFFFFF"/>
-                </a:solidFill>
-              </a14:hiddenFill>
-            </a:ext>
-          </a:extLst>
-        </p:spPr>
-      </p:pic>
-    </p:spTree>
-    <p:extLst>
-      <p:ext uri="{BB962C8B-B14F-4D97-AF65-F5344CB8AC3E}">
-        <p14:creationId xmlns:p14="http://schemas.microsoft.com/office/powerpoint/2010/main" val="3777230717"/>
-      </p:ext>
-    </p:extLst>
-  </p:cSld>
-  <p:clrMapOvr>
-    <a:masterClrMapping/>
-  </p:clrMapOvr>
-</p:sld>
-</file>
-
-<file path=ppt/slides/slide31.xml><?xml version="1.0" encoding="utf-8"?>
-<p:sld xmlns:a="http://schemas.openxmlformats.org/drawingml/2006/main" xmlns:r="http://schemas.openxmlformats.org/officeDocument/2006/relationships" xmlns:p="http://schemas.openxmlformats.org/presentationml/2006/main">
-  <p:cSld>
-    <p:spTree>
-      <p:nvGrpSpPr>
-        <p:cNvPr id="1" name=""/>
-        <p:cNvGrpSpPr/>
-        <p:nvPr/>
-      </p:nvGrpSpPr>
-      <p:grpSpPr>
-        <a:xfrm>
-          <a:off x="0" y="0"/>
-          <a:ext cx="0" cy="0"/>
-          <a:chOff x="0" y="0"/>
-          <a:chExt cx="0" cy="0"/>
-        </a:xfrm>
-      </p:grpSpPr>
-      <p:sp>
-        <p:nvSpPr>
-          <p:cNvPr id="2" name="Title 1">
-            <a:extLst>
-              <a:ext uri="{FF2B5EF4-FFF2-40B4-BE49-F238E27FC236}">
-                <a16:creationId xmlns:a16="http://schemas.microsoft.com/office/drawing/2014/main" id="{E1A9363A-F999-4F1C-A157-8DDECEB7BD31}"/>
-              </a:ext>
-            </a:extLst>
-          </p:cNvPr>
-          <p:cNvSpPr>
-            <a:spLocks noGrp="1"/>
-          </p:cNvSpPr>
-          <p:nvPr>
-            <p:ph type="title"/>
-          </p:nvPr>
-        </p:nvSpPr>
-        <p:spPr>
-          <a:xfrm>
-            <a:off x="838200" y="365125"/>
-            <a:ext cx="10515600" cy="1325563"/>
-          </a:xfrm>
-        </p:spPr>
-        <p:txBody>
-          <a:bodyPr/>
-          <a:lstStyle/>
-          <a:p>
-            <a:endParaRPr lang="en-IN" dirty="0"/>
-          </a:p>
-        </p:txBody>
-      </p:sp>
-      <p:sp>
-        <p:nvSpPr>
-          <p:cNvPr id="4" name="Content Placeholder 3">
-            <a:extLst>
-              <a:ext uri="{FF2B5EF4-FFF2-40B4-BE49-F238E27FC236}">
-                <a16:creationId xmlns:a16="http://schemas.microsoft.com/office/drawing/2014/main" id="{387D742D-38A5-44D3-8940-C29BC333E4DE}"/>
-              </a:ext>
-            </a:extLst>
-          </p:cNvPr>
-          <p:cNvSpPr>
-            <a:spLocks noGrp="1"/>
-          </p:cNvSpPr>
-          <p:nvPr>
-            <p:ph idx="1"/>
-          </p:nvPr>
-        </p:nvSpPr>
-        <p:spPr>
-          <a:xfrm>
-            <a:off x="838200" y="3012759"/>
-            <a:ext cx="10515600" cy="3164204"/>
-          </a:xfrm>
-        </p:spPr>
-        <p:txBody>
-          <a:bodyPr>
-            <a:noAutofit/>
-          </a:bodyPr>
-          <a:lstStyle/>
-          <a:p>
-            <a:pPr algn="ctr"/>
-            <a:endParaRPr lang="en-IN" sz="4000" b="1" dirty="0">
-              <a:latin typeface="Arial" panose="020B0604020202020204" pitchFamily="34" charset="0"/>
-              <a:cs typeface="Arial" panose="020B0604020202020204" pitchFamily="34" charset="0"/>
-            </a:endParaRPr>
-          </a:p>
-          <a:p>
-            <a:pPr marL="457200" lvl="1" indent="0" algn="ctr">
-              <a:buNone/>
-            </a:pPr>
-            <a:r>
-              <a:rPr lang="en-IN" sz="4000" b="1" dirty="0">
-                <a:latin typeface="Arial" panose="020B0604020202020204" pitchFamily="34" charset="0"/>
-                <a:cs typeface="Arial" panose="020B0604020202020204" pitchFamily="34" charset="0"/>
-              </a:rPr>
-              <a:t>Thanks</a:t>
-            </a:r>
-          </a:p>
-          <a:p>
-            <a:pPr marL="457200" lvl="1" indent="0" algn="ctr">
-              <a:buNone/>
-            </a:pPr>
-            <a:r>
-              <a:rPr lang="en-IN" sz="4000" b="1" dirty="0">
-                <a:latin typeface="Arial" panose="020B0604020202020204" pitchFamily="34" charset="0"/>
-                <a:cs typeface="Arial" panose="020B0604020202020204" pitchFamily="34" charset="0"/>
-              </a:rPr>
-              <a:t>Visit – </a:t>
-            </a:r>
-            <a:r>
-              <a:rPr lang="en-IN" sz="4000" b="1" dirty="0">
-                <a:latin typeface="Arial" panose="020B0604020202020204" pitchFamily="34" charset="0"/>
-                <a:cs typeface="Arial" panose="020B0604020202020204" pitchFamily="34" charset="0"/>
-                <a:hlinkClick r:id="rId2"/>
-              </a:rPr>
-              <a:t>www.kaushalya.tech</a:t>
-            </a:r>
-            <a:endParaRPr lang="en-IN" sz="4000" b="1" dirty="0">
-              <a:latin typeface="Arial" panose="020B0604020202020204" pitchFamily="34" charset="0"/>
-              <a:cs typeface="Arial" panose="020B0604020202020204" pitchFamily="34" charset="0"/>
-            </a:endParaRPr>
-          </a:p>
-          <a:p>
-            <a:pPr marL="457200" lvl="1" indent="0" algn="ctr">
-              <a:buNone/>
-            </a:pPr>
-            <a:r>
-              <a:rPr lang="en-IN" sz="4000" b="1" dirty="0">
-                <a:latin typeface="Arial" panose="020B0604020202020204" pitchFamily="34" charset="0"/>
-                <a:cs typeface="Arial" panose="020B0604020202020204" pitchFamily="34" charset="0"/>
-              </a:rPr>
-              <a:t>9845547471</a:t>
-            </a:r>
-          </a:p>
-          <a:p>
-            <a:endParaRPr lang="en-IN" sz="1400" dirty="0">
-              <a:latin typeface="Arial" panose="020B0604020202020204" pitchFamily="34" charset="0"/>
-              <a:cs typeface="Arial" panose="020B0604020202020204" pitchFamily="34" charset="0"/>
-            </a:endParaRPr>
-          </a:p>
-        </p:txBody>
-      </p:sp>
-    </p:spTree>
-    <p:extLst>
-      <p:ext uri="{BB962C8B-B14F-4D97-AF65-F5344CB8AC3E}">
-        <p14:creationId xmlns:p14="http://schemas.microsoft.com/office/powerpoint/2010/main" val="3959915205"/>
+        <p14:creationId xmlns:p14="http://schemas.microsoft.com/office/powerpoint/2010/main" xmlns="" val="3754997640"/>
       </p:ext>
     </p:extLst>
   </p:cSld>
@@ -7171,7 +7065,7 @@
           <p:cNvPr id="2" name="Title 1">
             <a:extLst>
               <a:ext uri="{FF2B5EF4-FFF2-40B4-BE49-F238E27FC236}">
-                <a16:creationId xmlns:a16="http://schemas.microsoft.com/office/drawing/2014/main" id="{1A41D3BD-21ED-4200-A35D-5864E79FFE5E}"/>
+                <a16:creationId xmlns:a16="http://schemas.microsoft.com/office/drawing/2014/main" xmlns="" id="{1A41D3BD-21ED-4200-A35D-5864E79FFE5E}"/>
               </a:ext>
             </a:extLst>
           </p:cNvPr>
@@ -7189,8 +7083,13 @@
           <a:p>
             <a:r>
               <a:rPr lang="en-IN" dirty="0"/>
-              <a:t>Course Objective</a:t>
-            </a:r>
+              <a:t>Course </a:t>
+            </a:r>
+            <a:r>
+              <a:rPr lang="en-IN" dirty="0" smtClean="0"/>
+              <a:t>Objectives</a:t>
+            </a:r>
+            <a:endParaRPr lang="en-IN" dirty="0"/>
           </a:p>
         </p:txBody>
       </p:sp>
@@ -7199,7 +7098,7 @@
           <p:cNvPr id="3" name="Content Placeholder 2">
             <a:extLst>
               <a:ext uri="{FF2B5EF4-FFF2-40B4-BE49-F238E27FC236}">
-                <a16:creationId xmlns:a16="http://schemas.microsoft.com/office/drawing/2014/main" id="{70EAE32C-01B9-4D24-8F7D-680E6749ACEE}"/>
+                <a16:creationId xmlns:a16="http://schemas.microsoft.com/office/drawing/2014/main" xmlns="" id="{70EAE32C-01B9-4D24-8F7D-680E6749ACEE}"/>
               </a:ext>
             </a:extLst>
           </p:cNvPr>
@@ -7222,12 +7121,12 @@
               <a:t>Learn and explore </a:t>
             </a:r>
             <a:r>
-              <a:rPr lang="en-IN" dirty="0" err="1"/>
-              <a:t>Fullstack</a:t>
+              <a:rPr lang="en-IN" dirty="0" smtClean="0"/>
+              <a:t>FULLSTACK </a:t>
             </a:r>
             <a:r>
               <a:rPr lang="en-IN" dirty="0"/>
-              <a:t> application development using Java and Angular</a:t>
+              <a:t>application development using Java and Angular</a:t>
             </a:r>
           </a:p>
           <a:p>
@@ -7239,19 +7138,31 @@
           <a:p>
             <a:r>
               <a:rPr lang="en-IN" dirty="0"/>
-              <a:t>Develop end to end module of a full web application development</a:t>
-            </a:r>
-          </a:p>
-          <a:p>
+              <a:t>Develop end to end module of a full </a:t>
+            </a:r>
+            <a:r>
+              <a:rPr lang="en-IN" dirty="0" smtClean="0"/>
+              <a:t>Web Application </a:t>
+            </a:r>
             <a:r>
               <a:rPr lang="en-IN" dirty="0"/>
-              <a:t>Develop web application using agile process</a:t>
-            </a:r>
-          </a:p>
-          <a:p>
+              <a:t>D</a:t>
+            </a:r>
+            <a:r>
+              <a:rPr lang="en-IN" dirty="0" smtClean="0"/>
+              <a:t>evelopment</a:t>
+            </a:r>
             <a:endParaRPr lang="en-IN" dirty="0"/>
           </a:p>
           <a:p>
+            <a:r>
+              <a:rPr lang="en-IN" dirty="0"/>
+              <a:t>Develop web application using agile </a:t>
+            </a:r>
+            <a:r>
+              <a:rPr lang="en-IN" dirty="0" smtClean="0"/>
+              <a:t>process</a:t>
+            </a:r>
             <a:endParaRPr lang="en-IN" dirty="0"/>
           </a:p>
         </p:txBody>
@@ -7259,7 +7170,7 @@
     </p:spTree>
     <p:extLst>
       <p:ext uri="{BB962C8B-B14F-4D97-AF65-F5344CB8AC3E}">
-        <p14:creationId xmlns:p14="http://schemas.microsoft.com/office/powerpoint/2010/main" val="3893497532"/>
+        <p14:creationId xmlns:p14="http://schemas.microsoft.com/office/powerpoint/2010/main" xmlns="" val="3893497532"/>
       </p:ext>
     </p:extLst>
   </p:cSld>
@@ -7291,7 +7202,7 @@
           <p:cNvPr id="2" name="Title 1">
             <a:extLst>
               <a:ext uri="{FF2B5EF4-FFF2-40B4-BE49-F238E27FC236}">
-                <a16:creationId xmlns:a16="http://schemas.microsoft.com/office/drawing/2014/main" id="{E1A9363A-F999-4F1C-A157-8DDECEB7BD31}"/>
+                <a16:creationId xmlns:a16="http://schemas.microsoft.com/office/drawing/2014/main" xmlns="" id="{E1A9363A-F999-4F1C-A157-8DDECEB7BD31}"/>
               </a:ext>
             </a:extLst>
           </p:cNvPr>
@@ -7308,12 +7219,12 @@
           <a:lstStyle/>
           <a:p>
             <a:r>
-              <a:rPr lang="en-IN" dirty="0" err="1"/>
-              <a:t>Fullstack</a:t>
+              <a:rPr lang="en-IN" dirty="0" smtClean="0"/>
+              <a:t>FULLSTACK </a:t>
             </a:r>
             <a:r>
               <a:rPr lang="en-IN" dirty="0"/>
-              <a:t> Web Application Development</a:t>
+              <a:t>Web Application Development</a:t>
             </a:r>
           </a:p>
         </p:txBody>
@@ -7323,7 +7234,7 @@
           <p:cNvPr id="4" name="Content Placeholder 3">
             <a:extLst>
               <a:ext uri="{FF2B5EF4-FFF2-40B4-BE49-F238E27FC236}">
-                <a16:creationId xmlns:a16="http://schemas.microsoft.com/office/drawing/2014/main" id="{387D742D-38A5-44D3-8940-C29BC333E4DE}"/>
+                <a16:creationId xmlns:a16="http://schemas.microsoft.com/office/drawing/2014/main" xmlns="" id="{387D742D-38A5-44D3-8940-C29BC333E4DE}"/>
               </a:ext>
             </a:extLst>
           </p:cNvPr>
@@ -7334,19 +7245,26 @@
             <p:ph idx="1"/>
           </p:nvPr>
         </p:nvSpPr>
-        <p:spPr/>
+        <p:spPr>
+          <a:xfrm>
+            <a:off x="877956" y="1587086"/>
+            <a:ext cx="10515600" cy="4787210"/>
+          </a:xfrm>
+        </p:spPr>
         <p:txBody>
           <a:bodyPr>
             <a:noAutofit/>
           </a:bodyPr>
           <a:lstStyle/>
           <a:p>
+            <a:pPr algn="just"/>
             <a:r>
               <a:rPr lang="en-US" b="1" dirty="0"/>
               <a:t>Full stack developer Simile</a:t>
             </a:r>
           </a:p>
           <a:p>
+            <a:pPr algn="just"/>
             <a:r>
               <a:rPr lang="en-US" b="1" dirty="0"/>
               <a:t>Defining, describing, and drawing you a picture…</a:t>
@@ -7354,6 +7272,7 @@
             <a:endParaRPr lang="en-US" dirty="0"/>
           </a:p>
           <a:p>
+            <a:pPr algn="just"/>
             <a:r>
               <a:rPr lang="en-US" dirty="0"/>
               <a:t>I’m going to use the most popular example to define a full-stack developer. If there’s one person who wore many hats in his lifetime, it’s </a:t>
@@ -7370,25 +7289,28 @@
             </a:r>
           </a:p>
           <a:p>
+            <a:pPr algn="just"/>
             <a:r>
               <a:rPr lang="en-US" dirty="0"/>
               <a:t>If this extraordinary Renaissance man was a programmer today, he would be what we call a “full-stack” developer. Murky picture becoming a little clearer, I hope.</a:t>
             </a:r>
           </a:p>
           <a:p>
+            <a:pPr algn="just"/>
             <a:endParaRPr lang="en-IN" sz="1400" b="1" dirty="0">
               <a:latin typeface="Arial" panose="020B0604020202020204" pitchFamily="34" charset="0"/>
               <a:cs typeface="Arial" panose="020B0604020202020204" pitchFamily="34" charset="0"/>
             </a:endParaRPr>
           </a:p>
           <a:p>
-            <a:pPr lvl="1"/>
+            <a:pPr lvl="1" algn="just"/>
             <a:endParaRPr lang="en-IN" sz="1400" b="1" dirty="0">
               <a:latin typeface="Arial" panose="020B0604020202020204" pitchFamily="34" charset="0"/>
               <a:cs typeface="Arial" panose="020B0604020202020204" pitchFamily="34" charset="0"/>
             </a:endParaRPr>
           </a:p>
           <a:p>
+            <a:pPr algn="just"/>
             <a:endParaRPr lang="en-IN" sz="1400" dirty="0">
               <a:latin typeface="Arial" panose="020B0604020202020204" pitchFamily="34" charset="0"/>
               <a:cs typeface="Arial" panose="020B0604020202020204" pitchFamily="34" charset="0"/>
@@ -7399,7 +7321,7 @@
     </p:spTree>
     <p:extLst>
       <p:ext uri="{BB962C8B-B14F-4D97-AF65-F5344CB8AC3E}">
-        <p14:creationId xmlns:p14="http://schemas.microsoft.com/office/powerpoint/2010/main" val="529267941"/>
+        <p14:creationId xmlns:p14="http://schemas.microsoft.com/office/powerpoint/2010/main" xmlns="" val="529267941"/>
       </p:ext>
     </p:extLst>
   </p:cSld>
@@ -7431,7 +7353,7 @@
           <p:cNvPr id="2" name="Title 1">
             <a:extLst>
               <a:ext uri="{FF2B5EF4-FFF2-40B4-BE49-F238E27FC236}">
-                <a16:creationId xmlns:a16="http://schemas.microsoft.com/office/drawing/2014/main" id="{E1A9363A-F999-4F1C-A157-8DDECEB7BD31}"/>
+                <a16:creationId xmlns:a16="http://schemas.microsoft.com/office/drawing/2014/main" xmlns="" id="{E1A9363A-F999-4F1C-A157-8DDECEB7BD31}"/>
               </a:ext>
             </a:extLst>
           </p:cNvPr>
@@ -7448,12 +7370,12 @@
           <a:lstStyle/>
           <a:p>
             <a:r>
-              <a:rPr lang="en-IN" dirty="0" err="1"/>
-              <a:t>Fullstack</a:t>
+              <a:rPr lang="en-IN" dirty="0" smtClean="0"/>
+              <a:t>FULLSTACK </a:t>
             </a:r>
             <a:r>
               <a:rPr lang="en-IN" dirty="0"/>
-              <a:t> Web Application Development</a:t>
+              <a:t>Web Application Development</a:t>
             </a:r>
           </a:p>
         </p:txBody>
@@ -7463,7 +7385,7 @@
           <p:cNvPr id="4" name="Content Placeholder 3">
             <a:extLst>
               <a:ext uri="{FF2B5EF4-FFF2-40B4-BE49-F238E27FC236}">
-                <a16:creationId xmlns:a16="http://schemas.microsoft.com/office/drawing/2014/main" id="{387D742D-38A5-44D3-8940-C29BC333E4DE}"/>
+                <a16:creationId xmlns:a16="http://schemas.microsoft.com/office/drawing/2014/main" xmlns="" id="{387D742D-38A5-44D3-8940-C29BC333E4DE}"/>
               </a:ext>
             </a:extLst>
           </p:cNvPr>
@@ -7481,6 +7403,7 @@
           </a:bodyPr>
           <a:lstStyle/>
           <a:p>
+            <a:pPr algn="just"/>
             <a:r>
               <a:rPr lang="en-US" b="1" dirty="0"/>
               <a:t>Full stack development:</a:t>
@@ -7507,6 +7430,7 @@
             </a:r>
           </a:p>
           <a:p>
+            <a:pPr algn="just"/>
             <a:r>
               <a:rPr lang="en-US" b="1" dirty="0"/>
               <a:t>Full stack web Developers:</a:t>
@@ -7517,19 +7441,21 @@
             </a:r>
           </a:p>
           <a:p>
+            <a:pPr algn="just"/>
             <a:endParaRPr lang="en-IN" sz="1400" b="1" dirty="0">
               <a:latin typeface="Arial" panose="020B0604020202020204" pitchFamily="34" charset="0"/>
               <a:cs typeface="Arial" panose="020B0604020202020204" pitchFamily="34" charset="0"/>
             </a:endParaRPr>
           </a:p>
           <a:p>
-            <a:pPr lvl="1"/>
+            <a:pPr lvl="1" algn="just"/>
             <a:endParaRPr lang="en-IN" sz="1400" b="1" dirty="0">
               <a:latin typeface="Arial" panose="020B0604020202020204" pitchFamily="34" charset="0"/>
               <a:cs typeface="Arial" panose="020B0604020202020204" pitchFamily="34" charset="0"/>
             </a:endParaRPr>
           </a:p>
           <a:p>
+            <a:pPr algn="just"/>
             <a:endParaRPr lang="en-IN" sz="1400" dirty="0">
               <a:latin typeface="Arial" panose="020B0604020202020204" pitchFamily="34" charset="0"/>
               <a:cs typeface="Arial" panose="020B0604020202020204" pitchFamily="34" charset="0"/>
@@ -7540,7 +7466,7 @@
     </p:spTree>
     <p:extLst>
       <p:ext uri="{BB962C8B-B14F-4D97-AF65-F5344CB8AC3E}">
-        <p14:creationId xmlns:p14="http://schemas.microsoft.com/office/powerpoint/2010/main" val="493829689"/>
+        <p14:creationId xmlns:p14="http://schemas.microsoft.com/office/powerpoint/2010/main" xmlns="" val="493829689"/>
       </p:ext>
     </p:extLst>
   </p:cSld>
@@ -7572,7 +7498,7 @@
           <p:cNvPr id="2" name="Title 1">
             <a:extLst>
               <a:ext uri="{FF2B5EF4-FFF2-40B4-BE49-F238E27FC236}">
-                <a16:creationId xmlns:a16="http://schemas.microsoft.com/office/drawing/2014/main" id="{E1A9363A-F999-4F1C-A157-8DDECEB7BD31}"/>
+                <a16:creationId xmlns:a16="http://schemas.microsoft.com/office/drawing/2014/main" xmlns="" id="{E1A9363A-F999-4F1C-A157-8DDECEB7BD31}"/>
               </a:ext>
             </a:extLst>
           </p:cNvPr>
@@ -7583,7 +7509,12 @@
             <p:ph type="title"/>
           </p:nvPr>
         </p:nvSpPr>
-        <p:spPr/>
+        <p:spPr>
+          <a:xfrm>
+            <a:off x="463826" y="365125"/>
+            <a:ext cx="11370366" cy="1325563"/>
+          </a:xfrm>
+        </p:spPr>
         <p:txBody>
           <a:bodyPr/>
           <a:lstStyle/>
@@ -7593,13 +7524,10 @@
               <a:t>Technologies related to </a:t>
             </a:r>
             <a:r>
-              <a:rPr lang="en-IN" dirty="0" err="1"/>
-              <a:t>fullstack</a:t>
-            </a:r>
-            <a:r>
-              <a:rPr lang="en-IN" dirty="0"/>
-              <a:t> development</a:t>
-            </a:r>
+              <a:rPr lang="en-IN" dirty="0" smtClean="0"/>
+              <a:t>FULLSTACK development</a:t>
+            </a:r>
+            <a:endParaRPr lang="en-IN" dirty="0"/>
           </a:p>
         </p:txBody>
       </p:sp>
@@ -7608,7 +7536,7 @@
           <p:cNvPr id="4" name="Content Placeholder 3">
             <a:extLst>
               <a:ext uri="{FF2B5EF4-FFF2-40B4-BE49-F238E27FC236}">
-                <a16:creationId xmlns:a16="http://schemas.microsoft.com/office/drawing/2014/main" id="{387D742D-38A5-44D3-8940-C29BC333E4DE}"/>
+                <a16:creationId xmlns:a16="http://schemas.microsoft.com/office/drawing/2014/main" xmlns="" id="{387D742D-38A5-44D3-8940-C29BC333E4DE}"/>
               </a:ext>
             </a:extLst>
           </p:cNvPr>
@@ -7619,13 +7547,19 @@
             <p:ph idx="1"/>
           </p:nvPr>
         </p:nvSpPr>
-        <p:spPr/>
+        <p:spPr>
+          <a:xfrm>
+            <a:off x="639417" y="1534077"/>
+            <a:ext cx="10515600" cy="4932984"/>
+          </a:xfrm>
+        </p:spPr>
         <p:txBody>
           <a:bodyPr>
             <a:noAutofit/>
           </a:bodyPr>
           <a:lstStyle/>
           <a:p>
+            <a:pPr algn="just"/>
             <a:r>
               <a:rPr lang="en-US" b="1" dirty="0"/>
               <a:t>Front end:</a:t>
@@ -7636,25 +7570,34 @@
             </a:r>
           </a:p>
           <a:p>
-            <a:pPr lvl="1"/>
+            <a:pPr lvl="1" algn="just"/>
             <a:r>
               <a:rPr lang="en-US" b="1" dirty="0"/>
               <a:t>Languages – HTML/CSS/Java Script/AJAX</a:t>
             </a:r>
           </a:p>
           <a:p>
-            <a:pPr lvl="1"/>
+            <a:pPr lvl="1" algn="just"/>
             <a:r>
               <a:rPr lang="en-US" b="1" dirty="0"/>
-              <a:t>Frameworks and Libraries – </a:t>
-            </a:r>
-            <a:r>
-              <a:rPr lang="en-US" b="1" dirty="0" err="1"/>
-              <a:t>Angular,React,Bootstrap,Jquery,SAAS</a:t>
+              <a:t>Frameworks and Libraries – Angular</a:t>
+            </a:r>
+            <a:r>
+              <a:rPr lang="en-US" b="1" dirty="0" smtClean="0"/>
+              <a:t>, React, Bootstrap, </a:t>
+            </a:r>
+            <a:r>
+              <a:rPr lang="en-US" b="1" dirty="0" err="1" smtClean="0"/>
+              <a:t>Jquery</a:t>
+            </a:r>
+            <a:r>
+              <a:rPr lang="en-US" b="1" dirty="0" smtClean="0"/>
+              <a:t>, SAAS</a:t>
             </a:r>
             <a:endParaRPr lang="en-US" b="1" dirty="0"/>
           </a:p>
           <a:p>
+            <a:pPr algn="just"/>
             <a:r>
               <a:rPr lang="en-US" b="1" dirty="0"/>
               <a:t>Back end:</a:t>
@@ -7665,43 +7608,53 @@
             </a:r>
           </a:p>
           <a:p>
-            <a:pPr lvl="1"/>
+            <a:pPr lvl="1" algn="just"/>
             <a:r>
               <a:rPr lang="en-US" b="1" dirty="0"/>
               <a:t>Languages – PHP/C++/Java/Python/JavaScript-Node.js</a:t>
             </a:r>
           </a:p>
           <a:p>
-            <a:pPr lvl="1"/>
+            <a:pPr lvl="1" algn="just"/>
             <a:r>
               <a:rPr lang="en-US" b="1" dirty="0"/>
-              <a:t>Frameworks and Libraries – </a:t>
-            </a:r>
-            <a:r>
-              <a:rPr lang="en-US" b="1" dirty="0" err="1"/>
-              <a:t>Express,Django,Rails,Laravel,Spring</a:t>
+              <a:t>Frameworks and Libraries – Express</a:t>
+            </a:r>
+            <a:r>
+              <a:rPr lang="en-US" b="1" dirty="0" smtClean="0"/>
+              <a:t>, Django, Rails, </a:t>
+            </a:r>
+            <a:r>
+              <a:rPr lang="en-US" b="1" dirty="0" err="1" smtClean="0"/>
+              <a:t>Laravel</a:t>
+            </a:r>
+            <a:r>
+              <a:rPr lang="en-US" b="1" dirty="0" smtClean="0"/>
+              <a:t>, Spring</a:t>
             </a:r>
             <a:endParaRPr lang="en-US" b="1" dirty="0"/>
           </a:p>
           <a:p>
-            <a:pPr lvl="1"/>
+            <a:pPr lvl="1" algn="just"/>
             <a:r>
               <a:rPr lang="en-US" b="1" dirty="0"/>
-              <a:t>Database – </a:t>
-            </a:r>
-            <a:r>
-              <a:rPr lang="en-US" b="1" dirty="0" err="1"/>
-              <a:t>Oracle,MySQL,MongoDB,MSSQL,PostgreSQL</a:t>
+              <a:t>Database – Oracle</a:t>
+            </a:r>
+            <a:r>
+              <a:rPr lang="en-US" b="1" dirty="0" smtClean="0"/>
+              <a:t>, MySQL, MongoDB, MSSQL, PostgreSQL</a:t>
             </a:r>
             <a:endParaRPr lang="en-US" b="1" dirty="0"/>
           </a:p>
           <a:p>
+            <a:pPr algn="just"/>
             <a:endParaRPr lang="en-IN" sz="1400" b="1" dirty="0">
               <a:latin typeface="Arial" panose="020B0604020202020204" pitchFamily="34" charset="0"/>
               <a:cs typeface="Arial" panose="020B0604020202020204" pitchFamily="34" charset="0"/>
             </a:endParaRPr>
           </a:p>
           <a:p>
+            <a:pPr algn="just"/>
             <a:endParaRPr lang="en-IN" sz="1400" dirty="0">
               <a:latin typeface="Arial" panose="020B0604020202020204" pitchFamily="34" charset="0"/>
               <a:cs typeface="Arial" panose="020B0604020202020204" pitchFamily="34" charset="0"/>
@@ -7712,7 +7665,7 @@
     </p:spTree>
     <p:extLst>
       <p:ext uri="{BB962C8B-B14F-4D97-AF65-F5344CB8AC3E}">
-        <p14:creationId xmlns:p14="http://schemas.microsoft.com/office/powerpoint/2010/main" val="706576805"/>
+        <p14:creationId xmlns:p14="http://schemas.microsoft.com/office/powerpoint/2010/main" xmlns="" val="706576805"/>
       </p:ext>
     </p:extLst>
   </p:cSld>
@@ -7744,7 +7697,7 @@
           <p:cNvPr id="2" name="Title 1">
             <a:extLst>
               <a:ext uri="{FF2B5EF4-FFF2-40B4-BE49-F238E27FC236}">
-                <a16:creationId xmlns:a16="http://schemas.microsoft.com/office/drawing/2014/main" id="{E1A9363A-F999-4F1C-A157-8DDECEB7BD31}"/>
+                <a16:creationId xmlns:a16="http://schemas.microsoft.com/office/drawing/2014/main" xmlns="" id="{E1A9363A-F999-4F1C-A157-8DDECEB7BD31}"/>
               </a:ext>
             </a:extLst>
           </p:cNvPr>
@@ -7755,7 +7708,12 @@
             <p:ph type="title"/>
           </p:nvPr>
         </p:nvSpPr>
-        <p:spPr/>
+        <p:spPr>
+          <a:xfrm>
+            <a:off x="622851" y="365125"/>
+            <a:ext cx="11224592" cy="1325563"/>
+          </a:xfrm>
+        </p:spPr>
         <p:txBody>
           <a:bodyPr/>
           <a:lstStyle/>
@@ -7765,13 +7723,10 @@
               <a:t>Technologies related to </a:t>
             </a:r>
             <a:r>
-              <a:rPr lang="en-IN" dirty="0" err="1"/>
-              <a:t>fullstack</a:t>
-            </a:r>
-            <a:r>
-              <a:rPr lang="en-IN" dirty="0"/>
-              <a:t> development</a:t>
-            </a:r>
+              <a:rPr lang="en-IN" dirty="0" smtClean="0"/>
+              <a:t>FULLSTACK development</a:t>
+            </a:r>
+            <a:endParaRPr lang="en-IN" dirty="0"/>
           </a:p>
         </p:txBody>
       </p:sp>
@@ -7780,7 +7735,7 @@
           <p:cNvPr id="4" name="Content Placeholder 3">
             <a:extLst>
               <a:ext uri="{FF2B5EF4-FFF2-40B4-BE49-F238E27FC236}">
-                <a16:creationId xmlns:a16="http://schemas.microsoft.com/office/drawing/2014/main" id="{387D742D-38A5-44D3-8940-C29BC333E4DE}"/>
+                <a16:creationId xmlns:a16="http://schemas.microsoft.com/office/drawing/2014/main" xmlns="" id="{387D742D-38A5-44D3-8940-C29BC333E4DE}"/>
               </a:ext>
             </a:extLst>
           </p:cNvPr>
@@ -7791,27 +7746,33 @@
             <p:ph idx="1"/>
           </p:nvPr>
         </p:nvSpPr>
-        <p:spPr/>
+        <p:spPr>
+          <a:xfrm>
+            <a:off x="904461" y="1799121"/>
+            <a:ext cx="10515600" cy="4351338"/>
+          </a:xfrm>
+        </p:spPr>
         <p:txBody>
           <a:bodyPr>
             <a:noAutofit/>
           </a:bodyPr>
           <a:lstStyle/>
           <a:p>
+            <a:pPr algn="just"/>
             <a:r>
               <a:rPr lang="en-US" b="1" dirty="0"/>
               <a:t>Popular Stacks</a:t>
             </a:r>
           </a:p>
           <a:p>
-            <a:pPr lvl="1"/>
+            <a:pPr lvl="1" algn="just"/>
             <a:r>
               <a:rPr lang="en-US" b="1" dirty="0"/>
-              <a:t>MEAN (</a:t>
-            </a:r>
-            <a:r>
-              <a:rPr lang="en-US" b="1" dirty="0" err="1"/>
-              <a:t>Mongo,Express,Angular,Node</a:t>
+              <a:t>MEAN (Mongo</a:t>
+            </a:r>
+            <a:r>
+              <a:rPr lang="en-US" b="1" dirty="0" smtClean="0"/>
+              <a:t>, Express, Angular, Node</a:t>
             </a:r>
             <a:r>
               <a:rPr lang="en-US" b="1" dirty="0"/>
@@ -7819,14 +7780,14 @@
             </a:r>
           </a:p>
           <a:p>
-            <a:pPr lvl="1"/>
+            <a:pPr lvl="1" algn="just"/>
             <a:r>
               <a:rPr lang="en-US" b="1" dirty="0"/>
-              <a:t>MERN (</a:t>
-            </a:r>
-            <a:r>
-              <a:rPr lang="en-US" b="1" dirty="0" err="1"/>
-              <a:t>Mongo,Express,React,Node</a:t>
+              <a:t>MERN (Mongo</a:t>
+            </a:r>
+            <a:r>
+              <a:rPr lang="en-US" b="1" dirty="0" smtClean="0"/>
+              <a:t>, Express, React, Node</a:t>
             </a:r>
             <a:r>
               <a:rPr lang="en-US" b="1" dirty="0"/>
@@ -7834,14 +7795,18 @@
             </a:r>
           </a:p>
           <a:p>
-            <a:pPr lvl="1"/>
+            <a:pPr lvl="1" algn="just"/>
             <a:r>
               <a:rPr lang="en-US" b="1" dirty="0"/>
-              <a:t>Django (</a:t>
-            </a:r>
-            <a:r>
-              <a:rPr lang="en-US" b="1" dirty="0" err="1"/>
-              <a:t>Django,Python,MySQL</a:t>
+              <a:t>Django (Django</a:t>
+            </a:r>
+            <a:r>
+              <a:rPr lang="en-US" b="1" dirty="0" smtClean="0"/>
+              <a:t>, </a:t>
+            </a:r>
+            <a:r>
+              <a:rPr lang="en-US" b="1" dirty="0" err="1" smtClean="0"/>
+              <a:t>Python,MySQL</a:t>
             </a:r>
             <a:r>
               <a:rPr lang="en-US" b="1" dirty="0"/>
@@ -7849,14 +7814,18 @@
             </a:r>
           </a:p>
           <a:p>
-            <a:pPr lvl="1"/>
+            <a:pPr lvl="1" algn="just"/>
             <a:r>
               <a:rPr lang="en-US" b="1" dirty="0"/>
-              <a:t>Rails or Ruby on Rails (</a:t>
-            </a:r>
-            <a:r>
-              <a:rPr lang="en-US" b="1" dirty="0" err="1"/>
-              <a:t>Ruby,PHP,MySQL</a:t>
+              <a:t>Rails or Ruby on Rails (Ruby</a:t>
+            </a:r>
+            <a:r>
+              <a:rPr lang="en-US" b="1" dirty="0" smtClean="0"/>
+              <a:t>, </a:t>
+            </a:r>
+            <a:r>
+              <a:rPr lang="en-US" b="1" dirty="0" err="1" smtClean="0"/>
+              <a:t>PHP,MySQL</a:t>
             </a:r>
             <a:r>
               <a:rPr lang="en-US" b="1" dirty="0"/>
@@ -7864,14 +7833,14 @@
             </a:r>
           </a:p>
           <a:p>
-            <a:pPr lvl="1"/>
+            <a:pPr lvl="1" algn="just"/>
             <a:r>
               <a:rPr lang="en-US" b="1" dirty="0"/>
-              <a:t>LAMP (</a:t>
-            </a:r>
-            <a:r>
-              <a:rPr lang="en-US" b="1" dirty="0" err="1"/>
-              <a:t>Linux,Apache,MySQL,PHP</a:t>
+              <a:t>LAMP (Linux</a:t>
+            </a:r>
+            <a:r>
+              <a:rPr lang="en-US" b="1" dirty="0" smtClean="0"/>
+              <a:t>, Apache, MySQL, PHP</a:t>
             </a:r>
             <a:r>
               <a:rPr lang="en-US" b="1" dirty="0"/>
@@ -7879,7 +7848,7 @@
             </a:r>
           </a:p>
           <a:p>
-            <a:pPr marL="228600" lvl="1">
+            <a:pPr marL="228600" lvl="1" algn="just">
               <a:spcBef>
                 <a:spcPts val="1000"/>
               </a:spcBef>
@@ -7890,56 +7859,82 @@
             </a:r>
           </a:p>
           <a:p>
-            <a:pPr marL="685800" lvl="2">
+            <a:pPr marL="685800" lvl="2" algn="just">
               <a:spcBef>
                 <a:spcPts val="1000"/>
               </a:spcBef>
             </a:pPr>
             <a:r>
-              <a:rPr lang="en-US" sz="2400" b="1" dirty="0" err="1"/>
-              <a:t>Angular,Java,Spring</a:t>
+              <a:rPr lang="en-US" sz="2400" b="1" dirty="0"/>
+              <a:t>Angular</a:t>
+            </a:r>
+            <a:r>
+              <a:rPr lang="en-US" sz="2400" b="1" dirty="0" smtClean="0"/>
+              <a:t>, </a:t>
+            </a:r>
+            <a:r>
+              <a:rPr lang="en-US" sz="2400" b="1" dirty="0" err="1" smtClean="0"/>
+              <a:t>Java,Spring</a:t>
             </a:r>
             <a:endParaRPr lang="en-US" sz="2400" b="1" dirty="0"/>
           </a:p>
           <a:p>
-            <a:pPr marL="685800" lvl="2">
+            <a:pPr marL="685800" lvl="2" algn="just">
               <a:spcBef>
                 <a:spcPts val="1000"/>
               </a:spcBef>
             </a:pPr>
             <a:r>
-              <a:rPr lang="en-US" sz="2400" b="1" dirty="0" err="1"/>
-              <a:t>React,Java,Spring</a:t>
+              <a:rPr lang="en-US" sz="2400" b="1" dirty="0"/>
+              <a:t>React</a:t>
+            </a:r>
+            <a:r>
+              <a:rPr lang="en-US" sz="2400" b="1" dirty="0" smtClean="0"/>
+              <a:t>, </a:t>
+            </a:r>
+            <a:r>
+              <a:rPr lang="en-US" sz="2400" b="1" dirty="0" err="1" smtClean="0"/>
+              <a:t>Java,Spring</a:t>
             </a:r>
             <a:endParaRPr lang="en-US" sz="2400" b="1" dirty="0"/>
           </a:p>
           <a:p>
-            <a:pPr marL="685800" lvl="2">
+            <a:pPr marL="685800" lvl="2" algn="just">
               <a:spcBef>
                 <a:spcPts val="1000"/>
               </a:spcBef>
             </a:pPr>
             <a:r>
-              <a:rPr lang="en-US" sz="2400" b="1" dirty="0" err="1"/>
-              <a:t>Angular,Python,Django</a:t>
+              <a:rPr lang="en-US" sz="2400" b="1" dirty="0"/>
+              <a:t>Angular</a:t>
+            </a:r>
+            <a:r>
+              <a:rPr lang="en-US" sz="2400" b="1" dirty="0" smtClean="0"/>
+              <a:t>, </a:t>
+            </a:r>
+            <a:r>
+              <a:rPr lang="en-US" sz="2400" b="1" dirty="0" err="1" smtClean="0"/>
+              <a:t>Python,Django</a:t>
             </a:r>
             <a:endParaRPr lang="en-US" sz="2400" b="1" dirty="0"/>
           </a:p>
           <a:p>
-            <a:pPr lvl="1"/>
+            <a:pPr lvl="1" algn="just"/>
             <a:endParaRPr lang="en-US" b="1" dirty="0"/>
           </a:p>
           <a:p>
-            <a:pPr lvl="1"/>
+            <a:pPr lvl="1" algn="just"/>
             <a:endParaRPr lang="en-US" b="1" dirty="0"/>
           </a:p>
           <a:p>
+            <a:pPr algn="just"/>
             <a:endParaRPr lang="en-IN" sz="1400" b="1" dirty="0">
               <a:latin typeface="Arial" panose="020B0604020202020204" pitchFamily="34" charset="0"/>
               <a:cs typeface="Arial" panose="020B0604020202020204" pitchFamily="34" charset="0"/>
             </a:endParaRPr>
           </a:p>
           <a:p>
+            <a:pPr algn="just"/>
             <a:endParaRPr lang="en-IN" sz="1400" dirty="0">
               <a:latin typeface="Arial" panose="020B0604020202020204" pitchFamily="34" charset="0"/>
               <a:cs typeface="Arial" panose="020B0604020202020204" pitchFamily="34" charset="0"/>
@@ -7950,7 +7945,7 @@
     </p:spTree>
     <p:extLst>
       <p:ext uri="{BB962C8B-B14F-4D97-AF65-F5344CB8AC3E}">
-        <p14:creationId xmlns:p14="http://schemas.microsoft.com/office/powerpoint/2010/main" val="1740258554"/>
+        <p14:creationId xmlns:p14="http://schemas.microsoft.com/office/powerpoint/2010/main" xmlns="" val="1740258554"/>
       </p:ext>
     </p:extLst>
   </p:cSld>
@@ -7982,7 +7977,7 @@
           <p:cNvPr id="2" name="Title 1">
             <a:extLst>
               <a:ext uri="{FF2B5EF4-FFF2-40B4-BE49-F238E27FC236}">
-                <a16:creationId xmlns:a16="http://schemas.microsoft.com/office/drawing/2014/main" id="{E1A9363A-F999-4F1C-A157-8DDECEB7BD31}"/>
+                <a16:creationId xmlns:a16="http://schemas.microsoft.com/office/drawing/2014/main" xmlns="" id="{E1A9363A-F999-4F1C-A157-8DDECEB7BD31}"/>
               </a:ext>
             </a:extLst>
           </p:cNvPr>
@@ -8000,8 +7995,21 @@
           <a:p>
             <a:r>
               <a:rPr lang="en-IN" dirty="0"/>
-              <a:t>Tips to choose web tech stack</a:t>
-            </a:r>
+              <a:t>Tips to choose </a:t>
+            </a:r>
+            <a:r>
+              <a:rPr lang="en-IN" dirty="0" smtClean="0"/>
+              <a:t>Web </a:t>
+            </a:r>
+            <a:r>
+              <a:rPr lang="en-IN" dirty="0"/>
+              <a:t>T</a:t>
+            </a:r>
+            <a:r>
+              <a:rPr lang="en-IN" dirty="0" smtClean="0"/>
+              <a:t>ech Stack</a:t>
+            </a:r>
+            <a:endParaRPr lang="en-IN" dirty="0"/>
           </a:p>
         </p:txBody>
       </p:sp>
@@ -8010,7 +8018,7 @@
           <p:cNvPr id="4" name="Content Placeholder 3">
             <a:extLst>
               <a:ext uri="{FF2B5EF4-FFF2-40B4-BE49-F238E27FC236}">
-                <a16:creationId xmlns:a16="http://schemas.microsoft.com/office/drawing/2014/main" id="{387D742D-38A5-44D3-8940-C29BC333E4DE}"/>
+                <a16:creationId xmlns:a16="http://schemas.microsoft.com/office/drawing/2014/main" xmlns="" id="{387D742D-38A5-44D3-8940-C29BC333E4DE}"/>
               </a:ext>
             </a:extLst>
           </p:cNvPr>
@@ -8028,52 +8036,56 @@
           </a:bodyPr>
           <a:lstStyle/>
           <a:p>
+            <a:pPr algn="just"/>
             <a:r>
               <a:rPr lang="en-US" b="1" dirty="0"/>
               <a:t>Define project requirement – both functional and non functional requirement</a:t>
             </a:r>
           </a:p>
           <a:p>
+            <a:pPr algn="just"/>
             <a:r>
               <a:rPr lang="en-US" b="1" dirty="0"/>
               <a:t>Non functional </a:t>
             </a:r>
           </a:p>
           <a:p>
-            <a:pPr lvl="1"/>
+            <a:pPr lvl="1" algn="just"/>
             <a:r>
               <a:rPr lang="en-US" b="1" dirty="0"/>
               <a:t>Scalability</a:t>
             </a:r>
           </a:p>
           <a:p>
-            <a:pPr lvl="1"/>
+            <a:pPr lvl="1" algn="just"/>
             <a:r>
               <a:rPr lang="en-US" b="1" dirty="0"/>
               <a:t>Availability</a:t>
             </a:r>
           </a:p>
           <a:p>
-            <a:pPr lvl="1"/>
+            <a:pPr lvl="1" algn="just"/>
             <a:r>
               <a:rPr lang="en-US" b="1" dirty="0"/>
               <a:t>Security</a:t>
             </a:r>
           </a:p>
           <a:p>
-            <a:pPr lvl="1"/>
+            <a:pPr lvl="1" algn="just"/>
             <a:r>
               <a:rPr lang="en-US" b="1" dirty="0"/>
               <a:t>Maintainability</a:t>
             </a:r>
           </a:p>
           <a:p>
+            <a:pPr algn="just"/>
             <a:r>
               <a:rPr lang="en-US" b="1" dirty="0"/>
               <a:t>Development time</a:t>
             </a:r>
           </a:p>
           <a:p>
+            <a:pPr algn="just"/>
             <a:r>
               <a:rPr lang="en-US" b="1" dirty="0"/>
               <a:t>Development cost</a:t>
@@ -8084,7 +8096,7 @@
     </p:spTree>
     <p:extLst>
       <p:ext uri="{BB962C8B-B14F-4D97-AF65-F5344CB8AC3E}">
-        <p14:creationId xmlns:p14="http://schemas.microsoft.com/office/powerpoint/2010/main" val="3016315195"/>
+        <p14:creationId xmlns:p14="http://schemas.microsoft.com/office/powerpoint/2010/main" xmlns="" val="3016315195"/>
       </p:ext>
     </p:extLst>
   </p:cSld>
@@ -8137,7 +8149,7 @@
     </a:clrScheme>
     <a:fontScheme name="Office">
       <a:majorFont>
-        <a:latin typeface="Calibri Light" panose="020F0302020204030204"/>
+        <a:latin typeface="Calibri Light"/>
         <a:ea typeface=""/>
         <a:cs typeface=""/>
         <a:font script="Jpan" typeface="游ゴシック Light"/>
@@ -8189,7 +8201,7 @@
         <a:font script="Tfng" typeface="Ebrima"/>
       </a:majorFont>
       <a:minorFont>
-        <a:latin typeface="Calibri" panose="020F0502020204030204"/>
+        <a:latin typeface="Calibri"/>
         <a:ea typeface=""/>
         <a:cs typeface=""/>
         <a:font script="Jpan" typeface="游ゴシック"/>
@@ -8383,7 +8395,7 @@
   <a:extraClrSchemeLst/>
   <a:extLst>
     <a:ext uri="{05A4C25C-085E-4340-85A3-A5531E510DB2}">
-      <thm15:themeFamily xmlns:thm15="http://schemas.microsoft.com/office/thememl/2012/main" name="Office Theme" id="{62F939B6-93AF-4DB8-9C6B-D6C7DFDC589F}" vid="{4A3C46E8-61CC-4603-A589-7422A47A8E4A}"/>
+      <thm15:themeFamily xmlns:thm15="http://schemas.microsoft.com/office/thememl/2012/main" xmlns="" name="Office Theme" id="{62F939B6-93AF-4DB8-9C6B-D6C7DFDC589F}" vid="{4A3C46E8-61CC-4603-A589-7422A47A8E4A}"/>
     </a:ext>
   </a:extLst>
 </a:theme>
@@ -8432,7 +8444,7 @@
     </a:clrScheme>
     <a:fontScheme name="Office">
       <a:majorFont>
-        <a:latin typeface="Calibri Light" panose="020F0302020204030204"/>
+        <a:latin typeface="Calibri Light"/>
         <a:ea typeface=""/>
         <a:cs typeface=""/>
         <a:font script="Jpan" typeface="游ゴシック Light"/>
@@ -8484,7 +8496,7 @@
         <a:font script="Tfng" typeface="Ebrima"/>
       </a:majorFont>
       <a:minorFont>
-        <a:latin typeface="Calibri" panose="020F0502020204030204"/>
+        <a:latin typeface="Calibri"/>
         <a:ea typeface=""/>
         <a:cs typeface=""/>
         <a:font script="Jpan" typeface="游ゴシック"/>
@@ -8678,7 +8690,7 @@
   <a:extraClrSchemeLst/>
   <a:extLst>
     <a:ext uri="{05A4C25C-085E-4340-85A3-A5531E510DB2}">
-      <thm15:themeFamily xmlns:thm15="http://schemas.microsoft.com/office/thememl/2012/main" name="Office Theme" id="{62F939B6-93AF-4DB8-9C6B-D6C7DFDC589F}" vid="{4A3C46E8-61CC-4603-A589-7422A47A8E4A}"/>
+      <thm15:themeFamily xmlns:thm15="http://schemas.microsoft.com/office/thememl/2012/main" xmlns="" name="Office Theme" id="{62F939B6-93AF-4DB8-9C6B-D6C7DFDC589F}" vid="{4A3C46E8-61CC-4603-A589-7422A47A8E4A}"/>
     </a:ext>
   </a:extLst>
 </a:theme>
